--- a/csc402-ln017.pptx
+++ b/csc402-ln017.pptx
@@ -18,11 +18,11 @@
     <p:sldId id="270" r:id="rId9"/>
     <p:sldId id="264" r:id="rId10"/>
     <p:sldId id="271" r:id="rId11"/>
-    <p:sldId id="267" r:id="rId12"/>
-    <p:sldId id="268" r:id="rId13"/>
-    <p:sldId id="274" r:id="rId14"/>
-    <p:sldId id="272" r:id="rId15"/>
-    <p:sldId id="273" r:id="rId16"/>
+    <p:sldId id="278" r:id="rId12"/>
+    <p:sldId id="267" r:id="rId13"/>
+    <p:sldId id="268" r:id="rId14"/>
+    <p:sldId id="274" r:id="rId15"/>
+    <p:sldId id="272" r:id="rId16"/>
     <p:sldId id="276" r:id="rId17"/>
     <p:sldId id="275" r:id="rId18"/>
     <p:sldId id="277" r:id="rId19"/>
@@ -225,14 +225,14 @@
               <ma14:placeholderFlag xmlns:ma14="http://schemas.microsoft.com/office/mac/drawingml/2011/main" val="1"/>
             </a:ext>
             <a:ext uri="{909E8E84-426E-40dd-AFC4-6F175D3DCCD1}">
-              <a14:hiddenFill xmlns:a14="http://schemas.microsoft.com/office/drawing/2010/main" xmlns="">
+              <a14:hiddenFill xmlns="" xmlns:a14="http://schemas.microsoft.com/office/drawing/2010/main">
                 <a:solidFill>
                   <a:schemeClr val="accent1"/>
                 </a:solidFill>
               </a14:hiddenFill>
             </a:ext>
             <a:ext uri="{91240B29-F687-4f45-9708-019B960494DF}">
-              <a14:hiddenLine xmlns:a14="http://schemas.microsoft.com/office/drawing/2010/main" xmlns="" w="9525">
+              <a14:hiddenLine xmlns="" xmlns:a14="http://schemas.microsoft.com/office/drawing/2010/main" w="9525">
                 <a:solidFill>
                   <a:schemeClr val="tx1"/>
                 </a:solidFill>
@@ -286,14 +286,14 @@
               <ma14:placeholderFlag xmlns:ma14="http://schemas.microsoft.com/office/mac/drawingml/2011/main" val="1"/>
             </a:ext>
             <a:ext uri="{909E8E84-426E-40dd-AFC4-6F175D3DCCD1}">
-              <a14:hiddenFill xmlns:a14="http://schemas.microsoft.com/office/drawing/2010/main" xmlns="">
+              <a14:hiddenFill xmlns="" xmlns:a14="http://schemas.microsoft.com/office/drawing/2010/main">
                 <a:solidFill>
                   <a:schemeClr val="accent1"/>
                 </a:solidFill>
               </a14:hiddenFill>
             </a:ext>
             <a:ext uri="{91240B29-F687-4f45-9708-019B960494DF}">
-              <a14:hiddenLine xmlns:a14="http://schemas.microsoft.com/office/drawing/2010/main" xmlns="" w="9525">
+              <a14:hiddenLine xmlns="" xmlns:a14="http://schemas.microsoft.com/office/drawing/2010/main" w="9525">
                 <a:solidFill>
                   <a:schemeClr val="tx1"/>
                 </a:solidFill>
@@ -350,7 +350,7 @@
           <a:effectLst/>
           <a:extLst>
             <a:ext uri="{AF507438-7753-43e0-B8FC-AC1667EBCBE1}">
-              <a14:hiddenEffects xmlns:a14="http://schemas.microsoft.com/office/drawing/2010/main" xmlns="">
+              <a14:hiddenEffects xmlns="" xmlns:a14="http://schemas.microsoft.com/office/drawing/2010/main">
                 <a:effectLst>
                   <a:outerShdw blurRad="63500" dist="38099" dir="2700000" algn="ctr" rotWithShape="0">
                     <a:srgbClr val="000000">
@@ -361,7 +361,7 @@
               </a14:hiddenEffects>
             </a:ext>
             <a:ext uri="{53640926-AAD7-44d8-BBD7-CCE9431645EC}">
-              <a14:shadowObscured xmlns:a14="http://schemas.microsoft.com/office/drawing/2010/main" xmlns="" val="1"/>
+              <a14:shadowObscured xmlns="" xmlns:a14="http://schemas.microsoft.com/office/drawing/2010/main" val="1"/>
             </a:ext>
           </a:extLst>
         </p:spPr>
@@ -393,14 +393,14 @@
               <ma14:placeholderFlag xmlns:ma14="http://schemas.microsoft.com/office/mac/drawingml/2011/main" val="1"/>
             </a:ext>
             <a:ext uri="{909E8E84-426E-40dd-AFC4-6F175D3DCCD1}">
-              <a14:hiddenFill xmlns:a14="http://schemas.microsoft.com/office/drawing/2010/main" xmlns="">
+              <a14:hiddenFill xmlns="" xmlns:a14="http://schemas.microsoft.com/office/drawing/2010/main">
                 <a:solidFill>
                   <a:schemeClr val="accent1"/>
                 </a:solidFill>
               </a14:hiddenFill>
             </a:ext>
             <a:ext uri="{91240B29-F687-4f45-9708-019B960494DF}">
-              <a14:hiddenLine xmlns:a14="http://schemas.microsoft.com/office/drawing/2010/main" xmlns="" w="9525">
+              <a14:hiddenLine xmlns="" xmlns:a14="http://schemas.microsoft.com/office/drawing/2010/main" w="9525">
                 <a:solidFill>
                   <a:schemeClr val="tx1"/>
                 </a:solidFill>
@@ -482,14 +482,14 @@
               <ma14:placeholderFlag xmlns:ma14="http://schemas.microsoft.com/office/mac/drawingml/2011/main" val="1"/>
             </a:ext>
             <a:ext uri="{909E8E84-426E-40dd-AFC4-6F175D3DCCD1}">
-              <a14:hiddenFill xmlns:a14="http://schemas.microsoft.com/office/drawing/2010/main" xmlns="">
+              <a14:hiddenFill xmlns="" xmlns:a14="http://schemas.microsoft.com/office/drawing/2010/main">
                 <a:solidFill>
                   <a:schemeClr val="accent1"/>
                 </a:solidFill>
               </a14:hiddenFill>
             </a:ext>
             <a:ext uri="{91240B29-F687-4f45-9708-019B960494DF}">
-              <a14:hiddenLine xmlns:a14="http://schemas.microsoft.com/office/drawing/2010/main" xmlns="" w="9525">
+              <a14:hiddenLine xmlns="" xmlns:a14="http://schemas.microsoft.com/office/drawing/2010/main" w="9525">
                 <a:solidFill>
                   <a:schemeClr val="tx1"/>
                 </a:solidFill>
@@ -543,14 +543,14 @@
               <ma14:placeholderFlag xmlns:ma14="http://schemas.microsoft.com/office/mac/drawingml/2011/main" val="1"/>
             </a:ext>
             <a:ext uri="{909E8E84-426E-40dd-AFC4-6F175D3DCCD1}">
-              <a14:hiddenFill xmlns:a14="http://schemas.microsoft.com/office/drawing/2010/main" xmlns="">
+              <a14:hiddenFill xmlns="" xmlns:a14="http://schemas.microsoft.com/office/drawing/2010/main">
                 <a:solidFill>
                   <a:schemeClr val="accent1"/>
                 </a:solidFill>
               </a14:hiddenFill>
             </a:ext>
             <a:ext uri="{91240B29-F687-4f45-9708-019B960494DF}">
-              <a14:hiddenLine xmlns:a14="http://schemas.microsoft.com/office/drawing/2010/main" xmlns="" w="9525">
+              <a14:hiddenLine xmlns="" xmlns:a14="http://schemas.microsoft.com/office/drawing/2010/main" w="9525">
                 <a:solidFill>
                   <a:schemeClr val="tx1"/>
                 </a:solidFill>
@@ -927,7 +927,7 @@
           <a:bodyPr/>
           <a:lstStyle/>
           <a:p>
-            <a:fld id="{C8D5B335-4DD3-DA43-B172-E1E2D199DD0D}" type="slidenum">
+            <a:fld id="{008BC057-F444-CF45-9D59-831B68706660}" type="slidenum">
               <a:rPr lang="en-US"/>
               <a:pPr/>
               <a:t>11</a:t>
@@ -938,33 +938,16 @@
       </p:sp>
       <p:sp>
         <p:nvSpPr>
-          <p:cNvPr id="28674" name="Rectangle 2"/>
+          <p:cNvPr id="46082" name="Rectangle 2"/>
           <p:cNvSpPr>
-            <a:spLocks noGrp="1" noRot="1" noChangeAspect="1" noChangeArrowheads="1"/>
+            <a:spLocks noGrp="1" noRot="1" noChangeAspect="1" noChangeArrowheads="1" noTextEdit="1"/>
           </p:cNvSpPr>
           <p:nvPr>
             <p:ph type="sldImg"/>
           </p:nvPr>
         </p:nvSpPr>
-        <p:spPr bwMode="auto">
-          <a:xfrm>
-            <a:off x="1104900" y="652463"/>
-            <a:ext cx="4646613" cy="3484562"/>
-          </a:xfrm>
-          <a:prstGeom prst="rect">
-            <a:avLst/>
-          </a:prstGeom>
-          <a:solidFill>
-            <a:srgbClr val="FFFFFF"/>
-          </a:solidFill>
-          <a:ln>
-            <a:solidFill>
-              <a:srgbClr val="000000"/>
-            </a:solidFill>
-            <a:miter lim="800000"/>
-            <a:headEnd/>
-            <a:tailEnd/>
-          </a:ln>
+        <p:spPr>
+          <a:ln/>
           <a:extLst>
             <a:ext uri="{FAA26D3D-D897-4be2-8F04-BA451C77F1D7}">
               <ma14:placeholderFlag xmlns:ma14="http://schemas.microsoft.com/office/mac/drawingml/2011/main" val="1"/>
@@ -974,7 +957,7 @@
       </p:sp>
       <p:sp>
         <p:nvSpPr>
-          <p:cNvPr id="28675" name="Rectangle 3"/>
+          <p:cNvPr id="46083" name="Rectangle 3"/>
           <p:cNvSpPr>
             <a:spLocks noGrp="1" noChangeArrowheads="1"/>
           </p:cNvSpPr>
@@ -982,33 +965,9 @@
             <p:ph type="body" idx="1"/>
           </p:nvPr>
         </p:nvSpPr>
-        <p:spPr bwMode="auto">
-          <a:xfrm>
-            <a:off x="928688" y="4354513"/>
-            <a:ext cx="5000625" cy="4137025"/>
-          </a:xfrm>
-          <a:prstGeom prst="rect">
-            <a:avLst/>
-          </a:prstGeom>
-          <a:solidFill>
-            <a:srgbClr val="FFFFFF"/>
-          </a:solidFill>
-          <a:ln>
-            <a:solidFill>
-              <a:srgbClr val="000000"/>
-            </a:solidFill>
-            <a:miter lim="800000"/>
-            <a:headEnd/>
-            <a:tailEnd/>
-          </a:ln>
-          <a:extLst>
-            <a:ext uri="{FAA26D3D-D897-4be2-8F04-BA451C77F1D7}">
-              <ma14:placeholderFlag xmlns:ma14="http://schemas.microsoft.com/office/mac/drawingml/2011/main" val="1"/>
-            </a:ext>
-          </a:extLst>
-        </p:spPr>
-        <p:txBody>
-          <a:bodyPr lIns="86493" tIns="43247" rIns="86493" bIns="43247"/>
+        <p:spPr/>
+        <p:txBody>
+          <a:bodyPr/>
           <a:lstStyle/>
           <a:p>
             <a:endParaRPr lang="en-US"/>
@@ -1016,6 +975,11 @@
         </p:txBody>
       </p:sp>
     </p:spTree>
+    <p:extLst>
+      <p:ext uri="{BB962C8B-B14F-4D97-AF65-F5344CB8AC3E}">
+        <p14:creationId xmlns:p14="http://schemas.microsoft.com/office/powerpoint/2010/main" val="2075611996"/>
+      </p:ext>
+    </p:extLst>
   </p:cSld>
   <p:clrMapOvr>
     <a:masterClrMapping/>
@@ -1057,7 +1021,7 @@
           <a:bodyPr/>
           <a:lstStyle/>
           <a:p>
-            <a:fld id="{F9BC57D8-F709-534D-A017-948B0578A8DA}" type="slidenum">
+            <a:fld id="{C8D5B335-4DD3-DA43-B172-E1E2D199DD0D}" type="slidenum">
               <a:rPr lang="en-US"/>
               <a:pPr/>
               <a:t>12</a:t>
@@ -1068,7 +1032,7 @@
       </p:sp>
       <p:sp>
         <p:nvSpPr>
-          <p:cNvPr id="30722" name="Rectangle 2"/>
+          <p:cNvPr id="28674" name="Rectangle 2"/>
           <p:cNvSpPr>
             <a:spLocks noGrp="1" noRot="1" noChangeAspect="1" noChangeArrowheads="1"/>
           </p:cNvSpPr>
@@ -1104,7 +1068,7 @@
       </p:sp>
       <p:sp>
         <p:nvSpPr>
-          <p:cNvPr id="30723" name="Rectangle 3"/>
+          <p:cNvPr id="28675" name="Rectangle 3"/>
           <p:cNvSpPr>
             <a:spLocks noGrp="1" noChangeArrowheads="1"/>
           </p:cNvSpPr>
@@ -1187,7 +1151,7 @@
           <a:bodyPr/>
           <a:lstStyle/>
           <a:p>
-            <a:fld id="{9AB4E2FB-B39E-4F49-824C-3CC2AABAE7AB}" type="slidenum">
+            <a:fld id="{F9BC57D8-F709-534D-A017-948B0578A8DA}" type="slidenum">
               <a:rPr lang="en-US"/>
               <a:pPr/>
               <a:t>13</a:t>
@@ -1198,16 +1162,33 @@
       </p:sp>
       <p:sp>
         <p:nvSpPr>
-          <p:cNvPr id="47106" name="Rectangle 2"/>
+          <p:cNvPr id="30722" name="Rectangle 2"/>
           <p:cNvSpPr>
-            <a:spLocks noGrp="1" noRot="1" noChangeAspect="1" noChangeArrowheads="1" noTextEdit="1"/>
+            <a:spLocks noGrp="1" noRot="1" noChangeAspect="1" noChangeArrowheads="1"/>
           </p:cNvSpPr>
           <p:nvPr>
             <p:ph type="sldImg"/>
           </p:nvPr>
         </p:nvSpPr>
-        <p:spPr>
-          <a:ln/>
+        <p:spPr bwMode="auto">
+          <a:xfrm>
+            <a:off x="1104900" y="652463"/>
+            <a:ext cx="4646613" cy="3484562"/>
+          </a:xfrm>
+          <a:prstGeom prst="rect">
+            <a:avLst/>
+          </a:prstGeom>
+          <a:solidFill>
+            <a:srgbClr val="FFFFFF"/>
+          </a:solidFill>
+          <a:ln>
+            <a:solidFill>
+              <a:srgbClr val="000000"/>
+            </a:solidFill>
+            <a:miter lim="800000"/>
+            <a:headEnd/>
+            <a:tailEnd/>
+          </a:ln>
           <a:extLst>
             <a:ext uri="{FAA26D3D-D897-4be2-8F04-BA451C77F1D7}">
               <ma14:placeholderFlag xmlns:ma14="http://schemas.microsoft.com/office/mac/drawingml/2011/main" val="1"/>
@@ -1217,7 +1198,7 @@
       </p:sp>
       <p:sp>
         <p:nvSpPr>
-          <p:cNvPr id="47107" name="Rectangle 3"/>
+          <p:cNvPr id="30723" name="Rectangle 3"/>
           <p:cNvSpPr>
             <a:spLocks noGrp="1" noChangeArrowheads="1"/>
           </p:cNvSpPr>
@@ -1225,9 +1206,33 @@
             <p:ph type="body" idx="1"/>
           </p:nvPr>
         </p:nvSpPr>
-        <p:spPr/>
-        <p:txBody>
-          <a:bodyPr/>
+        <p:spPr bwMode="auto">
+          <a:xfrm>
+            <a:off x="928688" y="4354513"/>
+            <a:ext cx="5000625" cy="4137025"/>
+          </a:xfrm>
+          <a:prstGeom prst="rect">
+            <a:avLst/>
+          </a:prstGeom>
+          <a:solidFill>
+            <a:srgbClr val="FFFFFF"/>
+          </a:solidFill>
+          <a:ln>
+            <a:solidFill>
+              <a:srgbClr val="000000"/>
+            </a:solidFill>
+            <a:miter lim="800000"/>
+            <a:headEnd/>
+            <a:tailEnd/>
+          </a:ln>
+          <a:extLst>
+            <a:ext uri="{FAA26D3D-D897-4be2-8F04-BA451C77F1D7}">
+              <ma14:placeholderFlag xmlns:ma14="http://schemas.microsoft.com/office/mac/drawingml/2011/main" val="1"/>
+            </a:ext>
+          </a:extLst>
+        </p:spPr>
+        <p:txBody>
+          <a:bodyPr lIns="86493" tIns="43247" rIns="86493" bIns="43247"/>
           <a:lstStyle/>
           <a:p>
             <a:endParaRPr lang="en-US"/>
@@ -1276,7 +1281,7 @@
           <a:bodyPr/>
           <a:lstStyle/>
           <a:p>
-            <a:fld id="{E9BEF1AB-3E17-044F-8D4B-C1BAF6F15849}" type="slidenum">
+            <a:fld id="{9AB4E2FB-B39E-4F49-824C-3CC2AABAE7AB}" type="slidenum">
               <a:rPr lang="en-US"/>
               <a:pPr/>
               <a:t>14</a:t>
@@ -1287,7 +1292,7 @@
       </p:sp>
       <p:sp>
         <p:nvSpPr>
-          <p:cNvPr id="48130" name="Rectangle 2"/>
+          <p:cNvPr id="47106" name="Rectangle 2"/>
           <p:cNvSpPr>
             <a:spLocks noGrp="1" noRot="1" noChangeAspect="1" noChangeArrowheads="1" noTextEdit="1"/>
           </p:cNvSpPr>
@@ -1306,7 +1311,7 @@
       </p:sp>
       <p:sp>
         <p:nvSpPr>
-          <p:cNvPr id="48131" name="Rectangle 3"/>
+          <p:cNvPr id="47107" name="Rectangle 3"/>
           <p:cNvSpPr>
             <a:spLocks noGrp="1" noChangeArrowheads="1"/>
           </p:cNvSpPr>
@@ -1365,7 +1370,7 @@
           <a:bodyPr/>
           <a:lstStyle/>
           <a:p>
-            <a:fld id="{F1E6F912-1C0C-744A-ADCD-454F21E52CFB}" type="slidenum">
+            <a:fld id="{E9BEF1AB-3E17-044F-8D4B-C1BAF6F15849}" type="slidenum">
               <a:rPr lang="en-US"/>
               <a:pPr/>
               <a:t>15</a:t>
@@ -1376,7 +1381,7 @@
       </p:sp>
       <p:sp>
         <p:nvSpPr>
-          <p:cNvPr id="49154" name="Rectangle 2"/>
+          <p:cNvPr id="48130" name="Rectangle 2"/>
           <p:cNvSpPr>
             <a:spLocks noGrp="1" noRot="1" noChangeAspect="1" noChangeArrowheads="1" noTextEdit="1"/>
           </p:cNvSpPr>
@@ -1395,7 +1400,7 @@
       </p:sp>
       <p:sp>
         <p:nvSpPr>
-          <p:cNvPr id="49155" name="Rectangle 3"/>
+          <p:cNvPr id="48131" name="Rectangle 3"/>
           <p:cNvSpPr>
             <a:spLocks noGrp="1" noChangeArrowheads="1"/>
           </p:cNvSpPr>
@@ -2690,12 +2695,12 @@
           <a:effectLst/>
           <a:extLst>
             <a:ext uri="{909E8E84-426E-40dd-AFC4-6F175D3DCCD1}">
-              <a14:hiddenFill xmlns:a14="http://schemas.microsoft.com/office/drawing/2010/main" xmlns="">
+              <a14:hiddenFill xmlns="" xmlns:a14="http://schemas.microsoft.com/office/drawing/2010/main">
                 <a:noFill/>
               </a14:hiddenFill>
             </a:ext>
             <a:ext uri="{AF507438-7753-43e0-B8FC-AC1667EBCBE1}">
-              <a14:hiddenEffects xmlns:a14="http://schemas.microsoft.com/office/drawing/2010/main" xmlns="">
+              <a14:hiddenEffects xmlns="" xmlns:a14="http://schemas.microsoft.com/office/drawing/2010/main">
                 <a:effectLst>
                   <a:outerShdw blurRad="63500" dist="38099" dir="2700000" algn="ctr" rotWithShape="0">
                     <a:schemeClr val="bg2">
@@ -2896,7 +2901,7 @@
             <a:effectLst/>
             <a:extLst>
               <a:ext uri="{91240B29-F687-4f45-9708-019B960494DF}">
-                <a14:hiddenLine xmlns:a14="http://schemas.microsoft.com/office/drawing/2010/main" xmlns="" w="9525">
+                <a14:hiddenLine xmlns="" xmlns:a14="http://schemas.microsoft.com/office/drawing/2010/main" w="9525">
                   <a:solidFill>
                     <a:schemeClr val="tx1"/>
                   </a:solidFill>
@@ -2906,7 +2911,7 @@
                 </a14:hiddenLine>
               </a:ext>
               <a:ext uri="{AF507438-7753-43e0-B8FC-AC1667EBCBE1}">
-                <a14:hiddenEffects xmlns:a14="http://schemas.microsoft.com/office/drawing/2010/main" xmlns="">
+                <a14:hiddenEffects xmlns="" xmlns:a14="http://schemas.microsoft.com/office/drawing/2010/main">
                   <a:effectLst>
                     <a:outerShdw blurRad="63500" dist="38099" dir="2700000" algn="ctr" rotWithShape="0">
                       <a:schemeClr val="bg2">
@@ -2951,7 +2956,7 @@
             <a:effectLst/>
             <a:extLst>
               <a:ext uri="{91240B29-F687-4f45-9708-019B960494DF}">
-                <a14:hiddenLine xmlns:a14="http://schemas.microsoft.com/office/drawing/2010/main" xmlns="" w="9525">
+                <a14:hiddenLine xmlns="" xmlns:a14="http://schemas.microsoft.com/office/drawing/2010/main" w="9525">
                   <a:solidFill>
                     <a:schemeClr val="tx1"/>
                   </a:solidFill>
@@ -2961,7 +2966,7 @@
                 </a14:hiddenLine>
               </a:ext>
               <a:ext uri="{AF507438-7753-43e0-B8FC-AC1667EBCBE1}">
-                <a14:hiddenEffects xmlns:a14="http://schemas.microsoft.com/office/drawing/2010/main" xmlns="">
+                <a14:hiddenEffects xmlns="" xmlns:a14="http://schemas.microsoft.com/office/drawing/2010/main">
                   <a:effectLst>
                     <a:outerShdw blurRad="63500" dist="38099" dir="2700000" algn="ctr" rotWithShape="0">
                       <a:schemeClr val="bg2">
@@ -3006,7 +3011,7 @@
             <a:effectLst/>
             <a:extLst>
               <a:ext uri="{91240B29-F687-4f45-9708-019B960494DF}">
-                <a14:hiddenLine xmlns:a14="http://schemas.microsoft.com/office/drawing/2010/main" xmlns="" w="9525">
+                <a14:hiddenLine xmlns="" xmlns:a14="http://schemas.microsoft.com/office/drawing/2010/main" w="9525">
                   <a:solidFill>
                     <a:schemeClr val="tx1"/>
                   </a:solidFill>
@@ -3016,7 +3021,7 @@
                 </a14:hiddenLine>
               </a:ext>
               <a:ext uri="{AF507438-7753-43e0-B8FC-AC1667EBCBE1}">
-                <a14:hiddenEffects xmlns:a14="http://schemas.microsoft.com/office/drawing/2010/main" xmlns="">
+                <a14:hiddenEffects xmlns="" xmlns:a14="http://schemas.microsoft.com/office/drawing/2010/main">
                   <a:effectLst>
                     <a:outerShdw blurRad="63500" dist="38099" dir="2700000" algn="ctr" rotWithShape="0">
                       <a:schemeClr val="bg2">
@@ -3061,7 +3066,7 @@
             <a:effectLst/>
             <a:extLst>
               <a:ext uri="{91240B29-F687-4f45-9708-019B960494DF}">
-                <a14:hiddenLine xmlns:a14="http://schemas.microsoft.com/office/drawing/2010/main" xmlns="" w="9525">
+                <a14:hiddenLine xmlns="" xmlns:a14="http://schemas.microsoft.com/office/drawing/2010/main" w="9525">
                   <a:solidFill>
                     <a:schemeClr val="tx1"/>
                   </a:solidFill>
@@ -3071,7 +3076,7 @@
                 </a14:hiddenLine>
               </a:ext>
               <a:ext uri="{AF507438-7753-43e0-B8FC-AC1667EBCBE1}">
-                <a14:hiddenEffects xmlns:a14="http://schemas.microsoft.com/office/drawing/2010/main" xmlns="">
+                <a14:hiddenEffects xmlns="" xmlns:a14="http://schemas.microsoft.com/office/drawing/2010/main">
                   <a:effectLst>
                     <a:outerShdw blurRad="63500" dist="38099" dir="2700000" algn="ctr" rotWithShape="0">
                       <a:schemeClr val="bg2">
@@ -3116,7 +3121,7 @@
             <a:effectLst/>
             <a:extLst>
               <a:ext uri="{91240B29-F687-4f45-9708-019B960494DF}">
-                <a14:hiddenLine xmlns:a14="http://schemas.microsoft.com/office/drawing/2010/main" xmlns="" w="9525">
+                <a14:hiddenLine xmlns="" xmlns:a14="http://schemas.microsoft.com/office/drawing/2010/main" w="9525">
                   <a:solidFill>
                     <a:schemeClr val="tx1"/>
                   </a:solidFill>
@@ -3126,7 +3131,7 @@
                 </a14:hiddenLine>
               </a:ext>
               <a:ext uri="{AF507438-7753-43e0-B8FC-AC1667EBCBE1}">
-                <a14:hiddenEffects xmlns:a14="http://schemas.microsoft.com/office/drawing/2010/main" xmlns="">
+                <a14:hiddenEffects xmlns="" xmlns:a14="http://schemas.microsoft.com/office/drawing/2010/main">
                   <a:effectLst>
                     <a:outerShdw blurRad="63500" dist="38099" dir="2700000" algn="ctr" rotWithShape="0">
                       <a:schemeClr val="bg2">
@@ -3171,7 +3176,7 @@
             <a:effectLst/>
             <a:extLst>
               <a:ext uri="{91240B29-F687-4f45-9708-019B960494DF}">
-                <a14:hiddenLine xmlns:a14="http://schemas.microsoft.com/office/drawing/2010/main" xmlns="" w="9525">
+                <a14:hiddenLine xmlns="" xmlns:a14="http://schemas.microsoft.com/office/drawing/2010/main" w="9525">
                   <a:solidFill>
                     <a:schemeClr val="tx1"/>
                   </a:solidFill>
@@ -3181,7 +3186,7 @@
                 </a14:hiddenLine>
               </a:ext>
               <a:ext uri="{AF507438-7753-43e0-B8FC-AC1667EBCBE1}">
-                <a14:hiddenEffects xmlns:a14="http://schemas.microsoft.com/office/drawing/2010/main" xmlns="">
+                <a14:hiddenEffects xmlns="" xmlns:a14="http://schemas.microsoft.com/office/drawing/2010/main">
                   <a:effectLst>
                     <a:outerShdw blurRad="63500" dist="38099" dir="2700000" algn="ctr" rotWithShape="0">
                       <a:schemeClr val="bg2">
@@ -3226,7 +3231,7 @@
             <a:effectLst/>
             <a:extLst>
               <a:ext uri="{91240B29-F687-4f45-9708-019B960494DF}">
-                <a14:hiddenLine xmlns:a14="http://schemas.microsoft.com/office/drawing/2010/main" xmlns="" w="9525">
+                <a14:hiddenLine xmlns="" xmlns:a14="http://schemas.microsoft.com/office/drawing/2010/main" w="9525">
                   <a:solidFill>
                     <a:schemeClr val="tx1"/>
                   </a:solidFill>
@@ -3236,7 +3241,7 @@
                 </a14:hiddenLine>
               </a:ext>
               <a:ext uri="{AF507438-7753-43e0-B8FC-AC1667EBCBE1}">
-                <a14:hiddenEffects xmlns:a14="http://schemas.microsoft.com/office/drawing/2010/main" xmlns="">
+                <a14:hiddenEffects xmlns="" xmlns:a14="http://schemas.microsoft.com/office/drawing/2010/main">
                   <a:effectLst>
                     <a:outerShdw blurRad="63500" dist="38099" dir="2700000" algn="ctr" rotWithShape="0">
                       <a:schemeClr val="bg2">
@@ -3281,7 +3286,7 @@
             <a:effectLst/>
             <a:extLst>
               <a:ext uri="{91240B29-F687-4f45-9708-019B960494DF}">
-                <a14:hiddenLine xmlns:a14="http://schemas.microsoft.com/office/drawing/2010/main" xmlns="" w="9525">
+                <a14:hiddenLine xmlns="" xmlns:a14="http://schemas.microsoft.com/office/drawing/2010/main" w="9525">
                   <a:solidFill>
                     <a:schemeClr val="tx1"/>
                   </a:solidFill>
@@ -3291,7 +3296,7 @@
                 </a14:hiddenLine>
               </a:ext>
               <a:ext uri="{AF507438-7753-43e0-B8FC-AC1667EBCBE1}">
-                <a14:hiddenEffects xmlns:a14="http://schemas.microsoft.com/office/drawing/2010/main" xmlns="">
+                <a14:hiddenEffects xmlns="" xmlns:a14="http://schemas.microsoft.com/office/drawing/2010/main">
                   <a:effectLst>
                     <a:outerShdw blurRad="63500" dist="38099" dir="2700000" algn="ctr" rotWithShape="0">
                       <a:schemeClr val="bg2">
@@ -3336,7 +3341,7 @@
             <a:effectLst/>
             <a:extLst>
               <a:ext uri="{91240B29-F687-4f45-9708-019B960494DF}">
-                <a14:hiddenLine xmlns:a14="http://schemas.microsoft.com/office/drawing/2010/main" xmlns="" w="9525">
+                <a14:hiddenLine xmlns="" xmlns:a14="http://schemas.microsoft.com/office/drawing/2010/main" w="9525">
                   <a:solidFill>
                     <a:schemeClr val="tx1"/>
                   </a:solidFill>
@@ -3346,7 +3351,7 @@
                 </a14:hiddenLine>
               </a:ext>
               <a:ext uri="{AF507438-7753-43e0-B8FC-AC1667EBCBE1}">
-                <a14:hiddenEffects xmlns:a14="http://schemas.microsoft.com/office/drawing/2010/main" xmlns="">
+                <a14:hiddenEffects xmlns="" xmlns:a14="http://schemas.microsoft.com/office/drawing/2010/main">
                   <a:effectLst>
                     <a:outerShdw blurRad="63500" dist="38099" dir="2700000" algn="ctr" rotWithShape="0">
                       <a:schemeClr val="bg2">
@@ -3391,7 +3396,7 @@
             <a:effectLst/>
             <a:extLst>
               <a:ext uri="{91240B29-F687-4f45-9708-019B960494DF}">
-                <a14:hiddenLine xmlns:a14="http://schemas.microsoft.com/office/drawing/2010/main" xmlns="" w="9525">
+                <a14:hiddenLine xmlns="" xmlns:a14="http://schemas.microsoft.com/office/drawing/2010/main" w="9525">
                   <a:solidFill>
                     <a:schemeClr val="tx1"/>
                   </a:solidFill>
@@ -3401,7 +3406,7 @@
                 </a14:hiddenLine>
               </a:ext>
               <a:ext uri="{AF507438-7753-43e0-B8FC-AC1667EBCBE1}">
-                <a14:hiddenEffects xmlns:a14="http://schemas.microsoft.com/office/drawing/2010/main" xmlns="">
+                <a14:hiddenEffects xmlns="" xmlns:a14="http://schemas.microsoft.com/office/drawing/2010/main">
                   <a:effectLst>
                     <a:outerShdw blurRad="63500" dist="38099" dir="2700000" algn="ctr" rotWithShape="0">
                       <a:schemeClr val="bg2">
@@ -3446,7 +3451,7 @@
             <a:effectLst/>
             <a:extLst>
               <a:ext uri="{91240B29-F687-4f45-9708-019B960494DF}">
-                <a14:hiddenLine xmlns:a14="http://schemas.microsoft.com/office/drawing/2010/main" xmlns="" w="9525">
+                <a14:hiddenLine xmlns="" xmlns:a14="http://schemas.microsoft.com/office/drawing/2010/main" w="9525">
                   <a:solidFill>
                     <a:schemeClr val="tx1"/>
                   </a:solidFill>
@@ -3456,7 +3461,7 @@
                 </a14:hiddenLine>
               </a:ext>
               <a:ext uri="{AF507438-7753-43e0-B8FC-AC1667EBCBE1}">
-                <a14:hiddenEffects xmlns:a14="http://schemas.microsoft.com/office/drawing/2010/main" xmlns="">
+                <a14:hiddenEffects xmlns="" xmlns:a14="http://schemas.microsoft.com/office/drawing/2010/main">
                   <a:effectLst>
                     <a:outerShdw blurRad="63500" dist="38099" dir="2700000" algn="ctr" rotWithShape="0">
                       <a:schemeClr val="bg2">
@@ -3501,7 +3506,7 @@
             <a:effectLst/>
             <a:extLst>
               <a:ext uri="{91240B29-F687-4f45-9708-019B960494DF}">
-                <a14:hiddenLine xmlns:a14="http://schemas.microsoft.com/office/drawing/2010/main" xmlns="" w="9525">
+                <a14:hiddenLine xmlns="" xmlns:a14="http://schemas.microsoft.com/office/drawing/2010/main" w="9525">
                   <a:solidFill>
                     <a:schemeClr val="tx1"/>
                   </a:solidFill>
@@ -3511,7 +3516,7 @@
                 </a14:hiddenLine>
               </a:ext>
               <a:ext uri="{AF507438-7753-43e0-B8FC-AC1667EBCBE1}">
-                <a14:hiddenEffects xmlns:a14="http://schemas.microsoft.com/office/drawing/2010/main" xmlns="">
+                <a14:hiddenEffects xmlns="" xmlns:a14="http://schemas.microsoft.com/office/drawing/2010/main">
                   <a:effectLst>
                     <a:outerShdw blurRad="63500" dist="38099" dir="2700000" algn="ctr" rotWithShape="0">
                       <a:schemeClr val="bg2">
@@ -3556,7 +3561,7 @@
             <a:effectLst/>
             <a:extLst>
               <a:ext uri="{91240B29-F687-4f45-9708-019B960494DF}">
-                <a14:hiddenLine xmlns:a14="http://schemas.microsoft.com/office/drawing/2010/main" xmlns="" w="9525">
+                <a14:hiddenLine xmlns="" xmlns:a14="http://schemas.microsoft.com/office/drawing/2010/main" w="9525">
                   <a:solidFill>
                     <a:schemeClr val="tx1"/>
                   </a:solidFill>
@@ -3566,7 +3571,7 @@
                 </a14:hiddenLine>
               </a:ext>
               <a:ext uri="{AF507438-7753-43e0-B8FC-AC1667EBCBE1}">
-                <a14:hiddenEffects xmlns:a14="http://schemas.microsoft.com/office/drawing/2010/main" xmlns="">
+                <a14:hiddenEffects xmlns="" xmlns:a14="http://schemas.microsoft.com/office/drawing/2010/main">
                   <a:effectLst>
                     <a:outerShdw blurRad="63500" dist="38099" dir="2700000" algn="ctr" rotWithShape="0">
                       <a:schemeClr val="bg2">
@@ -3611,7 +3616,7 @@
             <a:effectLst/>
             <a:extLst>
               <a:ext uri="{91240B29-F687-4f45-9708-019B960494DF}">
-                <a14:hiddenLine xmlns:a14="http://schemas.microsoft.com/office/drawing/2010/main" xmlns="" w="9525">
+                <a14:hiddenLine xmlns="" xmlns:a14="http://schemas.microsoft.com/office/drawing/2010/main" w="9525">
                   <a:solidFill>
                     <a:schemeClr val="tx1"/>
                   </a:solidFill>
@@ -3621,7 +3626,7 @@
                 </a14:hiddenLine>
               </a:ext>
               <a:ext uri="{AF507438-7753-43e0-B8FC-AC1667EBCBE1}">
-                <a14:hiddenEffects xmlns:a14="http://schemas.microsoft.com/office/drawing/2010/main" xmlns="">
+                <a14:hiddenEffects xmlns="" xmlns:a14="http://schemas.microsoft.com/office/drawing/2010/main">
                   <a:effectLst>
                     <a:outerShdw blurRad="63500" dist="38099" dir="2700000" algn="ctr" rotWithShape="0">
                       <a:schemeClr val="bg2">
@@ -3666,7 +3671,7 @@
             <a:effectLst/>
             <a:extLst>
               <a:ext uri="{91240B29-F687-4f45-9708-019B960494DF}">
-                <a14:hiddenLine xmlns:a14="http://schemas.microsoft.com/office/drawing/2010/main" xmlns="" w="9525">
+                <a14:hiddenLine xmlns="" xmlns:a14="http://schemas.microsoft.com/office/drawing/2010/main" w="9525">
                   <a:solidFill>
                     <a:schemeClr val="tx1"/>
                   </a:solidFill>
@@ -3676,7 +3681,7 @@
                 </a14:hiddenLine>
               </a:ext>
               <a:ext uri="{AF507438-7753-43e0-B8FC-AC1667EBCBE1}">
-                <a14:hiddenEffects xmlns:a14="http://schemas.microsoft.com/office/drawing/2010/main" xmlns="">
+                <a14:hiddenEffects xmlns="" xmlns:a14="http://schemas.microsoft.com/office/drawing/2010/main">
                   <a:effectLst>
                     <a:outerShdw blurRad="63500" dist="38099" dir="2700000" algn="ctr" rotWithShape="0">
                       <a:schemeClr val="bg2">
@@ -3721,7 +3726,7 @@
             <a:effectLst/>
             <a:extLst>
               <a:ext uri="{91240B29-F687-4f45-9708-019B960494DF}">
-                <a14:hiddenLine xmlns:a14="http://schemas.microsoft.com/office/drawing/2010/main" xmlns="" w="9525">
+                <a14:hiddenLine xmlns="" xmlns:a14="http://schemas.microsoft.com/office/drawing/2010/main" w="9525">
                   <a:solidFill>
                     <a:schemeClr val="tx1"/>
                   </a:solidFill>
@@ -3731,7 +3736,7 @@
                 </a14:hiddenLine>
               </a:ext>
               <a:ext uri="{AF507438-7753-43e0-B8FC-AC1667EBCBE1}">
-                <a14:hiddenEffects xmlns:a14="http://schemas.microsoft.com/office/drawing/2010/main" xmlns="">
+                <a14:hiddenEffects xmlns="" xmlns:a14="http://schemas.microsoft.com/office/drawing/2010/main">
                   <a:effectLst>
                     <a:outerShdw blurRad="63500" dist="38099" dir="2700000" algn="ctr" rotWithShape="0">
                       <a:schemeClr val="bg2">
@@ -3776,7 +3781,7 @@
             <a:effectLst/>
             <a:extLst>
               <a:ext uri="{91240B29-F687-4f45-9708-019B960494DF}">
-                <a14:hiddenLine xmlns:a14="http://schemas.microsoft.com/office/drawing/2010/main" xmlns="" w="9525">
+                <a14:hiddenLine xmlns="" xmlns:a14="http://schemas.microsoft.com/office/drawing/2010/main" w="9525">
                   <a:solidFill>
                     <a:schemeClr val="tx1"/>
                   </a:solidFill>
@@ -3786,7 +3791,7 @@
                 </a14:hiddenLine>
               </a:ext>
               <a:ext uri="{AF507438-7753-43e0-B8FC-AC1667EBCBE1}">
-                <a14:hiddenEffects xmlns:a14="http://schemas.microsoft.com/office/drawing/2010/main" xmlns="">
+                <a14:hiddenEffects xmlns="" xmlns:a14="http://schemas.microsoft.com/office/drawing/2010/main">
                   <a:effectLst>
                     <a:outerShdw blurRad="63500" dist="38099" dir="2700000" algn="ctr" rotWithShape="0">
                       <a:schemeClr val="bg2">
@@ -3831,7 +3836,7 @@
             <a:effectLst/>
             <a:extLst>
               <a:ext uri="{91240B29-F687-4f45-9708-019B960494DF}">
-                <a14:hiddenLine xmlns:a14="http://schemas.microsoft.com/office/drawing/2010/main" xmlns="" w="9525">
+                <a14:hiddenLine xmlns="" xmlns:a14="http://schemas.microsoft.com/office/drawing/2010/main" w="9525">
                   <a:solidFill>
                     <a:schemeClr val="tx1"/>
                   </a:solidFill>
@@ -3841,7 +3846,7 @@
                 </a14:hiddenLine>
               </a:ext>
               <a:ext uri="{AF507438-7753-43e0-B8FC-AC1667EBCBE1}">
-                <a14:hiddenEffects xmlns:a14="http://schemas.microsoft.com/office/drawing/2010/main" xmlns="">
+                <a14:hiddenEffects xmlns="" xmlns:a14="http://schemas.microsoft.com/office/drawing/2010/main">
                   <a:effectLst>
                     <a:outerShdw blurRad="63500" dist="38099" dir="2700000" algn="ctr" rotWithShape="0">
                       <a:schemeClr val="bg2">
@@ -3886,7 +3891,7 @@
             <a:effectLst/>
             <a:extLst>
               <a:ext uri="{91240B29-F687-4f45-9708-019B960494DF}">
-                <a14:hiddenLine xmlns:a14="http://schemas.microsoft.com/office/drawing/2010/main" xmlns="" w="9525">
+                <a14:hiddenLine xmlns="" xmlns:a14="http://schemas.microsoft.com/office/drawing/2010/main" w="9525">
                   <a:solidFill>
                     <a:schemeClr val="tx1"/>
                   </a:solidFill>
@@ -3896,7 +3901,7 @@
                 </a14:hiddenLine>
               </a:ext>
               <a:ext uri="{AF507438-7753-43e0-B8FC-AC1667EBCBE1}">
-                <a14:hiddenEffects xmlns:a14="http://schemas.microsoft.com/office/drawing/2010/main" xmlns="">
+                <a14:hiddenEffects xmlns="" xmlns:a14="http://schemas.microsoft.com/office/drawing/2010/main">
                   <a:effectLst>
                     <a:outerShdw blurRad="63500" dist="38099" dir="2700000" algn="ctr" rotWithShape="0">
                       <a:schemeClr val="bg2">
@@ -3941,7 +3946,7 @@
             <a:effectLst/>
             <a:extLst>
               <a:ext uri="{91240B29-F687-4f45-9708-019B960494DF}">
-                <a14:hiddenLine xmlns:a14="http://schemas.microsoft.com/office/drawing/2010/main" xmlns="" w="9525">
+                <a14:hiddenLine xmlns="" xmlns:a14="http://schemas.microsoft.com/office/drawing/2010/main" w="9525">
                   <a:solidFill>
                     <a:schemeClr val="tx1"/>
                   </a:solidFill>
@@ -3951,7 +3956,7 @@
                 </a14:hiddenLine>
               </a:ext>
               <a:ext uri="{AF507438-7753-43e0-B8FC-AC1667EBCBE1}">
-                <a14:hiddenEffects xmlns:a14="http://schemas.microsoft.com/office/drawing/2010/main" xmlns="">
+                <a14:hiddenEffects xmlns="" xmlns:a14="http://schemas.microsoft.com/office/drawing/2010/main">
                   <a:effectLst>
                     <a:outerShdw blurRad="63500" dist="38099" dir="2700000" algn="ctr" rotWithShape="0">
                       <a:schemeClr val="bg2">
@@ -3996,7 +4001,7 @@
             <a:effectLst/>
             <a:extLst>
               <a:ext uri="{91240B29-F687-4f45-9708-019B960494DF}">
-                <a14:hiddenLine xmlns:a14="http://schemas.microsoft.com/office/drawing/2010/main" xmlns="" w="9525">
+                <a14:hiddenLine xmlns="" xmlns:a14="http://schemas.microsoft.com/office/drawing/2010/main" w="9525">
                   <a:solidFill>
                     <a:schemeClr val="tx1"/>
                   </a:solidFill>
@@ -4006,7 +4011,7 @@
                 </a14:hiddenLine>
               </a:ext>
               <a:ext uri="{AF507438-7753-43e0-B8FC-AC1667EBCBE1}">
-                <a14:hiddenEffects xmlns:a14="http://schemas.microsoft.com/office/drawing/2010/main" xmlns="">
+                <a14:hiddenEffects xmlns="" xmlns:a14="http://schemas.microsoft.com/office/drawing/2010/main">
                   <a:effectLst>
                     <a:outerShdw blurRad="63500" dist="38099" dir="2700000" algn="ctr" rotWithShape="0">
                       <a:schemeClr val="bg2">
@@ -4051,7 +4056,7 @@
             <a:effectLst/>
             <a:extLst>
               <a:ext uri="{91240B29-F687-4f45-9708-019B960494DF}">
-                <a14:hiddenLine xmlns:a14="http://schemas.microsoft.com/office/drawing/2010/main" xmlns="" w="9525">
+                <a14:hiddenLine xmlns="" xmlns:a14="http://schemas.microsoft.com/office/drawing/2010/main" w="9525">
                   <a:solidFill>
                     <a:schemeClr val="tx1"/>
                   </a:solidFill>
@@ -4061,7 +4066,7 @@
                 </a14:hiddenLine>
               </a:ext>
               <a:ext uri="{AF507438-7753-43e0-B8FC-AC1667EBCBE1}">
-                <a14:hiddenEffects xmlns:a14="http://schemas.microsoft.com/office/drawing/2010/main" xmlns="">
+                <a14:hiddenEffects xmlns="" xmlns:a14="http://schemas.microsoft.com/office/drawing/2010/main">
                   <a:effectLst>
                     <a:outerShdw blurRad="63500" dist="38099" dir="2700000" algn="ctr" rotWithShape="0">
                       <a:schemeClr val="bg2">
@@ -4106,7 +4111,7 @@
             <a:effectLst/>
             <a:extLst>
               <a:ext uri="{91240B29-F687-4f45-9708-019B960494DF}">
-                <a14:hiddenLine xmlns:a14="http://schemas.microsoft.com/office/drawing/2010/main" xmlns="" w="9525">
+                <a14:hiddenLine xmlns="" xmlns:a14="http://schemas.microsoft.com/office/drawing/2010/main" w="9525">
                   <a:solidFill>
                     <a:schemeClr val="tx1"/>
                   </a:solidFill>
@@ -4116,7 +4121,7 @@
                 </a14:hiddenLine>
               </a:ext>
               <a:ext uri="{AF507438-7753-43e0-B8FC-AC1667EBCBE1}">
-                <a14:hiddenEffects xmlns:a14="http://schemas.microsoft.com/office/drawing/2010/main" xmlns="">
+                <a14:hiddenEffects xmlns="" xmlns:a14="http://schemas.microsoft.com/office/drawing/2010/main">
                   <a:effectLst>
                     <a:outerShdw blurRad="63500" dist="38099" dir="2700000" algn="ctr" rotWithShape="0">
                       <a:schemeClr val="bg2">
@@ -4161,7 +4166,7 @@
             <a:effectLst/>
             <a:extLst>
               <a:ext uri="{91240B29-F687-4f45-9708-019B960494DF}">
-                <a14:hiddenLine xmlns:a14="http://schemas.microsoft.com/office/drawing/2010/main" xmlns="" w="9525">
+                <a14:hiddenLine xmlns="" xmlns:a14="http://schemas.microsoft.com/office/drawing/2010/main" w="9525">
                   <a:solidFill>
                     <a:schemeClr val="tx1"/>
                   </a:solidFill>
@@ -4171,7 +4176,7 @@
                 </a14:hiddenLine>
               </a:ext>
               <a:ext uri="{AF507438-7753-43e0-B8FC-AC1667EBCBE1}">
-                <a14:hiddenEffects xmlns:a14="http://schemas.microsoft.com/office/drawing/2010/main" xmlns="">
+                <a14:hiddenEffects xmlns="" xmlns:a14="http://schemas.microsoft.com/office/drawing/2010/main">
                   <a:effectLst>
                     <a:outerShdw blurRad="63500" dist="38099" dir="2700000" algn="ctr" rotWithShape="0">
                       <a:schemeClr val="bg2">
@@ -4216,7 +4221,7 @@
             <a:effectLst/>
             <a:extLst>
               <a:ext uri="{91240B29-F687-4f45-9708-019B960494DF}">
-                <a14:hiddenLine xmlns:a14="http://schemas.microsoft.com/office/drawing/2010/main" xmlns="" w="9525">
+                <a14:hiddenLine xmlns="" xmlns:a14="http://schemas.microsoft.com/office/drawing/2010/main" w="9525">
                   <a:solidFill>
                     <a:schemeClr val="tx1"/>
                   </a:solidFill>
@@ -4226,7 +4231,7 @@
                 </a14:hiddenLine>
               </a:ext>
               <a:ext uri="{AF507438-7753-43e0-B8FC-AC1667EBCBE1}">
-                <a14:hiddenEffects xmlns:a14="http://schemas.microsoft.com/office/drawing/2010/main" xmlns="">
+                <a14:hiddenEffects xmlns="" xmlns:a14="http://schemas.microsoft.com/office/drawing/2010/main">
                   <a:effectLst>
                     <a:outerShdw blurRad="63500" dist="38099" dir="2700000" algn="ctr" rotWithShape="0">
                       <a:schemeClr val="bg2">
@@ -4271,7 +4276,7 @@
             <a:effectLst/>
             <a:extLst>
               <a:ext uri="{91240B29-F687-4f45-9708-019B960494DF}">
-                <a14:hiddenLine xmlns:a14="http://schemas.microsoft.com/office/drawing/2010/main" xmlns="" w="9525">
+                <a14:hiddenLine xmlns="" xmlns:a14="http://schemas.microsoft.com/office/drawing/2010/main" w="9525">
                   <a:solidFill>
                     <a:schemeClr val="tx1"/>
                   </a:solidFill>
@@ -4281,7 +4286,7 @@
                 </a14:hiddenLine>
               </a:ext>
               <a:ext uri="{AF507438-7753-43e0-B8FC-AC1667EBCBE1}">
-                <a14:hiddenEffects xmlns:a14="http://schemas.microsoft.com/office/drawing/2010/main" xmlns="">
+                <a14:hiddenEffects xmlns="" xmlns:a14="http://schemas.microsoft.com/office/drawing/2010/main">
                   <a:effectLst>
                     <a:outerShdw blurRad="63500" dist="38099" dir="2700000" algn="ctr" rotWithShape="0">
                       <a:schemeClr val="bg2">
@@ -4326,7 +4331,7 @@
             <a:effectLst/>
             <a:extLst>
               <a:ext uri="{91240B29-F687-4f45-9708-019B960494DF}">
-                <a14:hiddenLine xmlns:a14="http://schemas.microsoft.com/office/drawing/2010/main" xmlns="" w="9525">
+                <a14:hiddenLine xmlns="" xmlns:a14="http://schemas.microsoft.com/office/drawing/2010/main" w="9525">
                   <a:solidFill>
                     <a:schemeClr val="tx1"/>
                   </a:solidFill>
@@ -4336,7 +4341,7 @@
                 </a14:hiddenLine>
               </a:ext>
               <a:ext uri="{AF507438-7753-43e0-B8FC-AC1667EBCBE1}">
-                <a14:hiddenEffects xmlns:a14="http://schemas.microsoft.com/office/drawing/2010/main" xmlns="">
+                <a14:hiddenEffects xmlns="" xmlns:a14="http://schemas.microsoft.com/office/drawing/2010/main">
                   <a:effectLst>
                     <a:outerShdw blurRad="63500" dist="38099" dir="2700000" algn="ctr" rotWithShape="0">
                       <a:schemeClr val="bg2">
@@ -4381,7 +4386,7 @@
             <a:effectLst/>
             <a:extLst>
               <a:ext uri="{91240B29-F687-4f45-9708-019B960494DF}">
-                <a14:hiddenLine xmlns:a14="http://schemas.microsoft.com/office/drawing/2010/main" xmlns="" w="9525">
+                <a14:hiddenLine xmlns="" xmlns:a14="http://schemas.microsoft.com/office/drawing/2010/main" w="9525">
                   <a:solidFill>
                     <a:schemeClr val="tx1"/>
                   </a:solidFill>
@@ -4391,7 +4396,7 @@
                 </a14:hiddenLine>
               </a:ext>
               <a:ext uri="{AF507438-7753-43e0-B8FC-AC1667EBCBE1}">
-                <a14:hiddenEffects xmlns:a14="http://schemas.microsoft.com/office/drawing/2010/main" xmlns="">
+                <a14:hiddenEffects xmlns="" xmlns:a14="http://schemas.microsoft.com/office/drawing/2010/main">
                   <a:effectLst>
                     <a:outerShdw blurRad="63500" dist="38099" dir="2700000" algn="ctr" rotWithShape="0">
                       <a:schemeClr val="bg2">
@@ -4436,7 +4441,7 @@
             <a:effectLst/>
             <a:extLst>
               <a:ext uri="{91240B29-F687-4f45-9708-019B960494DF}">
-                <a14:hiddenLine xmlns:a14="http://schemas.microsoft.com/office/drawing/2010/main" xmlns="" w="9525">
+                <a14:hiddenLine xmlns="" xmlns:a14="http://schemas.microsoft.com/office/drawing/2010/main" w="9525">
                   <a:solidFill>
                     <a:schemeClr val="tx1"/>
                   </a:solidFill>
@@ -4446,7 +4451,7 @@
                 </a14:hiddenLine>
               </a:ext>
               <a:ext uri="{AF507438-7753-43e0-B8FC-AC1667EBCBE1}">
-                <a14:hiddenEffects xmlns:a14="http://schemas.microsoft.com/office/drawing/2010/main" xmlns="">
+                <a14:hiddenEffects xmlns="" xmlns:a14="http://schemas.microsoft.com/office/drawing/2010/main">
                   <a:effectLst>
                     <a:outerShdw blurRad="63500" dist="38099" dir="2700000" algn="ctr" rotWithShape="0">
                       <a:schemeClr val="bg2">
@@ -4491,7 +4496,7 @@
             <a:effectLst/>
             <a:extLst>
               <a:ext uri="{91240B29-F687-4f45-9708-019B960494DF}">
-                <a14:hiddenLine xmlns:a14="http://schemas.microsoft.com/office/drawing/2010/main" xmlns="" w="9525">
+                <a14:hiddenLine xmlns="" xmlns:a14="http://schemas.microsoft.com/office/drawing/2010/main" w="9525">
                   <a:solidFill>
                     <a:schemeClr val="tx1"/>
                   </a:solidFill>
@@ -4501,7 +4506,7 @@
                 </a14:hiddenLine>
               </a:ext>
               <a:ext uri="{AF507438-7753-43e0-B8FC-AC1667EBCBE1}">
-                <a14:hiddenEffects xmlns:a14="http://schemas.microsoft.com/office/drawing/2010/main" xmlns="">
+                <a14:hiddenEffects xmlns="" xmlns:a14="http://schemas.microsoft.com/office/drawing/2010/main">
                   <a:effectLst>
                     <a:outerShdw blurRad="63500" dist="38099" dir="2700000" algn="ctr" rotWithShape="0">
                       <a:schemeClr val="bg2">
@@ -4546,7 +4551,7 @@
             <a:effectLst/>
             <a:extLst>
               <a:ext uri="{91240B29-F687-4f45-9708-019B960494DF}">
-                <a14:hiddenLine xmlns:a14="http://schemas.microsoft.com/office/drawing/2010/main" xmlns="" w="9525">
+                <a14:hiddenLine xmlns="" xmlns:a14="http://schemas.microsoft.com/office/drawing/2010/main" w="9525">
                   <a:solidFill>
                     <a:schemeClr val="tx1"/>
                   </a:solidFill>
@@ -4556,7 +4561,7 @@
                 </a14:hiddenLine>
               </a:ext>
               <a:ext uri="{AF507438-7753-43e0-B8FC-AC1667EBCBE1}">
-                <a14:hiddenEffects xmlns:a14="http://schemas.microsoft.com/office/drawing/2010/main" xmlns="">
+                <a14:hiddenEffects xmlns="" xmlns:a14="http://schemas.microsoft.com/office/drawing/2010/main">
                   <a:effectLst>
                     <a:outerShdw blurRad="63500" dist="38099" dir="2700000" algn="ctr" rotWithShape="0">
                       <a:schemeClr val="bg2">
@@ -4605,12 +4610,12 @@
           <a:effectLst/>
           <a:extLst>
             <a:ext uri="{909E8E84-426E-40dd-AFC4-6F175D3DCCD1}">
-              <a14:hiddenFill xmlns:a14="http://schemas.microsoft.com/office/drawing/2010/main" xmlns="">
+              <a14:hiddenFill xmlns="" xmlns:a14="http://schemas.microsoft.com/office/drawing/2010/main">
                 <a:noFill/>
               </a14:hiddenFill>
             </a:ext>
             <a:ext uri="{AF507438-7753-43e0-B8FC-AC1667EBCBE1}">
-              <a14:hiddenEffects xmlns:a14="http://schemas.microsoft.com/office/drawing/2010/main" xmlns="">
+              <a14:hiddenEffects xmlns="" xmlns:a14="http://schemas.microsoft.com/office/drawing/2010/main">
                 <a:effectLst>
                   <a:outerShdw blurRad="63500" dist="38099" dir="2700000" algn="ctr" rotWithShape="0">
                     <a:schemeClr val="bg2">
@@ -6958,12 +6963,12 @@
           <a:effectLst/>
           <a:extLst>
             <a:ext uri="{909E8E84-426E-40dd-AFC4-6F175D3DCCD1}">
-              <a14:hiddenFill xmlns:a14="http://schemas.microsoft.com/office/drawing/2010/main" xmlns="">
+              <a14:hiddenFill xmlns="" xmlns:a14="http://schemas.microsoft.com/office/drawing/2010/main">
                 <a:noFill/>
               </a14:hiddenFill>
             </a:ext>
             <a:ext uri="{AF507438-7753-43e0-B8FC-AC1667EBCBE1}">
-              <a14:hiddenEffects xmlns:a14="http://schemas.microsoft.com/office/drawing/2010/main" xmlns="">
+              <a14:hiddenEffects xmlns="" xmlns:a14="http://schemas.microsoft.com/office/drawing/2010/main">
                 <a:effectLst>
                   <a:outerShdw blurRad="63500" dist="38099" dir="2700000" algn="ctr" rotWithShape="0">
                     <a:schemeClr val="bg2">
@@ -7011,14 +7016,14 @@
               <ma14:placeholderFlag xmlns:ma14="http://schemas.microsoft.com/office/mac/drawingml/2011/main" val="1"/>
             </a:ext>
             <a:ext uri="{909E8E84-426E-40dd-AFC4-6F175D3DCCD1}">
-              <a14:hiddenFill xmlns:a14="http://schemas.microsoft.com/office/drawing/2010/main" xmlns="">
+              <a14:hiddenFill xmlns="" xmlns:a14="http://schemas.microsoft.com/office/drawing/2010/main">
                 <a:solidFill>
                   <a:schemeClr val="accent1"/>
                 </a:solidFill>
               </a14:hiddenFill>
             </a:ext>
             <a:ext uri="{91240B29-F687-4f45-9708-019B960494DF}">
-              <a14:hiddenLine xmlns:a14="http://schemas.microsoft.com/office/drawing/2010/main" xmlns="" w="9525">
+              <a14:hiddenLine xmlns="" xmlns:a14="http://schemas.microsoft.com/office/drawing/2010/main" w="9525">
                 <a:solidFill>
                   <a:schemeClr val="tx1"/>
                 </a:solidFill>
@@ -7028,7 +7033,7 @@
               </a14:hiddenLine>
             </a:ext>
             <a:ext uri="{AF507438-7753-43e0-B8FC-AC1667EBCBE1}">
-              <a14:hiddenEffects xmlns:a14="http://schemas.microsoft.com/office/drawing/2010/main" xmlns="">
+              <a14:hiddenEffects xmlns="" xmlns:a14="http://schemas.microsoft.com/office/drawing/2010/main">
                 <a:effectLst>
                   <a:outerShdw blurRad="63500" dist="38099" dir="2700000" algn="ctr" rotWithShape="0">
                     <a:schemeClr val="bg2">
@@ -7084,14 +7089,14 @@
               <ma14:placeholderFlag xmlns:ma14="http://schemas.microsoft.com/office/mac/drawingml/2011/main" val="1"/>
             </a:ext>
             <a:ext uri="{909E8E84-426E-40dd-AFC4-6F175D3DCCD1}">
-              <a14:hiddenFill xmlns:a14="http://schemas.microsoft.com/office/drawing/2010/main" xmlns="">
+              <a14:hiddenFill xmlns="" xmlns:a14="http://schemas.microsoft.com/office/drawing/2010/main">
                 <a:solidFill>
                   <a:schemeClr val="accent1"/>
                 </a:solidFill>
               </a14:hiddenFill>
             </a:ext>
             <a:ext uri="{91240B29-F687-4f45-9708-019B960494DF}">
-              <a14:hiddenLine xmlns:a14="http://schemas.microsoft.com/office/drawing/2010/main" xmlns="" w="9525">
+              <a14:hiddenLine xmlns="" xmlns:a14="http://schemas.microsoft.com/office/drawing/2010/main" w="9525">
                 <a:solidFill>
                   <a:schemeClr val="tx1"/>
                 </a:solidFill>
@@ -7101,7 +7106,7 @@
               </a14:hiddenLine>
             </a:ext>
             <a:ext uri="{AF507438-7753-43e0-B8FC-AC1667EBCBE1}">
-              <a14:hiddenEffects xmlns:a14="http://schemas.microsoft.com/office/drawing/2010/main" xmlns="">
+              <a14:hiddenEffects xmlns="" xmlns:a14="http://schemas.microsoft.com/office/drawing/2010/main">
                 <a:effectLst>
                   <a:outerShdw blurRad="63500" dist="38099" dir="2700000" algn="ctr" rotWithShape="0">
                     <a:schemeClr val="bg2">
@@ -7185,14 +7190,14 @@
               <ma14:placeholderFlag xmlns:ma14="http://schemas.microsoft.com/office/mac/drawingml/2011/main" val="1"/>
             </a:ext>
             <a:ext uri="{909E8E84-426E-40dd-AFC4-6F175D3DCCD1}">
-              <a14:hiddenFill xmlns:a14="http://schemas.microsoft.com/office/drawing/2010/main" xmlns="">
+              <a14:hiddenFill xmlns="" xmlns:a14="http://schemas.microsoft.com/office/drawing/2010/main">
                 <a:solidFill>
                   <a:schemeClr val="accent1"/>
                 </a:solidFill>
               </a14:hiddenFill>
             </a:ext>
             <a:ext uri="{91240B29-F687-4f45-9708-019B960494DF}">
-              <a14:hiddenLine xmlns:a14="http://schemas.microsoft.com/office/drawing/2010/main" xmlns="" w="9525">
+              <a14:hiddenLine xmlns="" xmlns:a14="http://schemas.microsoft.com/office/drawing/2010/main" w="9525">
                 <a:solidFill>
                   <a:schemeClr val="tx1"/>
                 </a:solidFill>
@@ -7202,7 +7207,7 @@
               </a14:hiddenLine>
             </a:ext>
             <a:ext uri="{AF507438-7753-43e0-B8FC-AC1667EBCBE1}">
-              <a14:hiddenEffects xmlns:a14="http://schemas.microsoft.com/office/drawing/2010/main" xmlns="">
+              <a14:hiddenEffects xmlns="" xmlns:a14="http://schemas.microsoft.com/office/drawing/2010/main">
                 <a:effectLst>
                   <a:outerShdw blurRad="63500" dist="38099" dir="2700000" algn="ctr" rotWithShape="0">
                     <a:schemeClr val="bg2">
@@ -7258,14 +7263,14 @@
               <ma14:placeholderFlag xmlns:ma14="http://schemas.microsoft.com/office/mac/drawingml/2011/main" val="1"/>
             </a:ext>
             <a:ext uri="{909E8E84-426E-40dd-AFC4-6F175D3DCCD1}">
-              <a14:hiddenFill xmlns:a14="http://schemas.microsoft.com/office/drawing/2010/main" xmlns="">
+              <a14:hiddenFill xmlns="" xmlns:a14="http://schemas.microsoft.com/office/drawing/2010/main">
                 <a:solidFill>
                   <a:schemeClr val="accent1"/>
                 </a:solidFill>
               </a14:hiddenFill>
             </a:ext>
             <a:ext uri="{91240B29-F687-4f45-9708-019B960494DF}">
-              <a14:hiddenLine xmlns:a14="http://schemas.microsoft.com/office/drawing/2010/main" xmlns="" w="9525">
+              <a14:hiddenLine xmlns="" xmlns:a14="http://schemas.microsoft.com/office/drawing/2010/main" w="9525">
                 <a:solidFill>
                   <a:schemeClr val="tx1"/>
                 </a:solidFill>
@@ -7275,7 +7280,7 @@
               </a14:hiddenLine>
             </a:ext>
             <a:ext uri="{AF507438-7753-43e0-B8FC-AC1667EBCBE1}">
-              <a14:hiddenEffects xmlns:a14="http://schemas.microsoft.com/office/drawing/2010/main" xmlns="">
+              <a14:hiddenEffects xmlns="" xmlns:a14="http://schemas.microsoft.com/office/drawing/2010/main">
                 <a:effectLst>
                   <a:outerShdw blurRad="63500" dist="38099" dir="2700000" algn="ctr" rotWithShape="0">
                     <a:schemeClr val="bg2">
@@ -7331,14 +7336,14 @@
               <ma14:placeholderFlag xmlns:ma14="http://schemas.microsoft.com/office/mac/drawingml/2011/main" val="1"/>
             </a:ext>
             <a:ext uri="{909E8E84-426E-40dd-AFC4-6F175D3DCCD1}">
-              <a14:hiddenFill xmlns:a14="http://schemas.microsoft.com/office/drawing/2010/main" xmlns="">
+              <a14:hiddenFill xmlns="" xmlns:a14="http://schemas.microsoft.com/office/drawing/2010/main">
                 <a:solidFill>
                   <a:schemeClr val="accent1"/>
                 </a:solidFill>
               </a14:hiddenFill>
             </a:ext>
             <a:ext uri="{91240B29-F687-4f45-9708-019B960494DF}">
-              <a14:hiddenLine xmlns:a14="http://schemas.microsoft.com/office/drawing/2010/main" xmlns="" w="9525">
+              <a14:hiddenLine xmlns="" xmlns:a14="http://schemas.microsoft.com/office/drawing/2010/main" w="9525">
                 <a:solidFill>
                   <a:schemeClr val="tx1"/>
                 </a:solidFill>
@@ -7348,7 +7353,7 @@
               </a14:hiddenLine>
             </a:ext>
             <a:ext uri="{AF507438-7753-43e0-B8FC-AC1667EBCBE1}">
-              <a14:hiddenEffects xmlns:a14="http://schemas.microsoft.com/office/drawing/2010/main" xmlns="">
+              <a14:hiddenEffects xmlns="" xmlns:a14="http://schemas.microsoft.com/office/drawing/2010/main">
                 <a:effectLst>
                   <a:outerShdw blurRad="63500" dist="38099" dir="2700000" algn="ctr" rotWithShape="0">
                     <a:schemeClr val="bg2">
@@ -7422,7 +7427,7 @@
             <a:effectLst/>
             <a:extLst>
               <a:ext uri="{91240B29-F687-4f45-9708-019B960494DF}">
-                <a14:hiddenLine xmlns:a14="http://schemas.microsoft.com/office/drawing/2010/main" xmlns="" w="9525">
+                <a14:hiddenLine xmlns="" xmlns:a14="http://schemas.microsoft.com/office/drawing/2010/main" w="9525">
                   <a:solidFill>
                     <a:schemeClr val="tx1"/>
                   </a:solidFill>
@@ -7432,7 +7437,7 @@
                 </a14:hiddenLine>
               </a:ext>
               <a:ext uri="{AF507438-7753-43e0-B8FC-AC1667EBCBE1}">
-                <a14:hiddenEffects xmlns:a14="http://schemas.microsoft.com/office/drawing/2010/main" xmlns="">
+                <a14:hiddenEffects xmlns="" xmlns:a14="http://schemas.microsoft.com/office/drawing/2010/main">
                   <a:effectLst>
                     <a:outerShdw blurRad="63500" dist="38099" dir="2700000" algn="ctr" rotWithShape="0">
                       <a:schemeClr val="bg2">
@@ -7477,7 +7482,7 @@
             <a:effectLst/>
             <a:extLst>
               <a:ext uri="{91240B29-F687-4f45-9708-019B960494DF}">
-                <a14:hiddenLine xmlns:a14="http://schemas.microsoft.com/office/drawing/2010/main" xmlns="" w="9525">
+                <a14:hiddenLine xmlns="" xmlns:a14="http://schemas.microsoft.com/office/drawing/2010/main" w="9525">
                   <a:solidFill>
                     <a:schemeClr val="tx1"/>
                   </a:solidFill>
@@ -7487,7 +7492,7 @@
                 </a14:hiddenLine>
               </a:ext>
               <a:ext uri="{AF507438-7753-43e0-B8FC-AC1667EBCBE1}">
-                <a14:hiddenEffects xmlns:a14="http://schemas.microsoft.com/office/drawing/2010/main" xmlns="">
+                <a14:hiddenEffects xmlns="" xmlns:a14="http://schemas.microsoft.com/office/drawing/2010/main">
                   <a:effectLst>
                     <a:outerShdw blurRad="63500" dist="38099" dir="2700000" algn="ctr" rotWithShape="0">
                       <a:schemeClr val="bg2">
@@ -7532,7 +7537,7 @@
             <a:effectLst/>
             <a:extLst>
               <a:ext uri="{91240B29-F687-4f45-9708-019B960494DF}">
-                <a14:hiddenLine xmlns:a14="http://schemas.microsoft.com/office/drawing/2010/main" xmlns="" w="9525">
+                <a14:hiddenLine xmlns="" xmlns:a14="http://schemas.microsoft.com/office/drawing/2010/main" w="9525">
                   <a:solidFill>
                     <a:schemeClr val="tx1"/>
                   </a:solidFill>
@@ -7542,7 +7547,7 @@
                 </a14:hiddenLine>
               </a:ext>
               <a:ext uri="{AF507438-7753-43e0-B8FC-AC1667EBCBE1}">
-                <a14:hiddenEffects xmlns:a14="http://schemas.microsoft.com/office/drawing/2010/main" xmlns="">
+                <a14:hiddenEffects xmlns="" xmlns:a14="http://schemas.microsoft.com/office/drawing/2010/main">
                   <a:effectLst>
                     <a:outerShdw blurRad="63500" dist="38099" dir="2700000" algn="ctr" rotWithShape="0">
                       <a:schemeClr val="bg2">
@@ -7587,7 +7592,7 @@
             <a:effectLst/>
             <a:extLst>
               <a:ext uri="{91240B29-F687-4f45-9708-019B960494DF}">
-                <a14:hiddenLine xmlns:a14="http://schemas.microsoft.com/office/drawing/2010/main" xmlns="" w="9525">
+                <a14:hiddenLine xmlns="" xmlns:a14="http://schemas.microsoft.com/office/drawing/2010/main" w="9525">
                   <a:solidFill>
                     <a:schemeClr val="tx1"/>
                   </a:solidFill>
@@ -7597,7 +7602,7 @@
                 </a14:hiddenLine>
               </a:ext>
               <a:ext uri="{AF507438-7753-43e0-B8FC-AC1667EBCBE1}">
-                <a14:hiddenEffects xmlns:a14="http://schemas.microsoft.com/office/drawing/2010/main" xmlns="">
+                <a14:hiddenEffects xmlns="" xmlns:a14="http://schemas.microsoft.com/office/drawing/2010/main">
                   <a:effectLst>
                     <a:outerShdw blurRad="63500" dist="38099" dir="2700000" algn="ctr" rotWithShape="0">
                       <a:schemeClr val="bg2">
@@ -7642,7 +7647,7 @@
             <a:effectLst/>
             <a:extLst>
               <a:ext uri="{91240B29-F687-4f45-9708-019B960494DF}">
-                <a14:hiddenLine xmlns:a14="http://schemas.microsoft.com/office/drawing/2010/main" xmlns="" w="9525">
+                <a14:hiddenLine xmlns="" xmlns:a14="http://schemas.microsoft.com/office/drawing/2010/main" w="9525">
                   <a:solidFill>
                     <a:schemeClr val="tx1"/>
                   </a:solidFill>
@@ -7652,7 +7657,7 @@
                 </a14:hiddenLine>
               </a:ext>
               <a:ext uri="{AF507438-7753-43e0-B8FC-AC1667EBCBE1}">
-                <a14:hiddenEffects xmlns:a14="http://schemas.microsoft.com/office/drawing/2010/main" xmlns="">
+                <a14:hiddenEffects xmlns="" xmlns:a14="http://schemas.microsoft.com/office/drawing/2010/main">
                   <a:effectLst>
                     <a:outerShdw blurRad="63500" dist="38099" dir="2700000" algn="ctr" rotWithShape="0">
                       <a:schemeClr val="bg2">
@@ -7697,7 +7702,7 @@
             <a:effectLst/>
             <a:extLst>
               <a:ext uri="{91240B29-F687-4f45-9708-019B960494DF}">
-                <a14:hiddenLine xmlns:a14="http://schemas.microsoft.com/office/drawing/2010/main" xmlns="" w="9525">
+                <a14:hiddenLine xmlns="" xmlns:a14="http://schemas.microsoft.com/office/drawing/2010/main" w="9525">
                   <a:solidFill>
                     <a:schemeClr val="tx1"/>
                   </a:solidFill>
@@ -7707,7 +7712,7 @@
                 </a14:hiddenLine>
               </a:ext>
               <a:ext uri="{AF507438-7753-43e0-B8FC-AC1667EBCBE1}">
-                <a14:hiddenEffects xmlns:a14="http://schemas.microsoft.com/office/drawing/2010/main" xmlns="">
+                <a14:hiddenEffects xmlns="" xmlns:a14="http://schemas.microsoft.com/office/drawing/2010/main">
                   <a:effectLst>
                     <a:outerShdw blurRad="63500" dist="38099" dir="2700000" algn="ctr" rotWithShape="0">
                       <a:schemeClr val="bg2">
@@ -7752,7 +7757,7 @@
             <a:effectLst/>
             <a:extLst>
               <a:ext uri="{91240B29-F687-4f45-9708-019B960494DF}">
-                <a14:hiddenLine xmlns:a14="http://schemas.microsoft.com/office/drawing/2010/main" xmlns="" w="9525">
+                <a14:hiddenLine xmlns="" xmlns:a14="http://schemas.microsoft.com/office/drawing/2010/main" w="9525">
                   <a:solidFill>
                     <a:schemeClr val="tx1"/>
                   </a:solidFill>
@@ -7762,7 +7767,7 @@
                 </a14:hiddenLine>
               </a:ext>
               <a:ext uri="{AF507438-7753-43e0-B8FC-AC1667EBCBE1}">
-                <a14:hiddenEffects xmlns:a14="http://schemas.microsoft.com/office/drawing/2010/main" xmlns="">
+                <a14:hiddenEffects xmlns="" xmlns:a14="http://schemas.microsoft.com/office/drawing/2010/main">
                   <a:effectLst>
                     <a:outerShdw blurRad="63500" dist="38099" dir="2700000" algn="ctr" rotWithShape="0">
                       <a:schemeClr val="bg2">
@@ -7807,7 +7812,7 @@
             <a:effectLst/>
             <a:extLst>
               <a:ext uri="{91240B29-F687-4f45-9708-019B960494DF}">
-                <a14:hiddenLine xmlns:a14="http://schemas.microsoft.com/office/drawing/2010/main" xmlns="" w="9525">
+                <a14:hiddenLine xmlns="" xmlns:a14="http://schemas.microsoft.com/office/drawing/2010/main" w="9525">
                   <a:solidFill>
                     <a:schemeClr val="tx1"/>
                   </a:solidFill>
@@ -7817,7 +7822,7 @@
                 </a14:hiddenLine>
               </a:ext>
               <a:ext uri="{AF507438-7753-43e0-B8FC-AC1667EBCBE1}">
-                <a14:hiddenEffects xmlns:a14="http://schemas.microsoft.com/office/drawing/2010/main" xmlns="">
+                <a14:hiddenEffects xmlns="" xmlns:a14="http://schemas.microsoft.com/office/drawing/2010/main">
                   <a:effectLst>
                     <a:outerShdw blurRad="63500" dist="38099" dir="2700000" algn="ctr" rotWithShape="0">
                       <a:schemeClr val="bg2">
@@ -7862,7 +7867,7 @@
             <a:effectLst/>
             <a:extLst>
               <a:ext uri="{91240B29-F687-4f45-9708-019B960494DF}">
-                <a14:hiddenLine xmlns:a14="http://schemas.microsoft.com/office/drawing/2010/main" xmlns="" w="9525">
+                <a14:hiddenLine xmlns="" xmlns:a14="http://schemas.microsoft.com/office/drawing/2010/main" w="9525">
                   <a:solidFill>
                     <a:schemeClr val="tx1"/>
                   </a:solidFill>
@@ -7872,7 +7877,7 @@
                 </a14:hiddenLine>
               </a:ext>
               <a:ext uri="{AF507438-7753-43e0-B8FC-AC1667EBCBE1}">
-                <a14:hiddenEffects xmlns:a14="http://schemas.microsoft.com/office/drawing/2010/main" xmlns="">
+                <a14:hiddenEffects xmlns="" xmlns:a14="http://schemas.microsoft.com/office/drawing/2010/main">
                   <a:effectLst>
                     <a:outerShdw blurRad="63500" dist="38099" dir="2700000" algn="ctr" rotWithShape="0">
                       <a:schemeClr val="bg2">
@@ -7917,7 +7922,7 @@
             <a:effectLst/>
             <a:extLst>
               <a:ext uri="{91240B29-F687-4f45-9708-019B960494DF}">
-                <a14:hiddenLine xmlns:a14="http://schemas.microsoft.com/office/drawing/2010/main" xmlns="" w="9525">
+                <a14:hiddenLine xmlns="" xmlns:a14="http://schemas.microsoft.com/office/drawing/2010/main" w="9525">
                   <a:solidFill>
                     <a:schemeClr val="tx1"/>
                   </a:solidFill>
@@ -7927,7 +7932,7 @@
                 </a14:hiddenLine>
               </a:ext>
               <a:ext uri="{AF507438-7753-43e0-B8FC-AC1667EBCBE1}">
-                <a14:hiddenEffects xmlns:a14="http://schemas.microsoft.com/office/drawing/2010/main" xmlns="">
+                <a14:hiddenEffects xmlns="" xmlns:a14="http://schemas.microsoft.com/office/drawing/2010/main">
                   <a:effectLst>
                     <a:outerShdw blurRad="63500" dist="38099" dir="2700000" algn="ctr" rotWithShape="0">
                       <a:schemeClr val="bg2">
@@ -7972,7 +7977,7 @@
             <a:effectLst/>
             <a:extLst>
               <a:ext uri="{91240B29-F687-4f45-9708-019B960494DF}">
-                <a14:hiddenLine xmlns:a14="http://schemas.microsoft.com/office/drawing/2010/main" xmlns="" w="9525">
+                <a14:hiddenLine xmlns="" xmlns:a14="http://schemas.microsoft.com/office/drawing/2010/main" w="9525">
                   <a:solidFill>
                     <a:schemeClr val="tx1"/>
                   </a:solidFill>
@@ -7982,7 +7987,7 @@
                 </a14:hiddenLine>
               </a:ext>
               <a:ext uri="{AF507438-7753-43e0-B8FC-AC1667EBCBE1}">
-                <a14:hiddenEffects xmlns:a14="http://schemas.microsoft.com/office/drawing/2010/main" xmlns="">
+                <a14:hiddenEffects xmlns="" xmlns:a14="http://schemas.microsoft.com/office/drawing/2010/main">
                   <a:effectLst>
                     <a:outerShdw blurRad="63500" dist="38099" dir="2700000" algn="ctr" rotWithShape="0">
                       <a:schemeClr val="bg2">
@@ -8027,7 +8032,7 @@
             <a:effectLst/>
             <a:extLst>
               <a:ext uri="{91240B29-F687-4f45-9708-019B960494DF}">
-                <a14:hiddenLine xmlns:a14="http://schemas.microsoft.com/office/drawing/2010/main" xmlns="" w="9525">
+                <a14:hiddenLine xmlns="" xmlns:a14="http://schemas.microsoft.com/office/drawing/2010/main" w="9525">
                   <a:solidFill>
                     <a:schemeClr val="tx1"/>
                   </a:solidFill>
@@ -8037,7 +8042,7 @@
                 </a14:hiddenLine>
               </a:ext>
               <a:ext uri="{AF507438-7753-43e0-B8FC-AC1667EBCBE1}">
-                <a14:hiddenEffects xmlns:a14="http://schemas.microsoft.com/office/drawing/2010/main" xmlns="">
+                <a14:hiddenEffects xmlns="" xmlns:a14="http://schemas.microsoft.com/office/drawing/2010/main">
                   <a:effectLst>
                     <a:outerShdw blurRad="63500" dist="38099" dir="2700000" algn="ctr" rotWithShape="0">
                       <a:schemeClr val="bg2">
@@ -8082,7 +8087,7 @@
             <a:effectLst/>
             <a:extLst>
               <a:ext uri="{91240B29-F687-4f45-9708-019B960494DF}">
-                <a14:hiddenLine xmlns:a14="http://schemas.microsoft.com/office/drawing/2010/main" xmlns="" w="9525">
+                <a14:hiddenLine xmlns="" xmlns:a14="http://schemas.microsoft.com/office/drawing/2010/main" w="9525">
                   <a:solidFill>
                     <a:schemeClr val="tx1"/>
                   </a:solidFill>
@@ -8092,7 +8097,7 @@
                 </a14:hiddenLine>
               </a:ext>
               <a:ext uri="{AF507438-7753-43e0-B8FC-AC1667EBCBE1}">
-                <a14:hiddenEffects xmlns:a14="http://schemas.microsoft.com/office/drawing/2010/main" xmlns="">
+                <a14:hiddenEffects xmlns="" xmlns:a14="http://schemas.microsoft.com/office/drawing/2010/main">
                   <a:effectLst>
                     <a:outerShdw blurRad="63500" dist="38099" dir="2700000" algn="ctr" rotWithShape="0">
                       <a:schemeClr val="bg2">
@@ -8137,7 +8142,7 @@
             <a:effectLst/>
             <a:extLst>
               <a:ext uri="{91240B29-F687-4f45-9708-019B960494DF}">
-                <a14:hiddenLine xmlns:a14="http://schemas.microsoft.com/office/drawing/2010/main" xmlns="" w="9525">
+                <a14:hiddenLine xmlns="" xmlns:a14="http://schemas.microsoft.com/office/drawing/2010/main" w="9525">
                   <a:solidFill>
                     <a:schemeClr val="tx1"/>
                   </a:solidFill>
@@ -8147,7 +8152,7 @@
                 </a14:hiddenLine>
               </a:ext>
               <a:ext uri="{AF507438-7753-43e0-B8FC-AC1667EBCBE1}">
-                <a14:hiddenEffects xmlns:a14="http://schemas.microsoft.com/office/drawing/2010/main" xmlns="">
+                <a14:hiddenEffects xmlns="" xmlns:a14="http://schemas.microsoft.com/office/drawing/2010/main">
                   <a:effectLst>
                     <a:outerShdw blurRad="63500" dist="38099" dir="2700000" algn="ctr" rotWithShape="0">
                       <a:schemeClr val="bg2">
@@ -8192,7 +8197,7 @@
             <a:effectLst/>
             <a:extLst>
               <a:ext uri="{91240B29-F687-4f45-9708-019B960494DF}">
-                <a14:hiddenLine xmlns:a14="http://schemas.microsoft.com/office/drawing/2010/main" xmlns="" w="9525">
+                <a14:hiddenLine xmlns="" xmlns:a14="http://schemas.microsoft.com/office/drawing/2010/main" w="9525">
                   <a:solidFill>
                     <a:schemeClr val="tx1"/>
                   </a:solidFill>
@@ -8202,7 +8207,7 @@
                 </a14:hiddenLine>
               </a:ext>
               <a:ext uri="{AF507438-7753-43e0-B8FC-AC1667EBCBE1}">
-                <a14:hiddenEffects xmlns:a14="http://schemas.microsoft.com/office/drawing/2010/main" xmlns="">
+                <a14:hiddenEffects xmlns="" xmlns:a14="http://schemas.microsoft.com/office/drawing/2010/main">
                   <a:effectLst>
                     <a:outerShdw blurRad="63500" dist="38099" dir="2700000" algn="ctr" rotWithShape="0">
                       <a:schemeClr val="bg2">
@@ -8247,7 +8252,7 @@
             <a:effectLst/>
             <a:extLst>
               <a:ext uri="{91240B29-F687-4f45-9708-019B960494DF}">
-                <a14:hiddenLine xmlns:a14="http://schemas.microsoft.com/office/drawing/2010/main" xmlns="" w="9525">
+                <a14:hiddenLine xmlns="" xmlns:a14="http://schemas.microsoft.com/office/drawing/2010/main" w="9525">
                   <a:solidFill>
                     <a:schemeClr val="tx1"/>
                   </a:solidFill>
@@ -8257,7 +8262,7 @@
                 </a14:hiddenLine>
               </a:ext>
               <a:ext uri="{AF507438-7753-43e0-B8FC-AC1667EBCBE1}">
-                <a14:hiddenEffects xmlns:a14="http://schemas.microsoft.com/office/drawing/2010/main" xmlns="">
+                <a14:hiddenEffects xmlns="" xmlns:a14="http://schemas.microsoft.com/office/drawing/2010/main">
                   <a:effectLst>
                     <a:outerShdw blurRad="63500" dist="38099" dir="2700000" algn="ctr" rotWithShape="0">
                       <a:schemeClr val="bg2">
@@ -8302,7 +8307,7 @@
             <a:effectLst/>
             <a:extLst>
               <a:ext uri="{91240B29-F687-4f45-9708-019B960494DF}">
-                <a14:hiddenLine xmlns:a14="http://schemas.microsoft.com/office/drawing/2010/main" xmlns="" w="9525">
+                <a14:hiddenLine xmlns="" xmlns:a14="http://schemas.microsoft.com/office/drawing/2010/main" w="9525">
                   <a:solidFill>
                     <a:schemeClr val="tx1"/>
                   </a:solidFill>
@@ -8312,7 +8317,7 @@
                 </a14:hiddenLine>
               </a:ext>
               <a:ext uri="{AF507438-7753-43e0-B8FC-AC1667EBCBE1}">
-                <a14:hiddenEffects xmlns:a14="http://schemas.microsoft.com/office/drawing/2010/main" xmlns="">
+                <a14:hiddenEffects xmlns="" xmlns:a14="http://schemas.microsoft.com/office/drawing/2010/main">
                   <a:effectLst>
                     <a:outerShdw blurRad="63500" dist="38099" dir="2700000" algn="ctr" rotWithShape="0">
                       <a:schemeClr val="bg2">
@@ -8357,7 +8362,7 @@
             <a:effectLst/>
             <a:extLst>
               <a:ext uri="{91240B29-F687-4f45-9708-019B960494DF}">
-                <a14:hiddenLine xmlns:a14="http://schemas.microsoft.com/office/drawing/2010/main" xmlns="" w="9525">
+                <a14:hiddenLine xmlns="" xmlns:a14="http://schemas.microsoft.com/office/drawing/2010/main" w="9525">
                   <a:solidFill>
                     <a:schemeClr val="tx1"/>
                   </a:solidFill>
@@ -8367,7 +8372,7 @@
                 </a14:hiddenLine>
               </a:ext>
               <a:ext uri="{AF507438-7753-43e0-B8FC-AC1667EBCBE1}">
-                <a14:hiddenEffects xmlns:a14="http://schemas.microsoft.com/office/drawing/2010/main" xmlns="">
+                <a14:hiddenEffects xmlns="" xmlns:a14="http://schemas.microsoft.com/office/drawing/2010/main">
                   <a:effectLst>
                     <a:outerShdw blurRad="63500" dist="38099" dir="2700000" algn="ctr" rotWithShape="0">
                       <a:schemeClr val="bg2">
@@ -8412,7 +8417,7 @@
             <a:effectLst/>
             <a:extLst>
               <a:ext uri="{91240B29-F687-4f45-9708-019B960494DF}">
-                <a14:hiddenLine xmlns:a14="http://schemas.microsoft.com/office/drawing/2010/main" xmlns="" w="9525">
+                <a14:hiddenLine xmlns="" xmlns:a14="http://schemas.microsoft.com/office/drawing/2010/main" w="9525">
                   <a:solidFill>
                     <a:schemeClr val="tx1"/>
                   </a:solidFill>
@@ -8422,7 +8427,7 @@
                 </a14:hiddenLine>
               </a:ext>
               <a:ext uri="{AF507438-7753-43e0-B8FC-AC1667EBCBE1}">
-                <a14:hiddenEffects xmlns:a14="http://schemas.microsoft.com/office/drawing/2010/main" xmlns="">
+                <a14:hiddenEffects xmlns="" xmlns:a14="http://schemas.microsoft.com/office/drawing/2010/main">
                   <a:effectLst>
                     <a:outerShdw blurRad="63500" dist="38099" dir="2700000" algn="ctr" rotWithShape="0">
                       <a:schemeClr val="bg2">
@@ -8467,7 +8472,7 @@
             <a:effectLst/>
             <a:extLst>
               <a:ext uri="{91240B29-F687-4f45-9708-019B960494DF}">
-                <a14:hiddenLine xmlns:a14="http://schemas.microsoft.com/office/drawing/2010/main" xmlns="" w="9525">
+                <a14:hiddenLine xmlns="" xmlns:a14="http://schemas.microsoft.com/office/drawing/2010/main" w="9525">
                   <a:solidFill>
                     <a:schemeClr val="tx1"/>
                   </a:solidFill>
@@ -8477,7 +8482,7 @@
                 </a14:hiddenLine>
               </a:ext>
               <a:ext uri="{AF507438-7753-43e0-B8FC-AC1667EBCBE1}">
-                <a14:hiddenEffects xmlns:a14="http://schemas.microsoft.com/office/drawing/2010/main" xmlns="">
+                <a14:hiddenEffects xmlns="" xmlns:a14="http://schemas.microsoft.com/office/drawing/2010/main">
                   <a:effectLst>
                     <a:outerShdw blurRad="63500" dist="38099" dir="2700000" algn="ctr" rotWithShape="0">
                       <a:schemeClr val="bg2">
@@ -8522,7 +8527,7 @@
             <a:effectLst/>
             <a:extLst>
               <a:ext uri="{91240B29-F687-4f45-9708-019B960494DF}">
-                <a14:hiddenLine xmlns:a14="http://schemas.microsoft.com/office/drawing/2010/main" xmlns="" w="9525">
+                <a14:hiddenLine xmlns="" xmlns:a14="http://schemas.microsoft.com/office/drawing/2010/main" w="9525">
                   <a:solidFill>
                     <a:schemeClr val="tx1"/>
                   </a:solidFill>
@@ -8532,7 +8537,7 @@
                 </a14:hiddenLine>
               </a:ext>
               <a:ext uri="{AF507438-7753-43e0-B8FC-AC1667EBCBE1}">
-                <a14:hiddenEffects xmlns:a14="http://schemas.microsoft.com/office/drawing/2010/main" xmlns="">
+                <a14:hiddenEffects xmlns="" xmlns:a14="http://schemas.microsoft.com/office/drawing/2010/main">
                   <a:effectLst>
                     <a:outerShdw blurRad="63500" dist="38099" dir="2700000" algn="ctr" rotWithShape="0">
                       <a:schemeClr val="bg2">
@@ -8577,7 +8582,7 @@
             <a:effectLst/>
             <a:extLst>
               <a:ext uri="{91240B29-F687-4f45-9708-019B960494DF}">
-                <a14:hiddenLine xmlns:a14="http://schemas.microsoft.com/office/drawing/2010/main" xmlns="" w="9525">
+                <a14:hiddenLine xmlns="" xmlns:a14="http://schemas.microsoft.com/office/drawing/2010/main" w="9525">
                   <a:solidFill>
                     <a:schemeClr val="tx1"/>
                   </a:solidFill>
@@ -8587,7 +8592,7 @@
                 </a14:hiddenLine>
               </a:ext>
               <a:ext uri="{AF507438-7753-43e0-B8FC-AC1667EBCBE1}">
-                <a14:hiddenEffects xmlns:a14="http://schemas.microsoft.com/office/drawing/2010/main" xmlns="">
+                <a14:hiddenEffects xmlns="" xmlns:a14="http://schemas.microsoft.com/office/drawing/2010/main">
                   <a:effectLst>
                     <a:outerShdw blurRad="63500" dist="38099" dir="2700000" algn="ctr" rotWithShape="0">
                       <a:schemeClr val="bg2">
@@ -8632,7 +8637,7 @@
             <a:effectLst/>
             <a:extLst>
               <a:ext uri="{91240B29-F687-4f45-9708-019B960494DF}">
-                <a14:hiddenLine xmlns:a14="http://schemas.microsoft.com/office/drawing/2010/main" xmlns="" w="9525">
+                <a14:hiddenLine xmlns="" xmlns:a14="http://schemas.microsoft.com/office/drawing/2010/main" w="9525">
                   <a:solidFill>
                     <a:schemeClr val="tx1"/>
                   </a:solidFill>
@@ -8642,7 +8647,7 @@
                 </a14:hiddenLine>
               </a:ext>
               <a:ext uri="{AF507438-7753-43e0-B8FC-AC1667EBCBE1}">
-                <a14:hiddenEffects xmlns:a14="http://schemas.microsoft.com/office/drawing/2010/main" xmlns="">
+                <a14:hiddenEffects xmlns="" xmlns:a14="http://schemas.microsoft.com/office/drawing/2010/main">
                   <a:effectLst>
                     <a:outerShdw blurRad="63500" dist="38099" dir="2700000" algn="ctr" rotWithShape="0">
                       <a:schemeClr val="bg2">
@@ -8687,7 +8692,7 @@
             <a:effectLst/>
             <a:extLst>
               <a:ext uri="{91240B29-F687-4f45-9708-019B960494DF}">
-                <a14:hiddenLine xmlns:a14="http://schemas.microsoft.com/office/drawing/2010/main" xmlns="" w="9525">
+                <a14:hiddenLine xmlns="" xmlns:a14="http://schemas.microsoft.com/office/drawing/2010/main" w="9525">
                   <a:solidFill>
                     <a:schemeClr val="tx1"/>
                   </a:solidFill>
@@ -8697,7 +8702,7 @@
                 </a14:hiddenLine>
               </a:ext>
               <a:ext uri="{AF507438-7753-43e0-B8FC-AC1667EBCBE1}">
-                <a14:hiddenEffects xmlns:a14="http://schemas.microsoft.com/office/drawing/2010/main" xmlns="">
+                <a14:hiddenEffects xmlns="" xmlns:a14="http://schemas.microsoft.com/office/drawing/2010/main">
                   <a:effectLst>
                     <a:outerShdw blurRad="63500" dist="38099" dir="2700000" algn="ctr" rotWithShape="0">
                       <a:schemeClr val="bg2">
@@ -8742,7 +8747,7 @@
             <a:effectLst/>
             <a:extLst>
               <a:ext uri="{91240B29-F687-4f45-9708-019B960494DF}">
-                <a14:hiddenLine xmlns:a14="http://schemas.microsoft.com/office/drawing/2010/main" xmlns="" w="9525">
+                <a14:hiddenLine xmlns="" xmlns:a14="http://schemas.microsoft.com/office/drawing/2010/main" w="9525">
                   <a:solidFill>
                     <a:schemeClr val="tx1"/>
                   </a:solidFill>
@@ -8752,7 +8757,7 @@
                 </a14:hiddenLine>
               </a:ext>
               <a:ext uri="{AF507438-7753-43e0-B8FC-AC1667EBCBE1}">
-                <a14:hiddenEffects xmlns:a14="http://schemas.microsoft.com/office/drawing/2010/main" xmlns="">
+                <a14:hiddenEffects xmlns="" xmlns:a14="http://schemas.microsoft.com/office/drawing/2010/main">
                   <a:effectLst>
                     <a:outerShdw blurRad="63500" dist="38099" dir="2700000" algn="ctr" rotWithShape="0">
                       <a:schemeClr val="bg2">
@@ -8797,7 +8802,7 @@
             <a:effectLst/>
             <a:extLst>
               <a:ext uri="{91240B29-F687-4f45-9708-019B960494DF}">
-                <a14:hiddenLine xmlns:a14="http://schemas.microsoft.com/office/drawing/2010/main" xmlns="" w="9525">
+                <a14:hiddenLine xmlns="" xmlns:a14="http://schemas.microsoft.com/office/drawing/2010/main" w="9525">
                   <a:solidFill>
                     <a:schemeClr val="tx1"/>
                   </a:solidFill>
@@ -8807,7 +8812,7 @@
                 </a14:hiddenLine>
               </a:ext>
               <a:ext uri="{AF507438-7753-43e0-B8FC-AC1667EBCBE1}">
-                <a14:hiddenEffects xmlns:a14="http://schemas.microsoft.com/office/drawing/2010/main" xmlns="">
+                <a14:hiddenEffects xmlns="" xmlns:a14="http://schemas.microsoft.com/office/drawing/2010/main">
                   <a:effectLst>
                     <a:outerShdw blurRad="63500" dist="38099" dir="2700000" algn="ctr" rotWithShape="0">
                       <a:schemeClr val="bg2">
@@ -8852,7 +8857,7 @@
             <a:effectLst/>
             <a:extLst>
               <a:ext uri="{91240B29-F687-4f45-9708-019B960494DF}">
-                <a14:hiddenLine xmlns:a14="http://schemas.microsoft.com/office/drawing/2010/main" xmlns="" w="9525">
+                <a14:hiddenLine xmlns="" xmlns:a14="http://schemas.microsoft.com/office/drawing/2010/main" w="9525">
                   <a:solidFill>
                     <a:schemeClr val="tx1"/>
                   </a:solidFill>
@@ -8862,7 +8867,7 @@
                 </a14:hiddenLine>
               </a:ext>
               <a:ext uri="{AF507438-7753-43e0-B8FC-AC1667EBCBE1}">
-                <a14:hiddenEffects xmlns:a14="http://schemas.microsoft.com/office/drawing/2010/main" xmlns="">
+                <a14:hiddenEffects xmlns="" xmlns:a14="http://schemas.microsoft.com/office/drawing/2010/main">
                   <a:effectLst>
                     <a:outerShdw blurRad="63500" dist="38099" dir="2700000" algn="ctr" rotWithShape="0">
                       <a:schemeClr val="bg2">
@@ -8907,7 +8912,7 @@
             <a:effectLst/>
             <a:extLst>
               <a:ext uri="{91240B29-F687-4f45-9708-019B960494DF}">
-                <a14:hiddenLine xmlns:a14="http://schemas.microsoft.com/office/drawing/2010/main" xmlns="" w="9525">
+                <a14:hiddenLine xmlns="" xmlns:a14="http://schemas.microsoft.com/office/drawing/2010/main" w="9525">
                   <a:solidFill>
                     <a:schemeClr val="tx1"/>
                   </a:solidFill>
@@ -8917,7 +8922,7 @@
                 </a14:hiddenLine>
               </a:ext>
               <a:ext uri="{AF507438-7753-43e0-B8FC-AC1667EBCBE1}">
-                <a14:hiddenEffects xmlns:a14="http://schemas.microsoft.com/office/drawing/2010/main" xmlns="">
+                <a14:hiddenEffects xmlns="" xmlns:a14="http://schemas.microsoft.com/office/drawing/2010/main">
                   <a:effectLst>
                     <a:outerShdw blurRad="63500" dist="38099" dir="2700000" algn="ctr" rotWithShape="0">
                       <a:schemeClr val="bg2">
@@ -8962,7 +8967,7 @@
             <a:effectLst/>
             <a:extLst>
               <a:ext uri="{91240B29-F687-4f45-9708-019B960494DF}">
-                <a14:hiddenLine xmlns:a14="http://schemas.microsoft.com/office/drawing/2010/main" xmlns="" w="9525">
+                <a14:hiddenLine xmlns="" xmlns:a14="http://schemas.microsoft.com/office/drawing/2010/main" w="9525">
                   <a:solidFill>
                     <a:schemeClr val="tx1"/>
                   </a:solidFill>
@@ -8972,7 +8977,7 @@
                 </a14:hiddenLine>
               </a:ext>
               <a:ext uri="{AF507438-7753-43e0-B8FC-AC1667EBCBE1}">
-                <a14:hiddenEffects xmlns:a14="http://schemas.microsoft.com/office/drawing/2010/main" xmlns="">
+                <a14:hiddenEffects xmlns="" xmlns:a14="http://schemas.microsoft.com/office/drawing/2010/main">
                   <a:effectLst>
                     <a:outerShdw blurRad="63500" dist="38099" dir="2700000" algn="ctr" rotWithShape="0">
                       <a:schemeClr val="bg2">
@@ -9017,7 +9022,7 @@
             <a:effectLst/>
             <a:extLst>
               <a:ext uri="{91240B29-F687-4f45-9708-019B960494DF}">
-                <a14:hiddenLine xmlns:a14="http://schemas.microsoft.com/office/drawing/2010/main" xmlns="" w="9525">
+                <a14:hiddenLine xmlns="" xmlns:a14="http://schemas.microsoft.com/office/drawing/2010/main" w="9525">
                   <a:solidFill>
                     <a:schemeClr val="tx1"/>
                   </a:solidFill>
@@ -9027,7 +9032,7 @@
                 </a14:hiddenLine>
               </a:ext>
               <a:ext uri="{AF507438-7753-43e0-B8FC-AC1667EBCBE1}">
-                <a14:hiddenEffects xmlns:a14="http://schemas.microsoft.com/office/drawing/2010/main" xmlns="">
+                <a14:hiddenEffects xmlns="" xmlns:a14="http://schemas.microsoft.com/office/drawing/2010/main">
                   <a:effectLst>
                     <a:outerShdw blurRad="63500" dist="38099" dir="2700000" algn="ctr" rotWithShape="0">
                       <a:schemeClr val="bg2">
@@ -9072,7 +9077,7 @@
             <a:effectLst/>
             <a:extLst>
               <a:ext uri="{91240B29-F687-4f45-9708-019B960494DF}">
-                <a14:hiddenLine xmlns:a14="http://schemas.microsoft.com/office/drawing/2010/main" xmlns="" w="9525">
+                <a14:hiddenLine xmlns="" xmlns:a14="http://schemas.microsoft.com/office/drawing/2010/main" w="9525">
                   <a:solidFill>
                     <a:schemeClr val="tx1"/>
                   </a:solidFill>
@@ -9082,7 +9087,7 @@
                 </a14:hiddenLine>
               </a:ext>
               <a:ext uri="{AF507438-7753-43e0-B8FC-AC1667EBCBE1}">
-                <a14:hiddenEffects xmlns:a14="http://schemas.microsoft.com/office/drawing/2010/main" xmlns="">
+                <a14:hiddenEffects xmlns="" xmlns:a14="http://schemas.microsoft.com/office/drawing/2010/main">
                   <a:effectLst>
                     <a:outerShdw blurRad="63500" dist="38099" dir="2700000" algn="ctr" rotWithShape="0">
                       <a:schemeClr val="bg2">
@@ -9654,7 +9659,7 @@
           </a:ln>
           <a:extLst>
             <a:ext uri="{909E8E84-426E-40dd-AFC4-6F175D3DCCD1}">
-              <a14:hiddenFill xmlns:a14="http://schemas.microsoft.com/office/drawing/2010/main" xmlns="">
+              <a14:hiddenFill xmlns="" xmlns:a14="http://schemas.microsoft.com/office/drawing/2010/main">
                 <a:solidFill>
                   <a:schemeClr val="accent1"/>
                 </a:solidFill>
@@ -9706,14 +9711,14 @@
           </a:ln>
           <a:extLst>
             <a:ext uri="{909E8E84-426E-40dd-AFC4-6F175D3DCCD1}">
-              <a14:hiddenFill xmlns:a14="http://schemas.microsoft.com/office/drawing/2010/main" xmlns="">
+              <a14:hiddenFill xmlns="" xmlns:a14="http://schemas.microsoft.com/office/drawing/2010/main">
                 <a:solidFill>
                   <a:schemeClr val="accent1"/>
                 </a:solidFill>
               </a14:hiddenFill>
             </a:ext>
             <a:ext uri="{91240B29-F687-4f45-9708-019B960494DF}">
-              <a14:hiddenLine xmlns:a14="http://schemas.microsoft.com/office/drawing/2010/main" xmlns="" w="9525">
+              <a14:hiddenLine xmlns="" xmlns:a14="http://schemas.microsoft.com/office/drawing/2010/main" w="9525">
                 <a:solidFill>
                   <a:schemeClr val="tx1"/>
                 </a:solidFill>
@@ -9863,14 +9868,14 @@
           </a:ln>
           <a:extLst>
             <a:ext uri="{909E8E84-426E-40dd-AFC4-6F175D3DCCD1}">
-              <a14:hiddenFill xmlns:a14="http://schemas.microsoft.com/office/drawing/2010/main" xmlns="">
+              <a14:hiddenFill xmlns="" xmlns:a14="http://schemas.microsoft.com/office/drawing/2010/main">
                 <a:solidFill>
                   <a:schemeClr val="accent1"/>
                 </a:solidFill>
               </a14:hiddenFill>
             </a:ext>
             <a:ext uri="{91240B29-F687-4f45-9708-019B960494DF}">
-              <a14:hiddenLine xmlns:a14="http://schemas.microsoft.com/office/drawing/2010/main" xmlns="" w="9525">
+              <a14:hiddenLine xmlns="" xmlns:a14="http://schemas.microsoft.com/office/drawing/2010/main" w="9525">
                 <a:solidFill>
                   <a:schemeClr val="tx1"/>
                 </a:solidFill>
@@ -9939,14 +9944,14 @@
           </a:ln>
           <a:extLst>
             <a:ext uri="{909E8E84-426E-40dd-AFC4-6F175D3DCCD1}">
-              <a14:hiddenFill xmlns:a14="http://schemas.microsoft.com/office/drawing/2010/main" xmlns="">
+              <a14:hiddenFill xmlns="" xmlns:a14="http://schemas.microsoft.com/office/drawing/2010/main">
                 <a:solidFill>
                   <a:schemeClr val="accent1"/>
                 </a:solidFill>
               </a14:hiddenFill>
             </a:ext>
             <a:ext uri="{91240B29-F687-4f45-9708-019B960494DF}">
-              <a14:hiddenLine xmlns:a14="http://schemas.microsoft.com/office/drawing/2010/main" xmlns="" w="9525">
+              <a14:hiddenLine xmlns="" xmlns:a14="http://schemas.microsoft.com/office/drawing/2010/main" w="9525">
                 <a:solidFill>
                   <a:schemeClr val="tx1"/>
                 </a:solidFill>
@@ -10020,7 +10025,7 @@
           </a:ln>
           <a:extLst>
             <a:ext uri="{909E8E84-426E-40dd-AFC4-6F175D3DCCD1}">
-              <a14:hiddenFill xmlns:a14="http://schemas.microsoft.com/office/drawing/2010/main" xmlns="">
+              <a14:hiddenFill xmlns="" xmlns:a14="http://schemas.microsoft.com/office/drawing/2010/main">
                 <a:solidFill>
                   <a:schemeClr val="accent1"/>
                 </a:solidFill>
@@ -10104,7 +10109,7 @@
       </p:grpSpPr>
       <p:sp>
         <p:nvSpPr>
-          <p:cNvPr id="27650" name="Rectangle 2"/>
+          <p:cNvPr id="33794" name="Rectangle 2"/>
           <p:cNvSpPr>
             <a:spLocks noGrp="1" noChangeArrowheads="1"/>
           </p:cNvSpPr>
@@ -10119,578 +10124,87 @@
           <a:p>
             <a:r>
               <a:rPr lang="en-US"/>
-              <a:t>Type Equivalence</a:t>
-            </a:r>
-          </a:p>
-        </p:txBody>
-      </p:sp>
-      <p:sp>
-        <p:nvSpPr>
-          <p:cNvPr id="27651" name="Text Box 3"/>
-          <p:cNvSpPr txBox="1">
-            <a:spLocks noChangeArrowheads="1"/>
-          </p:cNvSpPr>
-          <p:nvPr/>
-        </p:nvSpPr>
-        <p:spPr bwMode="auto">
-          <a:xfrm>
-            <a:off x="593725" y="1484313"/>
-            <a:ext cx="7019925" cy="641350"/>
-          </a:xfrm>
-          <a:prstGeom prst="rect">
-            <a:avLst/>
-          </a:prstGeom>
-          <a:noFill/>
-          <a:ln>
-            <a:noFill/>
-          </a:ln>
-          <a:effectLst/>
-          <a:extLst>
-            <a:ext uri="{909E8E84-426E-40dd-AFC4-6F175D3DCCD1}">
-              <a14:hiddenFill xmlns:a14="http://schemas.microsoft.com/office/drawing/2010/main" xmlns="">
-                <a:solidFill>
-                  <a:schemeClr val="accent1"/>
-                </a:solidFill>
-              </a14:hiddenFill>
-            </a:ext>
-            <a:ext uri="{91240B29-F687-4f45-9708-019B960494DF}">
-              <a14:hiddenLine xmlns:a14="http://schemas.microsoft.com/office/drawing/2010/main" xmlns="" w="9525">
-                <a:solidFill>
-                  <a:schemeClr val="tx1"/>
-                </a:solidFill>
-                <a:miter lim="800000"/>
-                <a:headEnd/>
-                <a:tailEnd/>
-              </a14:hiddenLine>
-            </a:ext>
-            <a:ext uri="{AF507438-7753-43e0-B8FC-AC1667EBCBE1}">
-              <a14:hiddenEffects xmlns:a14="http://schemas.microsoft.com/office/drawing/2010/main" xmlns="">
-                <a:effectLst>
-                  <a:outerShdw blurRad="63500" dist="38099" dir="2700000" algn="ctr" rotWithShape="0">
-                    <a:schemeClr val="bg2">
-                      <a:alpha val="74998"/>
-                    </a:schemeClr>
-                  </a:outerShdw>
-                </a:effectLst>
-              </a14:hiddenEffects>
-            </a:ext>
-          </a:extLst>
-        </p:spPr>
-        <p:txBody>
-          <a:bodyPr wrap="none">
-            <a:spAutoFit/>
-          </a:bodyPr>
+              <a:t>Subtypes</a:t>
+            </a:r>
+          </a:p>
+        </p:txBody>
+      </p:sp>
+      <p:sp>
+        <p:nvSpPr>
+          <p:cNvPr id="2" name="Content Placeholder 1"/>
+          <p:cNvSpPr>
+            <a:spLocks noGrp="1"/>
+          </p:cNvSpPr>
+          <p:nvPr>
+            <p:ph idx="1"/>
+          </p:nvPr>
+        </p:nvSpPr>
+        <p:spPr/>
+        <p:txBody>
+          <a:bodyPr/>
           <a:lstStyle/>
           <a:p>
             <a:r>
-              <a:rPr lang="en-US" sz="1800"/>
-              <a:t>I. </a:t>
-            </a:r>
-            <a:r>
-              <a:rPr lang="en-US" sz="1800" u="sng"/>
-              <a:t>Name Equivalence</a:t>
-            </a:r>
-            <a:r>
-              <a:rPr lang="en-US" sz="1800"/>
-              <a:t> – two objects are of the same type of and only</a:t>
-            </a:r>
-            <a:br>
-              <a:rPr lang="en-US" sz="1800"/>
-            </a:br>
-            <a:r>
-              <a:rPr lang="en-US" sz="1800"/>
-              <a:t>   if they share the same </a:t>
-            </a:r>
-            <a:r>
-              <a:rPr lang="en-US" sz="1800" i="1"/>
-              <a:t>type name.</a:t>
-            </a:r>
-            <a:endParaRPr lang="en-US" sz="1800"/>
-          </a:p>
-        </p:txBody>
-      </p:sp>
-      <p:sp>
-        <p:nvSpPr>
-          <p:cNvPr id="27652" name="Text Box 4"/>
-          <p:cNvSpPr txBox="1">
-            <a:spLocks noChangeArrowheads="1"/>
-          </p:cNvSpPr>
-          <p:nvPr/>
-        </p:nvSpPr>
-        <p:spPr bwMode="auto">
-          <a:xfrm>
-            <a:off x="669925" y="2627313"/>
-            <a:ext cx="1682750" cy="366712"/>
-          </a:xfrm>
-          <a:prstGeom prst="rect">
-            <a:avLst/>
-          </a:prstGeom>
-          <a:noFill/>
-          <a:ln>
-            <a:noFill/>
-          </a:ln>
-          <a:effectLst/>
-          <a:extLst>
-            <a:ext uri="{909E8E84-426E-40dd-AFC4-6F175D3DCCD1}">
-              <a14:hiddenFill xmlns:a14="http://schemas.microsoft.com/office/drawing/2010/main" xmlns="">
-                <a:solidFill>
-                  <a:schemeClr val="accent1"/>
-                </a:solidFill>
-              </a14:hiddenFill>
-            </a:ext>
-            <a:ext uri="{91240B29-F687-4f45-9708-019B960494DF}">
-              <a14:hiddenLine xmlns:a14="http://schemas.microsoft.com/office/drawing/2010/main" xmlns="" w="9525">
-                <a:solidFill>
-                  <a:schemeClr val="tx1"/>
-                </a:solidFill>
-                <a:miter lim="800000"/>
-                <a:headEnd/>
-                <a:tailEnd/>
-              </a14:hiddenLine>
-            </a:ext>
-            <a:ext uri="{AF507438-7753-43e0-B8FC-AC1667EBCBE1}">
-              <a14:hiddenEffects xmlns:a14="http://schemas.microsoft.com/office/drawing/2010/main" xmlns="">
-                <a:effectLst>
-                  <a:outerShdw blurRad="63500" dist="38099" dir="2700000" algn="ctr" rotWithShape="0">
-                    <a:schemeClr val="bg2">
-                      <a:alpha val="74998"/>
-                    </a:schemeClr>
-                  </a:outerShdw>
-                </a:effectLst>
-              </a14:hiddenEffects>
-            </a:ext>
-          </a:extLst>
-        </p:spPr>
-        <p:txBody>
-          <a:bodyPr wrap="none">
-            <a:spAutoFit/>
-          </a:bodyPr>
-          <a:lstStyle/>
-          <a:p>
-            <a:r>
-              <a:rPr lang="en-US" sz="1800"/>
-              <a:t>Example: Java</a:t>
-            </a:r>
-            <a:endParaRPr lang="en-US" sz="1800" u="sng"/>
-          </a:p>
-        </p:txBody>
-      </p:sp>
-      <p:sp>
-        <p:nvSpPr>
-          <p:cNvPr id="27653" name="Text Box 5"/>
-          <p:cNvSpPr txBox="1">
-            <a:spLocks noChangeArrowheads="1"/>
-          </p:cNvSpPr>
-          <p:nvPr/>
-        </p:nvSpPr>
-        <p:spPr bwMode="auto">
-          <a:xfrm>
-            <a:off x="822325" y="3201988"/>
-            <a:ext cx="1890713" cy="1069975"/>
-          </a:xfrm>
-          <a:prstGeom prst="rect">
-            <a:avLst/>
-          </a:prstGeom>
-          <a:noFill/>
-          <a:ln>
-            <a:noFill/>
-          </a:ln>
-          <a:effectLst/>
-          <a:extLst>
-            <a:ext uri="{909E8E84-426E-40dd-AFC4-6F175D3DCCD1}">
-              <a14:hiddenFill xmlns:a14="http://schemas.microsoft.com/office/drawing/2010/main" xmlns="">
-                <a:solidFill>
-                  <a:schemeClr val="accent1"/>
-                </a:solidFill>
-              </a14:hiddenFill>
-            </a:ext>
-            <a:ext uri="{91240B29-F687-4f45-9708-019B960494DF}">
-              <a14:hiddenLine xmlns:a14="http://schemas.microsoft.com/office/drawing/2010/main" xmlns="" w="9525">
-                <a:solidFill>
-                  <a:schemeClr val="tx1"/>
-                </a:solidFill>
-                <a:miter lim="800000"/>
-                <a:headEnd/>
-                <a:tailEnd/>
-              </a14:hiddenLine>
-            </a:ext>
-            <a:ext uri="{AF507438-7753-43e0-B8FC-AC1667EBCBE1}">
-              <a14:hiddenEffects xmlns:a14="http://schemas.microsoft.com/office/drawing/2010/main" xmlns="">
-                <a:effectLst>
-                  <a:outerShdw blurRad="63500" dist="38099" dir="2700000" algn="ctr" rotWithShape="0">
-                    <a:schemeClr val="bg2">
-                      <a:alpha val="74998"/>
-                    </a:schemeClr>
-                  </a:outerShdw>
-                </a:effectLst>
-              </a14:hiddenEffects>
-            </a:ext>
-          </a:extLst>
-        </p:spPr>
-        <p:txBody>
-          <a:bodyPr wrap="none">
-            <a:spAutoFit/>
-          </a:bodyPr>
-          <a:lstStyle/>
-          <a:p>
-            <a:r>
-              <a:rPr lang="en-US" sz="1600">
-                <a:latin typeface="Courier New" charset="0"/>
+              <a:rPr lang="en-US" dirty="0" smtClean="0"/>
+              <a:t>An important implication of subtypes in programming languages is the notion of </a:t>
+            </a:r>
+            <a:r>
+              <a:rPr lang="en-US" i="1" dirty="0" smtClean="0"/>
+              <a:t>type hierarchies</a:t>
+            </a:r>
+          </a:p>
+          <a:p>
+            <a:r>
+              <a:rPr lang="en-US" dirty="0" smtClean="0"/>
+              <a:t>Here the types of a language are ordered along the subtype relation, e.g. in Java</a:t>
+            </a:r>
+          </a:p>
+          <a:p>
+            <a:pPr lvl="1"/>
+            <a:r>
+              <a:rPr lang="en-US" sz="2800" dirty="0" err="1" smtClean="0"/>
+              <a:t>int</a:t>
+            </a:r>
+            <a:r>
+              <a:rPr lang="en-US" sz="2800" dirty="0" smtClean="0"/>
+              <a:t> </a:t>
+            </a:r>
+            <a:r>
+              <a:rPr lang="en-US" sz="2800" dirty="0" smtClean="0">
+                <a:sym typeface="Symbol" charset="0"/>
               </a:rPr>
-              <a:t>Class Foobar {</a:t>
-            </a:r>
-          </a:p>
-          <a:p>
-            <a:r>
-              <a:rPr lang="en-US" sz="1600">
-                <a:latin typeface="Courier New" charset="0"/>
+              <a:t> </a:t>
+            </a:r>
+            <a:r>
+              <a:rPr lang="en-US" sz="2800" dirty="0" smtClean="0"/>
+              <a:t>float </a:t>
+            </a:r>
+            <a:r>
+              <a:rPr lang="en-US" sz="2800" dirty="0">
+                <a:sym typeface="Symbol" charset="0"/>
               </a:rPr>
-              <a:t>  int i;</a:t>
-            </a:r>
-          </a:p>
-          <a:p>
-            <a:r>
-              <a:rPr lang="en-US" sz="1600">
-                <a:latin typeface="Courier New" charset="0"/>
+              <a:t> </a:t>
+            </a:r>
+            <a:r>
+              <a:rPr lang="en-US" sz="2800" dirty="0" smtClean="0">
+                <a:sym typeface="Symbol" charset="0"/>
               </a:rPr>
-              <a:t>  float f;</a:t>
-            </a:r>
-          </a:p>
-          <a:p>
-            <a:r>
-              <a:rPr lang="en-US" sz="1600">
-                <a:latin typeface="Courier New" charset="0"/>
-              </a:rPr>
-              <a:t>}</a:t>
-            </a:r>
-          </a:p>
-        </p:txBody>
-      </p:sp>
-      <p:sp>
-        <p:nvSpPr>
-          <p:cNvPr id="27654" name="Text Box 6"/>
-          <p:cNvSpPr txBox="1">
-            <a:spLocks noChangeArrowheads="1"/>
-          </p:cNvSpPr>
-          <p:nvPr/>
-        </p:nvSpPr>
-        <p:spPr bwMode="auto">
-          <a:xfrm>
-            <a:off x="4429125" y="3143250"/>
-            <a:ext cx="1890713" cy="1069975"/>
-          </a:xfrm>
-          <a:prstGeom prst="rect">
-            <a:avLst/>
-          </a:prstGeom>
-          <a:noFill/>
-          <a:ln>
-            <a:noFill/>
-          </a:ln>
-          <a:effectLst/>
-          <a:extLst>
-            <a:ext uri="{909E8E84-426E-40dd-AFC4-6F175D3DCCD1}">
-              <a14:hiddenFill xmlns:a14="http://schemas.microsoft.com/office/drawing/2010/main" xmlns="">
-                <a:solidFill>
-                  <a:schemeClr val="accent1"/>
-                </a:solidFill>
-              </a14:hiddenFill>
-            </a:ext>
-            <a:ext uri="{91240B29-F687-4f45-9708-019B960494DF}">
-              <a14:hiddenLine xmlns:a14="http://schemas.microsoft.com/office/drawing/2010/main" xmlns="" w="9525">
-                <a:solidFill>
-                  <a:schemeClr val="tx1"/>
-                </a:solidFill>
-                <a:miter lim="800000"/>
-                <a:headEnd/>
-                <a:tailEnd/>
-              </a14:hiddenLine>
-            </a:ext>
-            <a:ext uri="{AF507438-7753-43e0-B8FC-AC1667EBCBE1}">
-              <a14:hiddenEffects xmlns:a14="http://schemas.microsoft.com/office/drawing/2010/main" xmlns="">
-                <a:effectLst>
-                  <a:outerShdw blurRad="63500" dist="38099" dir="2700000" algn="ctr" rotWithShape="0">
-                    <a:schemeClr val="bg2">
-                      <a:alpha val="74998"/>
-                    </a:schemeClr>
-                  </a:outerShdw>
-                </a:effectLst>
-              </a14:hiddenEffects>
-            </a:ext>
-          </a:extLst>
-        </p:spPr>
-        <p:txBody>
-          <a:bodyPr wrap="none">
-            <a:spAutoFit/>
-          </a:bodyPr>
-          <a:lstStyle/>
-          <a:p>
-            <a:r>
-              <a:rPr lang="en-US" sz="1600">
-                <a:latin typeface="Courier New" charset="0"/>
-              </a:rPr>
-              <a:t>Class Goobar {</a:t>
-            </a:r>
-          </a:p>
-          <a:p>
-            <a:r>
-              <a:rPr lang="en-US" sz="1600">
-                <a:latin typeface="Courier New" charset="0"/>
-              </a:rPr>
-              <a:t>  int i;</a:t>
-            </a:r>
-          </a:p>
-          <a:p>
-            <a:r>
-              <a:rPr lang="en-US" sz="1600">
-                <a:latin typeface="Courier New" charset="0"/>
-              </a:rPr>
-              <a:t>  float f;</a:t>
-            </a:r>
-          </a:p>
-          <a:p>
-            <a:r>
-              <a:rPr lang="en-US" sz="1600">
-                <a:latin typeface="Courier New" charset="0"/>
-              </a:rPr>
-              <a:t>}</a:t>
-            </a:r>
-          </a:p>
-        </p:txBody>
-      </p:sp>
-      <p:sp>
-        <p:nvSpPr>
-          <p:cNvPr id="27655" name="Text Box 7"/>
-          <p:cNvSpPr txBox="1">
-            <a:spLocks noChangeArrowheads="1"/>
-          </p:cNvSpPr>
-          <p:nvPr/>
-        </p:nvSpPr>
-        <p:spPr bwMode="auto">
-          <a:xfrm>
-            <a:off x="898525" y="5178425"/>
-            <a:ext cx="3111500" cy="336550"/>
-          </a:xfrm>
-          <a:prstGeom prst="rect">
-            <a:avLst/>
-          </a:prstGeom>
-          <a:noFill/>
-          <a:ln>
-            <a:noFill/>
-          </a:ln>
-          <a:effectLst/>
-          <a:extLst>
-            <a:ext uri="{909E8E84-426E-40dd-AFC4-6F175D3DCCD1}">
-              <a14:hiddenFill xmlns:a14="http://schemas.microsoft.com/office/drawing/2010/main" xmlns="">
-                <a:solidFill>
-                  <a:schemeClr val="accent1"/>
-                </a:solidFill>
-              </a14:hiddenFill>
-            </a:ext>
-            <a:ext uri="{91240B29-F687-4f45-9708-019B960494DF}">
-              <a14:hiddenLine xmlns:a14="http://schemas.microsoft.com/office/drawing/2010/main" xmlns="" w="9525">
-                <a:solidFill>
-                  <a:schemeClr val="tx1"/>
-                </a:solidFill>
-                <a:miter lim="800000"/>
-                <a:headEnd/>
-                <a:tailEnd/>
-              </a14:hiddenLine>
-            </a:ext>
-            <a:ext uri="{AF507438-7753-43e0-B8FC-AC1667EBCBE1}">
-              <a14:hiddenEffects xmlns:a14="http://schemas.microsoft.com/office/drawing/2010/main" xmlns="">
-                <a:effectLst>
-                  <a:outerShdw blurRad="63500" dist="38099" dir="2700000" algn="ctr" rotWithShape="0">
-                    <a:schemeClr val="bg2">
-                      <a:alpha val="74998"/>
-                    </a:schemeClr>
-                  </a:outerShdw>
-                </a:effectLst>
-              </a14:hiddenEffects>
-            </a:ext>
-          </a:extLst>
-        </p:spPr>
-        <p:txBody>
-          <a:bodyPr wrap="none">
-            <a:spAutoFit/>
-          </a:bodyPr>
-          <a:lstStyle/>
-          <a:p>
-            <a:r>
-              <a:rPr lang="en-US" sz="1600">
-                <a:latin typeface="Courier New" charset="0"/>
-              </a:rPr>
-              <a:t>Foobar o = new Goobar();</a:t>
-            </a:r>
-          </a:p>
-        </p:txBody>
-      </p:sp>
-      <p:sp>
-        <p:nvSpPr>
-          <p:cNvPr id="27656" name="AutoShape 8"/>
-          <p:cNvSpPr>
-            <a:spLocks/>
-          </p:cNvSpPr>
-          <p:nvPr/>
-        </p:nvSpPr>
-        <p:spPr bwMode="auto">
-          <a:xfrm>
-            <a:off x="4191000" y="4724400"/>
-            <a:ext cx="152400" cy="1219200"/>
-          </a:xfrm>
-          <a:prstGeom prst="leftBrace">
-            <a:avLst>
-              <a:gd name="adj1" fmla="val 66667"/>
-              <a:gd name="adj2" fmla="val 50000"/>
-            </a:avLst>
-          </a:prstGeom>
-          <a:noFill/>
-          <a:ln w="9525">
-            <a:solidFill>
-              <a:schemeClr val="tx1"/>
-            </a:solidFill>
-            <a:round/>
-            <a:headEnd/>
-            <a:tailEnd/>
-          </a:ln>
-          <a:effectLst/>
-          <a:extLst>
-            <a:ext uri="{909E8E84-426E-40dd-AFC4-6F175D3DCCD1}">
-              <a14:hiddenFill xmlns:a14="http://schemas.microsoft.com/office/drawing/2010/main" xmlns="">
-                <a:solidFill>
-                  <a:schemeClr val="accent1"/>
-                </a:solidFill>
-              </a14:hiddenFill>
-            </a:ext>
-            <a:ext uri="{AF507438-7753-43e0-B8FC-AC1667EBCBE1}">
-              <a14:hiddenEffects xmlns:a14="http://schemas.microsoft.com/office/drawing/2010/main" xmlns="">
-                <a:effectLst>
-                  <a:outerShdw blurRad="63500" dist="38099" dir="2700000" algn="ctr" rotWithShape="0">
-                    <a:schemeClr val="bg2">
-                      <a:alpha val="74998"/>
-                    </a:schemeClr>
-                  </a:outerShdw>
-                </a:effectLst>
-              </a14:hiddenEffects>
-            </a:ext>
-          </a:extLst>
-        </p:spPr>
-        <p:txBody>
-          <a:bodyPr wrap="none" anchor="ctr"/>
-          <a:lstStyle/>
-          <a:p>
-            <a:endParaRPr lang="en-US"/>
-          </a:p>
-        </p:txBody>
-      </p:sp>
-      <p:sp>
-        <p:nvSpPr>
-          <p:cNvPr id="27657" name="Text Box 9"/>
-          <p:cNvSpPr txBox="1">
-            <a:spLocks noChangeArrowheads="1"/>
-          </p:cNvSpPr>
-          <p:nvPr/>
-        </p:nvSpPr>
-        <p:spPr bwMode="auto">
-          <a:xfrm>
-            <a:off x="4479925" y="4632325"/>
-            <a:ext cx="3392488" cy="1314450"/>
-          </a:xfrm>
-          <a:prstGeom prst="rect">
-            <a:avLst/>
-          </a:prstGeom>
-          <a:noFill/>
-          <a:ln>
-            <a:noFill/>
-          </a:ln>
-          <a:effectLst/>
-          <a:extLst>
-            <a:ext uri="{909E8E84-426E-40dd-AFC4-6F175D3DCCD1}">
-              <a14:hiddenFill xmlns:a14="http://schemas.microsoft.com/office/drawing/2010/main" xmlns="">
-                <a:solidFill>
-                  <a:schemeClr val="accent1"/>
-                </a:solidFill>
-              </a14:hiddenFill>
-            </a:ext>
-            <a:ext uri="{91240B29-F687-4f45-9708-019B960494DF}">
-              <a14:hiddenLine xmlns:a14="http://schemas.microsoft.com/office/drawing/2010/main" xmlns="" w="9525">
-                <a:solidFill>
-                  <a:schemeClr val="tx1"/>
-                </a:solidFill>
-                <a:miter lim="800000"/>
-                <a:headEnd/>
-                <a:tailEnd/>
-              </a14:hiddenLine>
-            </a:ext>
-            <a:ext uri="{AF507438-7753-43e0-B8FC-AC1667EBCBE1}">
-              <a14:hiddenEffects xmlns:a14="http://schemas.microsoft.com/office/drawing/2010/main" xmlns="">
-                <a:effectLst>
-                  <a:outerShdw blurRad="63500" dist="38099" dir="2700000" algn="ctr" rotWithShape="0">
-                    <a:schemeClr val="bg2">
-                      <a:alpha val="74998"/>
-                    </a:schemeClr>
-                  </a:outerShdw>
-                </a:effectLst>
-              </a14:hiddenEffects>
-            </a:ext>
-          </a:extLst>
-        </p:spPr>
-        <p:txBody>
-          <a:bodyPr wrap="none">
-            <a:spAutoFit/>
-          </a:bodyPr>
-          <a:lstStyle/>
-          <a:p>
-            <a:r>
-              <a:rPr lang="en-US" sz="1600"/>
-              <a:t>Error; even though the types look</a:t>
-            </a:r>
-            <a:br>
-              <a:rPr lang="en-US" sz="1600"/>
-            </a:br>
-            <a:r>
-              <a:rPr lang="en-US" sz="1600"/>
-              <a:t>the same, their names are different,</a:t>
-            </a:r>
-            <a:br>
-              <a:rPr lang="en-US" sz="1600"/>
-            </a:br>
-            <a:r>
-              <a:rPr lang="en-US" sz="1600"/>
-              <a:t>therefore, Java will raise an error.</a:t>
-            </a:r>
-            <a:br>
-              <a:rPr lang="en-US" sz="1600"/>
-            </a:br>
-            <a:r>
-              <a:rPr lang="en-US" sz="1600"/>
-              <a:t/>
-            </a:r>
-            <a:br>
-              <a:rPr lang="en-US" sz="1600"/>
-            </a:br>
-            <a:r>
-              <a:rPr lang="en-US" sz="1600"/>
-              <a:t> </a:t>
-            </a:r>
-            <a:r>
-              <a:rPr lang="en-US" sz="1600">
-                <a:sym typeface="Wingdings" charset="0"/>
-              </a:rPr>
-              <a:t>Java uses </a:t>
-            </a:r>
-            <a:r>
-              <a:rPr lang="en-US" sz="1600" i="1">
-                <a:sym typeface="Wingdings" charset="0"/>
-              </a:rPr>
-              <a:t>name equivalence</a:t>
-            </a:r>
-            <a:endParaRPr lang="en-US" sz="1600">
-              <a:sym typeface="Wingdings" charset="0"/>
-            </a:endParaRPr>
+              <a:t> string</a:t>
+            </a:r>
+            <a:endParaRPr lang="en-US" dirty="0" smtClean="0"/>
+          </a:p>
+          <a:p>
+            <a:pPr lvl="1"/>
+            <a:endParaRPr lang="en-US" dirty="0"/>
           </a:p>
         </p:txBody>
       </p:sp>
     </p:spTree>
+    <p:extLst>
+      <p:ext uri="{BB962C8B-B14F-4D97-AF65-F5344CB8AC3E}">
+        <p14:creationId xmlns:p14="http://schemas.microsoft.com/office/powerpoint/2010/main" val="1271594299"/>
+      </p:ext>
+    </p:extLst>
   </p:cSld>
   <p:clrMapOvr>
     <a:masterClrMapping/>
@@ -10724,7 +10238,7 @@
       </p:grpSpPr>
       <p:sp>
         <p:nvSpPr>
-          <p:cNvPr id="29698" name="Rectangle 2"/>
+          <p:cNvPr id="27650" name="Rectangle 2"/>
           <p:cNvSpPr>
             <a:spLocks noGrp="1" noChangeArrowheads="1"/>
           </p:cNvSpPr>
@@ -10746,7 +10260,7 @@
       </p:sp>
       <p:sp>
         <p:nvSpPr>
-          <p:cNvPr id="29699" name="Text Box 3"/>
+          <p:cNvPr id="27651" name="Text Box 3"/>
           <p:cNvSpPr txBox="1">
             <a:spLocks noChangeArrowheads="1"/>
           </p:cNvSpPr>
@@ -10754,8 +10268,8 @@
         </p:nvSpPr>
         <p:spPr bwMode="auto">
           <a:xfrm>
-            <a:off x="593725" y="1797050"/>
-            <a:ext cx="7553325" cy="641350"/>
+            <a:off x="593725" y="1484313"/>
+            <a:ext cx="7019925" cy="641350"/>
           </a:xfrm>
           <a:prstGeom prst="rect">
             <a:avLst/>
@@ -10767,14 +10281,14 @@
           <a:effectLst/>
           <a:extLst>
             <a:ext uri="{909E8E84-426E-40dd-AFC4-6F175D3DCCD1}">
-              <a14:hiddenFill xmlns:a14="http://schemas.microsoft.com/office/drawing/2010/main" xmlns="">
+              <a14:hiddenFill xmlns="" xmlns:a14="http://schemas.microsoft.com/office/drawing/2010/main">
                 <a:solidFill>
                   <a:schemeClr val="accent1"/>
                 </a:solidFill>
               </a14:hiddenFill>
             </a:ext>
             <a:ext uri="{91240B29-F687-4f45-9708-019B960494DF}">
-              <a14:hiddenLine xmlns:a14="http://schemas.microsoft.com/office/drawing/2010/main" xmlns="" w="9525">
+              <a14:hiddenLine xmlns="" xmlns:a14="http://schemas.microsoft.com/office/drawing/2010/main" w="9525">
                 <a:solidFill>
                   <a:schemeClr val="tx1"/>
                 </a:solidFill>
@@ -10784,7 +10298,7 @@
               </a14:hiddenLine>
             </a:ext>
             <a:ext uri="{AF507438-7753-43e0-B8FC-AC1667EBCBE1}">
-              <a14:hiddenEffects xmlns:a14="http://schemas.microsoft.com/office/drawing/2010/main" xmlns="">
+              <a14:hiddenEffects xmlns="" xmlns:a14="http://schemas.microsoft.com/office/drawing/2010/main">
                 <a:effectLst>
                   <a:outerShdw blurRad="63500" dist="38099" dir="2700000" algn="ctr" rotWithShape="0">
                     <a:schemeClr val="bg2">
@@ -10804,37 +10318,34 @@
           <a:p>
             <a:r>
               <a:rPr lang="en-US" sz="1800"/>
-              <a:t>II. </a:t>
+              <a:t>I. </a:t>
             </a:r>
             <a:r>
               <a:rPr lang="en-US" sz="1800" u="sng"/>
-              <a:t>Structural Equivalence</a:t>
+              <a:t>Name Equivalence</a:t>
             </a:r>
             <a:r>
               <a:rPr lang="en-US" sz="1800"/>
-              <a:t> – two objects are of the same type if and only if</a:t>
+              <a:t> – two objects are of the same type of and only</a:t>
             </a:r>
             <a:br>
               <a:rPr lang="en-US" sz="1800"/>
             </a:br>
             <a:r>
               <a:rPr lang="en-US" sz="1800"/>
-              <a:t>    they share the same </a:t>
+              <a:t>   if they share the same </a:t>
             </a:r>
             <a:r>
               <a:rPr lang="en-US" sz="1800" i="1"/>
-              <a:t>type structure</a:t>
-            </a:r>
-            <a:r>
-              <a:rPr lang="en-US" sz="1800"/>
-              <a:t>.</a:t>
-            </a:r>
-          </a:p>
-        </p:txBody>
-      </p:sp>
-      <p:sp>
-        <p:nvSpPr>
-          <p:cNvPr id="29700" name="Text Box 4"/>
+              <a:t>type name.</a:t>
+            </a:r>
+            <a:endParaRPr lang="en-US" sz="1800"/>
+          </a:p>
+        </p:txBody>
+      </p:sp>
+      <p:sp>
+        <p:nvSpPr>
+          <p:cNvPr id="27652" name="Text Box 4"/>
           <p:cNvSpPr txBox="1">
             <a:spLocks noChangeArrowheads="1"/>
           </p:cNvSpPr>
@@ -10842,8 +10353,8 @@
         </p:nvSpPr>
         <p:spPr bwMode="auto">
           <a:xfrm>
-            <a:off x="669925" y="3228975"/>
-            <a:ext cx="5602288" cy="1465263"/>
+            <a:off x="669925" y="2627313"/>
+            <a:ext cx="1682750" cy="366712"/>
           </a:xfrm>
           <a:prstGeom prst="rect">
             <a:avLst/>
@@ -10855,14 +10366,14 @@
           <a:effectLst/>
           <a:extLst>
             <a:ext uri="{909E8E84-426E-40dd-AFC4-6F175D3DCCD1}">
-              <a14:hiddenFill xmlns:a14="http://schemas.microsoft.com/office/drawing/2010/main" xmlns="">
+              <a14:hiddenFill xmlns="" xmlns:a14="http://schemas.microsoft.com/office/drawing/2010/main">
                 <a:solidFill>
                   <a:schemeClr val="accent1"/>
                 </a:solidFill>
               </a14:hiddenFill>
             </a:ext>
             <a:ext uri="{91240B29-F687-4f45-9708-019B960494DF}">
-              <a14:hiddenLine xmlns:a14="http://schemas.microsoft.com/office/drawing/2010/main" xmlns="" w="9525">
+              <a14:hiddenLine xmlns="" xmlns:a14="http://schemas.microsoft.com/office/drawing/2010/main" w="9525">
                 <a:solidFill>
                   <a:schemeClr val="tx1"/>
                 </a:solidFill>
@@ -10872,7 +10383,7 @@
               </a14:hiddenLine>
             </a:ext>
             <a:ext uri="{AF507438-7753-43e0-B8FC-AC1667EBCBE1}">
-              <a14:hiddenEffects xmlns:a14="http://schemas.microsoft.com/office/drawing/2010/main" xmlns="">
+              <a14:hiddenEffects xmlns="" xmlns:a14="http://schemas.microsoft.com/office/drawing/2010/main">
                 <a:effectLst>
                   <a:outerShdw blurRad="63500" dist="38099" dir="2700000" algn="ctr" rotWithShape="0">
                     <a:schemeClr val="bg2">
@@ -10892,103 +10403,15 @@
           <a:p>
             <a:r>
               <a:rPr lang="en-US" sz="1800"/>
-              <a:t>Example: ML</a:t>
-            </a:r>
-            <a:br>
-              <a:rPr lang="en-US" sz="1800"/>
-            </a:br>
-            <a:r>
-              <a:rPr lang="en-US" sz="1800"/>
-              <a:t>- type person = int * int * string * string;</a:t>
-            </a:r>
-            <a:br>
-              <a:rPr lang="en-US" sz="1800"/>
-            </a:br>
-            <a:r>
-              <a:rPr lang="en-US" sz="1800"/>
-              <a:t>- type mytuple = int * int * string * string;</a:t>
-            </a:r>
-            <a:br>
-              <a:rPr lang="en-US" sz="1800"/>
-            </a:br>
-            <a:r>
-              <a:rPr lang="en-US" sz="1800"/>
-              <a:t>- val joe:</a:t>
-            </a:r>
-            <a:r>
-              <a:rPr lang="en-US" sz="1800">
-                <a:solidFill>
-                  <a:srgbClr val="FF3300"/>
-                </a:solidFill>
-              </a:rPr>
-              <a:t>person</a:t>
-            </a:r>
-            <a:r>
-              <a:rPr lang="en-US" sz="1800"/>
-              <a:t> = (38, 185, </a:t>
-            </a:r>
-            <a:r>
-              <a:rPr lang="ja-JP" altLang="en-US" sz="1800">
-                <a:latin typeface="Arial"/>
-              </a:rPr>
-              <a:t>“</a:t>
-            </a:r>
-            <a:r>
-              <a:rPr lang="en-US" sz="1800"/>
-              <a:t>married</a:t>
-            </a:r>
-            <a:r>
-              <a:rPr lang="ja-JP" altLang="en-US" sz="1800">
-                <a:latin typeface="Arial"/>
-              </a:rPr>
-              <a:t>”</a:t>
-            </a:r>
-            <a:r>
-              <a:rPr lang="en-US" sz="1800"/>
-              <a:t>, </a:t>
-            </a:r>
-            <a:r>
-              <a:rPr lang="ja-JP" altLang="en-US" sz="1800">
-                <a:latin typeface="Arial"/>
-              </a:rPr>
-              <a:t>“</a:t>
-            </a:r>
-            <a:r>
-              <a:rPr lang="en-US" sz="1800"/>
-              <a:t>pilot</a:t>
-            </a:r>
-            <a:r>
-              <a:rPr lang="ja-JP" altLang="en-US" sz="1800">
-                <a:latin typeface="Arial"/>
-              </a:rPr>
-              <a:t>”</a:t>
-            </a:r>
-            <a:r>
-              <a:rPr lang="en-US" sz="1800"/>
-              <a:t>):</a:t>
-            </a:r>
-            <a:r>
-              <a:rPr lang="en-US" sz="1800">
-                <a:solidFill>
-                  <a:srgbClr val="FF3300"/>
-                </a:solidFill>
-              </a:rPr>
-              <a:t>mytuple</a:t>
-            </a:r>
-            <a:r>
-              <a:rPr lang="en-US" sz="1800"/>
-              <a:t>;</a:t>
-            </a:r>
-            <a:br>
-              <a:rPr lang="en-US" sz="1800"/>
-            </a:br>
-            <a:endParaRPr lang="en-US" sz="1800"/>
-          </a:p>
-        </p:txBody>
-      </p:sp>
-      <p:sp>
-        <p:nvSpPr>
-          <p:cNvPr id="29701" name="Text Box 5"/>
+              <a:t>Example: Java</a:t>
+            </a:r>
+            <a:endParaRPr lang="en-US" sz="1800" u="sng"/>
+          </a:p>
+        </p:txBody>
+      </p:sp>
+      <p:sp>
+        <p:nvSpPr>
+          <p:cNvPr id="27653" name="Text Box 5"/>
           <p:cNvSpPr txBox="1">
             <a:spLocks noChangeArrowheads="1"/>
           </p:cNvSpPr>
@@ -10996,8 +10419,8 @@
         </p:nvSpPr>
         <p:spPr bwMode="auto">
           <a:xfrm>
-            <a:off x="1812925" y="4981575"/>
-            <a:ext cx="5749925" cy="1190625"/>
+            <a:off x="822325" y="3201988"/>
+            <a:ext cx="1890713" cy="1069975"/>
           </a:xfrm>
           <a:prstGeom prst="rect">
             <a:avLst/>
@@ -11009,14 +10432,14 @@
           <a:effectLst/>
           <a:extLst>
             <a:ext uri="{909E8E84-426E-40dd-AFC4-6F175D3DCCD1}">
-              <a14:hiddenFill xmlns:a14="http://schemas.microsoft.com/office/drawing/2010/main" xmlns="">
+              <a14:hiddenFill xmlns="" xmlns:a14="http://schemas.microsoft.com/office/drawing/2010/main">
                 <a:solidFill>
                   <a:schemeClr val="accent1"/>
                 </a:solidFill>
               </a14:hiddenFill>
             </a:ext>
             <a:ext uri="{91240B29-F687-4f45-9708-019B960494DF}">
-              <a14:hiddenLine xmlns:a14="http://schemas.microsoft.com/office/drawing/2010/main" xmlns="" w="9525">
+              <a14:hiddenLine xmlns="" xmlns:a14="http://schemas.microsoft.com/office/drawing/2010/main" w="9525">
                 <a:solidFill>
                   <a:schemeClr val="tx1"/>
                 </a:solidFill>
@@ -11026,7 +10449,7 @@
               </a14:hiddenLine>
             </a:ext>
             <a:ext uri="{AF507438-7753-43e0-B8FC-AC1667EBCBE1}">
-              <a14:hiddenEffects xmlns:a14="http://schemas.microsoft.com/office/drawing/2010/main" xmlns="">
+              <a14:hiddenEffects xmlns="" xmlns:a14="http://schemas.microsoft.com/office/drawing/2010/main">
                 <a:effectLst>
                   <a:outerShdw blurRad="63500" dist="38099" dir="2700000" algn="ctr" rotWithShape="0">
                     <a:schemeClr val="bg2">
@@ -11045,66 +10468,214 @@
           <a:lstStyle/>
           <a:p>
             <a:r>
-              <a:rPr lang="en-US" sz="1800"/>
-              <a:t>Even though the type names are different, ML correctly</a:t>
-            </a:r>
-            <a:br>
-              <a:rPr lang="en-US" sz="1800"/>
-            </a:br>
-            <a:r>
-              <a:rPr lang="en-US" sz="1800"/>
-              <a:t>recognizes this statement.</a:t>
-            </a:r>
-            <a:br>
-              <a:rPr lang="en-US" sz="1800"/>
-            </a:br>
-            <a:r>
-              <a:rPr lang="en-US" sz="1800"/>
-              <a:t/>
-            </a:r>
-            <a:br>
-              <a:rPr lang="en-US" sz="1800"/>
-            </a:br>
-            <a:r>
-              <a:rPr lang="en-US" sz="1800"/>
-              <a:t> </a:t>
-            </a:r>
-            <a:r>
-              <a:rPr lang="en-US" sz="1800">
-                <a:sym typeface="Wingdings" charset="0"/>
+              <a:rPr lang="en-US" sz="1600">
+                <a:latin typeface="Courier New" charset="0"/>
               </a:rPr>
-              <a:t> ML uses </a:t>
-            </a:r>
-            <a:r>
-              <a:rPr lang="en-US" sz="1800" i="1">
-                <a:sym typeface="Wingdings" charset="0"/>
+              <a:t>Class Foobar {</a:t>
+            </a:r>
+          </a:p>
+          <a:p>
+            <a:r>
+              <a:rPr lang="en-US" sz="1600">
+                <a:latin typeface="Courier New" charset="0"/>
               </a:rPr>
-              <a:t>structural equivalence</a:t>
-            </a:r>
-            <a:r>
-              <a:rPr lang="en-US" sz="1800">
-                <a:sym typeface="Wingdings" charset="0"/>
+              <a:t>  int i;</a:t>
+            </a:r>
+          </a:p>
+          <a:p>
+            <a:r>
+              <a:rPr lang="en-US" sz="1600">
+                <a:latin typeface="Courier New" charset="0"/>
               </a:rPr>
-              <a:t>.</a:t>
-            </a:r>
-          </a:p>
-        </p:txBody>
-      </p:sp>
-      <p:sp>
-        <p:nvSpPr>
-          <p:cNvPr id="29702" name="Line 6"/>
+              <a:t>  float f;</a:t>
+            </a:r>
+          </a:p>
+          <a:p>
+            <a:r>
+              <a:rPr lang="en-US" sz="1600">
+                <a:latin typeface="Courier New" charset="0"/>
+              </a:rPr>
+              <a:t>}</a:t>
+            </a:r>
+          </a:p>
+        </p:txBody>
+      </p:sp>
+      <p:sp>
+        <p:nvSpPr>
+          <p:cNvPr id="27654" name="Text Box 6"/>
+          <p:cNvSpPr txBox="1">
+            <a:spLocks noChangeArrowheads="1"/>
+          </p:cNvSpPr>
+          <p:nvPr/>
+        </p:nvSpPr>
+        <p:spPr bwMode="auto">
+          <a:xfrm>
+            <a:off x="4429125" y="3143250"/>
+            <a:ext cx="1890713" cy="1069975"/>
+          </a:xfrm>
+          <a:prstGeom prst="rect">
+            <a:avLst/>
+          </a:prstGeom>
+          <a:noFill/>
+          <a:ln>
+            <a:noFill/>
+          </a:ln>
+          <a:effectLst/>
+          <a:extLst>
+            <a:ext uri="{909E8E84-426E-40dd-AFC4-6F175D3DCCD1}">
+              <a14:hiddenFill xmlns="" xmlns:a14="http://schemas.microsoft.com/office/drawing/2010/main">
+                <a:solidFill>
+                  <a:schemeClr val="accent1"/>
+                </a:solidFill>
+              </a14:hiddenFill>
+            </a:ext>
+            <a:ext uri="{91240B29-F687-4f45-9708-019B960494DF}">
+              <a14:hiddenLine xmlns="" xmlns:a14="http://schemas.microsoft.com/office/drawing/2010/main" w="9525">
+                <a:solidFill>
+                  <a:schemeClr val="tx1"/>
+                </a:solidFill>
+                <a:miter lim="800000"/>
+                <a:headEnd/>
+                <a:tailEnd/>
+              </a14:hiddenLine>
+            </a:ext>
+            <a:ext uri="{AF507438-7753-43e0-B8FC-AC1667EBCBE1}">
+              <a14:hiddenEffects xmlns="" xmlns:a14="http://schemas.microsoft.com/office/drawing/2010/main">
+                <a:effectLst>
+                  <a:outerShdw blurRad="63500" dist="38099" dir="2700000" algn="ctr" rotWithShape="0">
+                    <a:schemeClr val="bg2">
+                      <a:alpha val="74998"/>
+                    </a:schemeClr>
+                  </a:outerShdw>
+                </a:effectLst>
+              </a14:hiddenEffects>
+            </a:ext>
+          </a:extLst>
+        </p:spPr>
+        <p:txBody>
+          <a:bodyPr wrap="none">
+            <a:spAutoFit/>
+          </a:bodyPr>
+          <a:lstStyle/>
+          <a:p>
+            <a:r>
+              <a:rPr lang="en-US" sz="1600">
+                <a:latin typeface="Courier New" charset="0"/>
+              </a:rPr>
+              <a:t>Class Goobar {</a:t>
+            </a:r>
+          </a:p>
+          <a:p>
+            <a:r>
+              <a:rPr lang="en-US" sz="1600">
+                <a:latin typeface="Courier New" charset="0"/>
+              </a:rPr>
+              <a:t>  int i;</a:t>
+            </a:r>
+          </a:p>
+          <a:p>
+            <a:r>
+              <a:rPr lang="en-US" sz="1600">
+                <a:latin typeface="Courier New" charset="0"/>
+              </a:rPr>
+              <a:t>  float f;</a:t>
+            </a:r>
+          </a:p>
+          <a:p>
+            <a:r>
+              <a:rPr lang="en-US" sz="1600">
+                <a:latin typeface="Courier New" charset="0"/>
+              </a:rPr>
+              <a:t>}</a:t>
+            </a:r>
+          </a:p>
+        </p:txBody>
+      </p:sp>
+      <p:sp>
+        <p:nvSpPr>
+          <p:cNvPr id="27655" name="Text Box 7"/>
+          <p:cNvSpPr txBox="1">
+            <a:spLocks noChangeArrowheads="1"/>
+          </p:cNvSpPr>
+          <p:nvPr/>
+        </p:nvSpPr>
+        <p:spPr bwMode="auto">
+          <a:xfrm>
+            <a:off x="898525" y="5178425"/>
+            <a:ext cx="3111500" cy="336550"/>
+          </a:xfrm>
+          <a:prstGeom prst="rect">
+            <a:avLst/>
+          </a:prstGeom>
+          <a:noFill/>
+          <a:ln>
+            <a:noFill/>
+          </a:ln>
+          <a:effectLst/>
+          <a:extLst>
+            <a:ext uri="{909E8E84-426E-40dd-AFC4-6F175D3DCCD1}">
+              <a14:hiddenFill xmlns="" xmlns:a14="http://schemas.microsoft.com/office/drawing/2010/main">
+                <a:solidFill>
+                  <a:schemeClr val="accent1"/>
+                </a:solidFill>
+              </a14:hiddenFill>
+            </a:ext>
+            <a:ext uri="{91240B29-F687-4f45-9708-019B960494DF}">
+              <a14:hiddenLine xmlns="" xmlns:a14="http://schemas.microsoft.com/office/drawing/2010/main" w="9525">
+                <a:solidFill>
+                  <a:schemeClr val="tx1"/>
+                </a:solidFill>
+                <a:miter lim="800000"/>
+                <a:headEnd/>
+                <a:tailEnd/>
+              </a14:hiddenLine>
+            </a:ext>
+            <a:ext uri="{AF507438-7753-43e0-B8FC-AC1667EBCBE1}">
+              <a14:hiddenEffects xmlns="" xmlns:a14="http://schemas.microsoft.com/office/drawing/2010/main">
+                <a:effectLst>
+                  <a:outerShdw blurRad="63500" dist="38099" dir="2700000" algn="ctr" rotWithShape="0">
+                    <a:schemeClr val="bg2">
+                      <a:alpha val="74998"/>
+                    </a:schemeClr>
+                  </a:outerShdw>
+                </a:effectLst>
+              </a14:hiddenEffects>
+            </a:ext>
+          </a:extLst>
+        </p:spPr>
+        <p:txBody>
+          <a:bodyPr wrap="none">
+            <a:spAutoFit/>
+          </a:bodyPr>
+          <a:lstStyle/>
+          <a:p>
+            <a:r>
+              <a:rPr lang="en-US" sz="1600">
+                <a:latin typeface="Courier New" charset="0"/>
+              </a:rPr>
+              <a:t>Foobar o = new Goobar();</a:t>
+            </a:r>
+          </a:p>
+        </p:txBody>
+      </p:sp>
+      <p:sp>
+        <p:nvSpPr>
+          <p:cNvPr id="27656" name="AutoShape 8"/>
           <p:cNvSpPr>
-            <a:spLocks noChangeShapeType="1"/>
+            <a:spLocks/>
           </p:cNvSpPr>
           <p:nvPr/>
         </p:nvSpPr>
         <p:spPr bwMode="auto">
-          <a:xfrm flipH="1" flipV="1">
-            <a:off x="2209800" y="4411663"/>
-            <a:ext cx="381000" cy="457200"/>
+          <a:xfrm>
+            <a:off x="4191000" y="4724400"/>
+            <a:ext cx="152400" cy="1219200"/>
           </a:xfrm>
-          <a:prstGeom prst="line">
-            <a:avLst/>
+          <a:prstGeom prst="leftBrace">
+            <a:avLst>
+              <a:gd name="adj1" fmla="val 66667"/>
+              <a:gd name="adj2" fmla="val 50000"/>
+            </a:avLst>
           </a:prstGeom>
           <a:noFill/>
           <a:ln w="9525">
@@ -11113,17 +10684,19 @@
             </a:solidFill>
             <a:round/>
             <a:headEnd/>
-            <a:tailEnd type="triangle" w="med" len="med"/>
+            <a:tailEnd/>
           </a:ln>
           <a:effectLst/>
           <a:extLst>
             <a:ext uri="{909E8E84-426E-40dd-AFC4-6F175D3DCCD1}">
-              <a14:hiddenFill xmlns:a14="http://schemas.microsoft.com/office/drawing/2010/main" xmlns="">
-                <a:noFill/>
+              <a14:hiddenFill xmlns="" xmlns:a14="http://schemas.microsoft.com/office/drawing/2010/main">
+                <a:solidFill>
+                  <a:schemeClr val="accent1"/>
+                </a:solidFill>
               </a14:hiddenFill>
             </a:ext>
             <a:ext uri="{AF507438-7753-43e0-B8FC-AC1667EBCBE1}">
-              <a14:hiddenEffects xmlns:a14="http://schemas.microsoft.com/office/drawing/2010/main" xmlns="">
+              <a14:hiddenEffects xmlns="" xmlns:a14="http://schemas.microsoft.com/office/drawing/2010/main">
                 <a:effectLst>
                   <a:outerShdw blurRad="63500" dist="38099" dir="2700000" algn="ctr" rotWithShape="0">
                     <a:schemeClr val="bg2">
@@ -11136,7 +10709,7 @@
           </a:extLst>
         </p:spPr>
         <p:txBody>
-          <a:bodyPr/>
+          <a:bodyPr wrap="none" anchor="ctr"/>
           <a:lstStyle/>
           <a:p>
             <a:endParaRPr lang="en-US"/>
@@ -11145,38 +10718,45 @@
       </p:sp>
       <p:sp>
         <p:nvSpPr>
-          <p:cNvPr id="29703" name="Line 7"/>
-          <p:cNvSpPr>
-            <a:spLocks noChangeShapeType="1"/>
+          <p:cNvPr id="27657" name="Text Box 9"/>
+          <p:cNvSpPr txBox="1">
+            <a:spLocks noChangeArrowheads="1"/>
           </p:cNvSpPr>
           <p:nvPr/>
         </p:nvSpPr>
         <p:spPr bwMode="auto">
-          <a:xfrm flipV="1">
-            <a:off x="5334000" y="4487863"/>
-            <a:ext cx="152400" cy="381000"/>
+          <a:xfrm>
+            <a:off x="4479925" y="4632325"/>
+            <a:ext cx="3392488" cy="1314450"/>
           </a:xfrm>
-          <a:prstGeom prst="line">
+          <a:prstGeom prst="rect">
             <a:avLst/>
           </a:prstGeom>
           <a:noFill/>
-          <a:ln w="9525">
-            <a:solidFill>
-              <a:schemeClr val="tx1"/>
-            </a:solidFill>
-            <a:round/>
-            <a:headEnd/>
-            <a:tailEnd type="triangle" w="med" len="med"/>
+          <a:ln>
+            <a:noFill/>
           </a:ln>
           <a:effectLst/>
           <a:extLst>
             <a:ext uri="{909E8E84-426E-40dd-AFC4-6F175D3DCCD1}">
-              <a14:hiddenFill xmlns:a14="http://schemas.microsoft.com/office/drawing/2010/main" xmlns="">
-                <a:noFill/>
+              <a14:hiddenFill xmlns="" xmlns:a14="http://schemas.microsoft.com/office/drawing/2010/main">
+                <a:solidFill>
+                  <a:schemeClr val="accent1"/>
+                </a:solidFill>
               </a14:hiddenFill>
             </a:ext>
+            <a:ext uri="{91240B29-F687-4f45-9708-019B960494DF}">
+              <a14:hiddenLine xmlns="" xmlns:a14="http://schemas.microsoft.com/office/drawing/2010/main" w="9525">
+                <a:solidFill>
+                  <a:schemeClr val="tx1"/>
+                </a:solidFill>
+                <a:miter lim="800000"/>
+                <a:headEnd/>
+                <a:tailEnd/>
+              </a14:hiddenLine>
+            </a:ext>
             <a:ext uri="{AF507438-7753-43e0-B8FC-AC1667EBCBE1}">
-              <a14:hiddenEffects xmlns:a14="http://schemas.microsoft.com/office/drawing/2010/main" xmlns="">
+              <a14:hiddenEffects xmlns="" xmlns:a14="http://schemas.microsoft.com/office/drawing/2010/main">
                 <a:effectLst>
                   <a:outerShdw blurRad="63500" dist="38099" dir="2700000" algn="ctr" rotWithShape="0">
                     <a:schemeClr val="bg2">
@@ -11189,138 +10769,58 @@
           </a:extLst>
         </p:spPr>
         <p:txBody>
-          <a:bodyPr/>
-          <a:lstStyle/>
-          <a:p>
-            <a:endParaRPr lang="en-US"/>
-          </a:p>
-        </p:txBody>
-      </p:sp>
-      <p:sp>
-        <p:nvSpPr>
-          <p:cNvPr id="29704" name="Text Box 8"/>
-          <p:cNvSpPr txBox="1">
-            <a:spLocks noChangeArrowheads="1"/>
-          </p:cNvSpPr>
-          <p:nvPr/>
-        </p:nvSpPr>
-        <p:spPr bwMode="auto">
-          <a:xfrm>
-            <a:off x="7146925" y="2438400"/>
-            <a:ext cx="1463675" cy="1562100"/>
-          </a:xfrm>
-          <a:prstGeom prst="rect">
-            <a:avLst/>
-          </a:prstGeom>
-          <a:noFill/>
-          <a:ln w="9525">
-            <a:solidFill>
-              <a:schemeClr val="tx1"/>
-            </a:solidFill>
-            <a:miter lim="800000"/>
-            <a:headEnd/>
-            <a:tailEnd/>
-          </a:ln>
-          <a:extLst>
-            <a:ext uri="{909E8E84-426E-40dd-AFC4-6F175D3DCCD1}">
-              <a14:hiddenFill xmlns:a14="http://schemas.microsoft.com/office/drawing/2010/main" xmlns="">
-                <a:solidFill>
-                  <a:schemeClr val="accent1"/>
-                </a:solidFill>
-              </a14:hiddenFill>
-            </a:ext>
-          </a:extLst>
-        </p:spPr>
-        <p:txBody>
           <a:bodyPr wrap="none">
             <a:spAutoFit/>
           </a:bodyPr>
           <a:lstStyle/>
           <a:p>
             <a:r>
-              <a:rPr lang="en-US" sz="1200"/>
-              <a:t>Think of this as:</a:t>
-            </a:r>
-          </a:p>
-          <a:p>
-            <a:endParaRPr lang="en-US" sz="1200"/>
-          </a:p>
-          <a:p>
-            <a:r>
-              <a:rPr lang="en-US" sz="1200"/>
-              <a:t>class Person {</a:t>
-            </a:r>
-          </a:p>
-          <a:p>
-            <a:r>
-              <a:rPr lang="en-US" sz="1200"/>
-              <a:t>  int age;</a:t>
-            </a:r>
-          </a:p>
-          <a:p>
-            <a:r>
-              <a:rPr lang="en-US" sz="1200"/>
-              <a:t>  int weight;</a:t>
-            </a:r>
-          </a:p>
-          <a:p>
-            <a:r>
-              <a:rPr lang="en-US" sz="1200"/>
-              <a:t>  String mstatus;</a:t>
-            </a:r>
-          </a:p>
-          <a:p>
-            <a:r>
-              <a:rPr lang="en-US" sz="1200"/>
-              <a:t>  String profession;</a:t>
-            </a:r>
-          </a:p>
-          <a:p>
-            <a:r>
-              <a:rPr lang="en-US" sz="1200"/>
-              <a:t>}</a:t>
-            </a:r>
-          </a:p>
-        </p:txBody>
-      </p:sp>
-      <p:sp>
-        <p:nvSpPr>
-          <p:cNvPr id="29705" name="Line 9"/>
-          <p:cNvSpPr>
-            <a:spLocks noChangeShapeType="1"/>
-          </p:cNvSpPr>
-          <p:nvPr/>
-        </p:nvSpPr>
-        <p:spPr bwMode="auto">
-          <a:xfrm flipH="1">
-            <a:off x="4495800" y="2819400"/>
-            <a:ext cx="2514600" cy="685800"/>
-          </a:xfrm>
-          <a:prstGeom prst="line">
-            <a:avLst/>
-          </a:prstGeom>
-          <a:noFill/>
-          <a:ln w="9525">
-            <a:solidFill>
-              <a:schemeClr val="tx1"/>
-            </a:solidFill>
-            <a:round/>
-            <a:headEnd/>
-            <a:tailEnd type="triangle" w="med" len="med"/>
-          </a:ln>
-          <a:extLst>
-            <a:ext uri="{909E8E84-426E-40dd-AFC4-6F175D3DCCD1}">
-              <a14:hiddenFill xmlns:a14="http://schemas.microsoft.com/office/drawing/2010/main" xmlns="">
-                <a:noFill/>
-              </a14:hiddenFill>
-            </a:ext>
-          </a:extLst>
-        </p:spPr>
-        <p:txBody>
-          <a:bodyPr wrap="none" anchor="ctr"/>
-          <a:lstStyle/>
-          <a:p>
-            <a:endParaRPr lang="en-US"/>
+              <a:rPr lang="en-US" sz="1600"/>
+              <a:t>Error; even though the types look</a:t>
+            </a:r>
+            <a:br>
+              <a:rPr lang="en-US" sz="1600"/>
+            </a:br>
+            <a:r>
+              <a:rPr lang="en-US" sz="1600"/>
+              <a:t>the same, their names are different,</a:t>
+            </a:r>
+            <a:br>
+              <a:rPr lang="en-US" sz="1600"/>
+            </a:br>
+            <a:r>
+              <a:rPr lang="en-US" sz="1600"/>
+              <a:t>therefore, Java will raise an error.</a:t>
+            </a:r>
+            <a:br>
+              <a:rPr lang="en-US" sz="1600"/>
+            </a:br>
+            <a:r>
+              <a:rPr lang="en-US" sz="1600"/>
+              <a:t/>
+            </a:r>
+            <a:br>
+              <a:rPr lang="en-US" sz="1600"/>
+            </a:br>
+            <a:r>
+              <a:rPr lang="en-US" sz="1600"/>
+              <a:t> </a:t>
+            </a:r>
+            <a:r>
+              <a:rPr lang="en-US" sz="1600">
+                <a:sym typeface="Wingdings" charset="0"/>
+              </a:rPr>
+              <a:t>Java uses </a:t>
+            </a:r>
+            <a:r>
+              <a:rPr lang="en-US" sz="1600" i="1">
+                <a:sym typeface="Wingdings" charset="0"/>
+              </a:rPr>
+              <a:t>name equivalence</a:t>
+            </a:r>
+            <a:endParaRPr lang="en-US" sz="1600">
+              <a:sym typeface="Wingdings" charset="0"/>
+            </a:endParaRPr>
           </a:p>
         </p:txBody>
       </p:sp>
@@ -11358,7 +10858,7 @@
       </p:grpSpPr>
       <p:sp>
         <p:nvSpPr>
-          <p:cNvPr id="37890" name="Rectangle 2"/>
+          <p:cNvPr id="29698" name="Rectangle 2"/>
           <p:cNvSpPr>
             <a:spLocks noGrp="1" noChangeArrowheads="1"/>
           </p:cNvSpPr>
@@ -11373,63 +10873,466 @@
           <a:p>
             <a:r>
               <a:rPr lang="en-US"/>
-              <a:t>Polymorphism</a:t>
-            </a:r>
-          </a:p>
-        </p:txBody>
-      </p:sp>
-      <p:sp>
-        <p:nvSpPr>
-          <p:cNvPr id="37891" name="Rectangle 3"/>
+              <a:t>Type Equivalence</a:t>
+            </a:r>
+          </a:p>
+        </p:txBody>
+      </p:sp>
+      <p:sp>
+        <p:nvSpPr>
+          <p:cNvPr id="29699" name="Text Box 3"/>
+          <p:cNvSpPr txBox="1">
+            <a:spLocks noChangeArrowheads="1"/>
+          </p:cNvSpPr>
+          <p:nvPr/>
+        </p:nvSpPr>
+        <p:spPr bwMode="auto">
+          <a:xfrm>
+            <a:off x="593725" y="1797050"/>
+            <a:ext cx="7553325" cy="641350"/>
+          </a:xfrm>
+          <a:prstGeom prst="rect">
+            <a:avLst/>
+          </a:prstGeom>
+          <a:noFill/>
+          <a:ln>
+            <a:noFill/>
+          </a:ln>
+          <a:effectLst/>
+          <a:extLst>
+            <a:ext uri="{909E8E84-426E-40dd-AFC4-6F175D3DCCD1}">
+              <a14:hiddenFill xmlns="" xmlns:a14="http://schemas.microsoft.com/office/drawing/2010/main">
+                <a:solidFill>
+                  <a:schemeClr val="accent1"/>
+                </a:solidFill>
+              </a14:hiddenFill>
+            </a:ext>
+            <a:ext uri="{91240B29-F687-4f45-9708-019B960494DF}">
+              <a14:hiddenLine xmlns="" xmlns:a14="http://schemas.microsoft.com/office/drawing/2010/main" w="9525">
+                <a:solidFill>
+                  <a:schemeClr val="tx1"/>
+                </a:solidFill>
+                <a:miter lim="800000"/>
+                <a:headEnd/>
+                <a:tailEnd/>
+              </a14:hiddenLine>
+            </a:ext>
+            <a:ext uri="{AF507438-7753-43e0-B8FC-AC1667EBCBE1}">
+              <a14:hiddenEffects xmlns="" xmlns:a14="http://schemas.microsoft.com/office/drawing/2010/main">
+                <a:effectLst>
+                  <a:outerShdw blurRad="63500" dist="38099" dir="2700000" algn="ctr" rotWithShape="0">
+                    <a:schemeClr val="bg2">
+                      <a:alpha val="74998"/>
+                    </a:schemeClr>
+                  </a:outerShdw>
+                </a:effectLst>
+              </a14:hiddenEffects>
+            </a:ext>
+          </a:extLst>
+        </p:spPr>
+        <p:txBody>
+          <a:bodyPr wrap="none">
+            <a:spAutoFit/>
+          </a:bodyPr>
+          <a:lstStyle/>
+          <a:p>
+            <a:r>
+              <a:rPr lang="en-US" sz="1800"/>
+              <a:t>II. </a:t>
+            </a:r>
+            <a:r>
+              <a:rPr lang="en-US" sz="1800" u="sng"/>
+              <a:t>Structural Equivalence</a:t>
+            </a:r>
+            <a:r>
+              <a:rPr lang="en-US" sz="1800"/>
+              <a:t> – two objects are of the same type if and only if</a:t>
+            </a:r>
+            <a:br>
+              <a:rPr lang="en-US" sz="1800"/>
+            </a:br>
+            <a:r>
+              <a:rPr lang="en-US" sz="1800"/>
+              <a:t>    they share the same </a:t>
+            </a:r>
+            <a:r>
+              <a:rPr lang="en-US" sz="1800" i="1"/>
+              <a:t>type structure</a:t>
+            </a:r>
+            <a:r>
+              <a:rPr lang="en-US" sz="1800"/>
+              <a:t>.</a:t>
+            </a:r>
+          </a:p>
+        </p:txBody>
+      </p:sp>
+      <p:sp>
+        <p:nvSpPr>
+          <p:cNvPr id="29700" name="Text Box 4"/>
+          <p:cNvSpPr txBox="1">
+            <a:spLocks noChangeArrowheads="1"/>
+          </p:cNvSpPr>
+          <p:nvPr/>
+        </p:nvSpPr>
+        <p:spPr bwMode="auto">
+          <a:xfrm>
+            <a:off x="669925" y="3228975"/>
+            <a:ext cx="5602288" cy="1465263"/>
+          </a:xfrm>
+          <a:prstGeom prst="rect">
+            <a:avLst/>
+          </a:prstGeom>
+          <a:noFill/>
+          <a:ln>
+            <a:noFill/>
+          </a:ln>
+          <a:effectLst/>
+          <a:extLst>
+            <a:ext uri="{909E8E84-426E-40dd-AFC4-6F175D3DCCD1}">
+              <a14:hiddenFill xmlns="" xmlns:a14="http://schemas.microsoft.com/office/drawing/2010/main">
+                <a:solidFill>
+                  <a:schemeClr val="accent1"/>
+                </a:solidFill>
+              </a14:hiddenFill>
+            </a:ext>
+            <a:ext uri="{91240B29-F687-4f45-9708-019B960494DF}">
+              <a14:hiddenLine xmlns="" xmlns:a14="http://schemas.microsoft.com/office/drawing/2010/main" w="9525">
+                <a:solidFill>
+                  <a:schemeClr val="tx1"/>
+                </a:solidFill>
+                <a:miter lim="800000"/>
+                <a:headEnd/>
+                <a:tailEnd/>
+              </a14:hiddenLine>
+            </a:ext>
+            <a:ext uri="{AF507438-7753-43e0-B8FC-AC1667EBCBE1}">
+              <a14:hiddenEffects xmlns="" xmlns:a14="http://schemas.microsoft.com/office/drawing/2010/main">
+                <a:effectLst>
+                  <a:outerShdw blurRad="63500" dist="38099" dir="2700000" algn="ctr" rotWithShape="0">
+                    <a:schemeClr val="bg2">
+                      <a:alpha val="74998"/>
+                    </a:schemeClr>
+                  </a:outerShdw>
+                </a:effectLst>
+              </a14:hiddenEffects>
+            </a:ext>
+          </a:extLst>
+        </p:spPr>
+        <p:txBody>
+          <a:bodyPr wrap="none">
+            <a:spAutoFit/>
+          </a:bodyPr>
+          <a:lstStyle/>
+          <a:p>
+            <a:r>
+              <a:rPr lang="en-US" sz="1800"/>
+              <a:t>Example: ML</a:t>
+            </a:r>
+            <a:br>
+              <a:rPr lang="en-US" sz="1800"/>
+            </a:br>
+            <a:r>
+              <a:rPr lang="en-US" sz="1800"/>
+              <a:t>- type person = int * int * string * string;</a:t>
+            </a:r>
+            <a:br>
+              <a:rPr lang="en-US" sz="1800"/>
+            </a:br>
+            <a:r>
+              <a:rPr lang="en-US" sz="1800"/>
+              <a:t>- type mytuple = int * int * string * string;</a:t>
+            </a:r>
+            <a:br>
+              <a:rPr lang="en-US" sz="1800"/>
+            </a:br>
+            <a:r>
+              <a:rPr lang="en-US" sz="1800"/>
+              <a:t>- val joe:</a:t>
+            </a:r>
+            <a:r>
+              <a:rPr lang="en-US" sz="1800">
+                <a:solidFill>
+                  <a:srgbClr val="FF3300"/>
+                </a:solidFill>
+              </a:rPr>
+              <a:t>person</a:t>
+            </a:r>
+            <a:r>
+              <a:rPr lang="en-US" sz="1800"/>
+              <a:t> = (38, 185, </a:t>
+            </a:r>
+            <a:r>
+              <a:rPr lang="ja-JP" altLang="en-US" sz="1800">
+                <a:latin typeface="Arial"/>
+              </a:rPr>
+              <a:t>“</a:t>
+            </a:r>
+            <a:r>
+              <a:rPr lang="en-US" sz="1800"/>
+              <a:t>married</a:t>
+            </a:r>
+            <a:r>
+              <a:rPr lang="ja-JP" altLang="en-US" sz="1800">
+                <a:latin typeface="Arial"/>
+              </a:rPr>
+              <a:t>”</a:t>
+            </a:r>
+            <a:r>
+              <a:rPr lang="en-US" sz="1800"/>
+              <a:t>, </a:t>
+            </a:r>
+            <a:r>
+              <a:rPr lang="ja-JP" altLang="en-US" sz="1800">
+                <a:latin typeface="Arial"/>
+              </a:rPr>
+              <a:t>“</a:t>
+            </a:r>
+            <a:r>
+              <a:rPr lang="en-US" sz="1800"/>
+              <a:t>pilot</a:t>
+            </a:r>
+            <a:r>
+              <a:rPr lang="ja-JP" altLang="en-US" sz="1800">
+                <a:latin typeface="Arial"/>
+              </a:rPr>
+              <a:t>”</a:t>
+            </a:r>
+            <a:r>
+              <a:rPr lang="en-US" sz="1800"/>
+              <a:t>):</a:t>
+            </a:r>
+            <a:r>
+              <a:rPr lang="en-US" sz="1800">
+                <a:solidFill>
+                  <a:srgbClr val="FF3300"/>
+                </a:solidFill>
+              </a:rPr>
+              <a:t>mytuple</a:t>
+            </a:r>
+            <a:r>
+              <a:rPr lang="en-US" sz="1800"/>
+              <a:t>;</a:t>
+            </a:r>
+            <a:br>
+              <a:rPr lang="en-US" sz="1800"/>
+            </a:br>
+            <a:endParaRPr lang="en-US" sz="1800"/>
+          </a:p>
+        </p:txBody>
+      </p:sp>
+      <p:sp>
+        <p:nvSpPr>
+          <p:cNvPr id="29701" name="Text Box 5"/>
+          <p:cNvSpPr txBox="1">
+            <a:spLocks noChangeArrowheads="1"/>
+          </p:cNvSpPr>
+          <p:nvPr/>
+        </p:nvSpPr>
+        <p:spPr bwMode="auto">
+          <a:xfrm>
+            <a:off x="1812925" y="4981575"/>
+            <a:ext cx="5749925" cy="1190625"/>
+          </a:xfrm>
+          <a:prstGeom prst="rect">
+            <a:avLst/>
+          </a:prstGeom>
+          <a:noFill/>
+          <a:ln>
+            <a:noFill/>
+          </a:ln>
+          <a:effectLst/>
+          <a:extLst>
+            <a:ext uri="{909E8E84-426E-40dd-AFC4-6F175D3DCCD1}">
+              <a14:hiddenFill xmlns="" xmlns:a14="http://schemas.microsoft.com/office/drawing/2010/main">
+                <a:solidFill>
+                  <a:schemeClr val="accent1"/>
+                </a:solidFill>
+              </a14:hiddenFill>
+            </a:ext>
+            <a:ext uri="{91240B29-F687-4f45-9708-019B960494DF}">
+              <a14:hiddenLine xmlns="" xmlns:a14="http://schemas.microsoft.com/office/drawing/2010/main" w="9525">
+                <a:solidFill>
+                  <a:schemeClr val="tx1"/>
+                </a:solidFill>
+                <a:miter lim="800000"/>
+                <a:headEnd/>
+                <a:tailEnd/>
+              </a14:hiddenLine>
+            </a:ext>
+            <a:ext uri="{AF507438-7753-43e0-B8FC-AC1667EBCBE1}">
+              <a14:hiddenEffects xmlns="" xmlns:a14="http://schemas.microsoft.com/office/drawing/2010/main">
+                <a:effectLst>
+                  <a:outerShdw blurRad="63500" dist="38099" dir="2700000" algn="ctr" rotWithShape="0">
+                    <a:schemeClr val="bg2">
+                      <a:alpha val="74998"/>
+                    </a:schemeClr>
+                  </a:outerShdw>
+                </a:effectLst>
+              </a14:hiddenEffects>
+            </a:ext>
+          </a:extLst>
+        </p:spPr>
+        <p:txBody>
+          <a:bodyPr wrap="none">
+            <a:spAutoFit/>
+          </a:bodyPr>
+          <a:lstStyle/>
+          <a:p>
+            <a:r>
+              <a:rPr lang="en-US" sz="1800"/>
+              <a:t>Even though the type names are different, ML correctly</a:t>
+            </a:r>
+            <a:br>
+              <a:rPr lang="en-US" sz="1800"/>
+            </a:br>
+            <a:r>
+              <a:rPr lang="en-US" sz="1800"/>
+              <a:t>recognizes this statement.</a:t>
+            </a:r>
+            <a:br>
+              <a:rPr lang="en-US" sz="1800"/>
+            </a:br>
+            <a:r>
+              <a:rPr lang="en-US" sz="1800"/>
+              <a:t/>
+            </a:r>
+            <a:br>
+              <a:rPr lang="en-US" sz="1800"/>
+            </a:br>
+            <a:r>
+              <a:rPr lang="en-US" sz="1800"/>
+              <a:t> </a:t>
+            </a:r>
+            <a:r>
+              <a:rPr lang="en-US" sz="1800">
+                <a:sym typeface="Wingdings" charset="0"/>
+              </a:rPr>
+              <a:t> ML uses </a:t>
+            </a:r>
+            <a:r>
+              <a:rPr lang="en-US" sz="1800" i="1">
+                <a:sym typeface="Wingdings" charset="0"/>
+              </a:rPr>
+              <a:t>structural equivalence</a:t>
+            </a:r>
+            <a:r>
+              <a:rPr lang="en-US" sz="1800">
+                <a:sym typeface="Wingdings" charset="0"/>
+              </a:rPr>
+              <a:t>.</a:t>
+            </a:r>
+          </a:p>
+        </p:txBody>
+      </p:sp>
+      <p:sp>
+        <p:nvSpPr>
+          <p:cNvPr id="29702" name="Line 6"/>
           <p:cNvSpPr>
-            <a:spLocks noGrp="1" noChangeArrowheads="1"/>
-          </p:cNvSpPr>
-          <p:nvPr>
-            <p:ph type="body" idx="1"/>
-          </p:nvPr>
-        </p:nvSpPr>
-        <p:spPr>
-          <a:xfrm>
-            <a:off x="457200" y="1719263"/>
-            <a:ext cx="8229600" cy="2166937"/>
+            <a:spLocks noChangeShapeType="1"/>
+          </p:cNvSpPr>
+          <p:nvPr/>
+        </p:nvSpPr>
+        <p:spPr bwMode="auto">
+          <a:xfrm flipH="1" flipV="1">
+            <a:off x="2209800" y="4411663"/>
+            <a:ext cx="381000" cy="457200"/>
           </a:xfrm>
+          <a:prstGeom prst="line">
+            <a:avLst/>
+          </a:prstGeom>
+          <a:noFill/>
+          <a:ln w="9525">
+            <a:solidFill>
+              <a:schemeClr val="tx1"/>
+            </a:solidFill>
+            <a:round/>
+            <a:headEnd/>
+            <a:tailEnd type="triangle" w="med" len="med"/>
+          </a:ln>
+          <a:effectLst/>
+          <a:extLst>
+            <a:ext uri="{909E8E84-426E-40dd-AFC4-6F175D3DCCD1}">
+              <a14:hiddenFill xmlns="" xmlns:a14="http://schemas.microsoft.com/office/drawing/2010/main">
+                <a:noFill/>
+              </a14:hiddenFill>
+            </a:ext>
+            <a:ext uri="{AF507438-7753-43e0-B8FC-AC1667EBCBE1}">
+              <a14:hiddenEffects xmlns="" xmlns:a14="http://schemas.microsoft.com/office/drawing/2010/main">
+                <a:effectLst>
+                  <a:outerShdw blurRad="63500" dist="38099" dir="2700000" algn="ctr" rotWithShape="0">
+                    <a:schemeClr val="bg2">
+                      <a:alpha val="74998"/>
+                    </a:schemeClr>
+                  </a:outerShdw>
+                </a:effectLst>
+              </a14:hiddenEffects>
+            </a:ext>
+          </a:extLst>
         </p:spPr>
         <p:txBody>
           <a:bodyPr/>
           <a:lstStyle/>
           <a:p>
-            <a:r>
-              <a:rPr lang="en-US"/>
-              <a:t>An interesting implication of type systems is </a:t>
-            </a:r>
-            <a:r>
-              <a:rPr lang="en-US" i="1"/>
-              <a:t>polymorphism</a:t>
-            </a:r>
-            <a:r>
-              <a:rPr lang="en-US"/>
-              <a:t>:</a:t>
-            </a:r>
-          </a:p>
-          <a:p>
-            <a:pPr lvl="1"/>
-            <a:r>
-              <a:rPr lang="en-US"/>
-              <a:t>Function overloading</a:t>
-            </a:r>
-          </a:p>
-          <a:p>
-            <a:pPr lvl="1"/>
-            <a:r>
-              <a:rPr lang="en-US"/>
-              <a:t>Subtype polymorphism</a:t>
-            </a:r>
-          </a:p>
-        </p:txBody>
-      </p:sp>
-      <p:sp>
-        <p:nvSpPr>
-          <p:cNvPr id="37892" name="Text Box 4"/>
+            <a:endParaRPr lang="en-US"/>
+          </a:p>
+        </p:txBody>
+      </p:sp>
+      <p:sp>
+        <p:nvSpPr>
+          <p:cNvPr id="29703" name="Line 7"/>
+          <p:cNvSpPr>
+            <a:spLocks noChangeShapeType="1"/>
+          </p:cNvSpPr>
+          <p:nvPr/>
+        </p:nvSpPr>
+        <p:spPr bwMode="auto">
+          <a:xfrm flipV="1">
+            <a:off x="5334000" y="4487863"/>
+            <a:ext cx="152400" cy="381000"/>
+          </a:xfrm>
+          <a:prstGeom prst="line">
+            <a:avLst/>
+          </a:prstGeom>
+          <a:noFill/>
+          <a:ln w="9525">
+            <a:solidFill>
+              <a:schemeClr val="tx1"/>
+            </a:solidFill>
+            <a:round/>
+            <a:headEnd/>
+            <a:tailEnd type="triangle" w="med" len="med"/>
+          </a:ln>
+          <a:effectLst/>
+          <a:extLst>
+            <a:ext uri="{909E8E84-426E-40dd-AFC4-6F175D3DCCD1}">
+              <a14:hiddenFill xmlns="" xmlns:a14="http://schemas.microsoft.com/office/drawing/2010/main">
+                <a:noFill/>
+              </a14:hiddenFill>
+            </a:ext>
+            <a:ext uri="{AF507438-7753-43e0-B8FC-AC1667EBCBE1}">
+              <a14:hiddenEffects xmlns="" xmlns:a14="http://schemas.microsoft.com/office/drawing/2010/main">
+                <a:effectLst>
+                  <a:outerShdw blurRad="63500" dist="38099" dir="2700000" algn="ctr" rotWithShape="0">
+                    <a:schemeClr val="bg2">
+                      <a:alpha val="74998"/>
+                    </a:schemeClr>
+                  </a:outerShdw>
+                </a:effectLst>
+              </a14:hiddenEffects>
+            </a:ext>
+          </a:extLst>
+        </p:spPr>
+        <p:txBody>
+          <a:bodyPr/>
+          <a:lstStyle/>
+          <a:p>
+            <a:endParaRPr lang="en-US"/>
+          </a:p>
+        </p:txBody>
+      </p:sp>
+      <p:sp>
+        <p:nvSpPr>
+          <p:cNvPr id="29704" name="Text Box 8"/>
           <p:cNvSpPr txBox="1">
             <a:spLocks noChangeArrowheads="1"/>
           </p:cNvSpPr>
@@ -11437,8 +11340,8 @@
         </p:nvSpPr>
         <p:spPr bwMode="auto">
           <a:xfrm>
-            <a:off x="2514600" y="4302125"/>
-            <a:ext cx="4322763" cy="650875"/>
+            <a:off x="7146925" y="2438400"/>
+            <a:ext cx="1463675" cy="1562100"/>
           </a:xfrm>
           <a:prstGeom prst="rect">
             <a:avLst/>
@@ -11452,26 +11355,14 @@
             <a:headEnd/>
             <a:tailEnd/>
           </a:ln>
-          <a:effectLst/>
           <a:extLst>
             <a:ext uri="{909E8E84-426E-40dd-AFC4-6F175D3DCCD1}">
-              <a14:hiddenFill xmlns:a14="http://schemas.microsoft.com/office/drawing/2010/main" xmlns="">
+              <a14:hiddenFill xmlns="" xmlns:a14="http://schemas.microsoft.com/office/drawing/2010/main">
                 <a:solidFill>
                   <a:schemeClr val="accent1"/>
                 </a:solidFill>
               </a14:hiddenFill>
             </a:ext>
-            <a:ext uri="{AF507438-7753-43e0-B8FC-AC1667EBCBE1}">
-              <a14:hiddenEffects xmlns:a14="http://schemas.microsoft.com/office/drawing/2010/main" xmlns="">
-                <a:effectLst>
-                  <a:outerShdw blurRad="63500" dist="38099" dir="2700000" algn="ctr" rotWithShape="0">
-                    <a:schemeClr val="bg2">
-                      <a:alpha val="74998"/>
-                    </a:schemeClr>
-                  </a:outerShdw>
-                </a:effectLst>
-              </a14:hiddenEffects>
-            </a:ext>
           </a:extLst>
         </p:spPr>
         <p:txBody>
@@ -11481,121 +11372,89 @@
           <a:lstStyle/>
           <a:p>
             <a:r>
-              <a:rPr lang="en-US" sz="1800" u="sng"/>
-              <a:t>Def</a:t>
-            </a:r>
-            <a:r>
-              <a:rPr lang="en-US" sz="1800"/>
-              <a:t>: A function is </a:t>
-            </a:r>
-            <a:r>
-              <a:rPr lang="en-US" sz="1800" i="1"/>
-              <a:t>polymorphic</a:t>
-            </a:r>
-            <a:r>
-              <a:rPr lang="en-US" sz="1800"/>
-              <a:t> if it has at </a:t>
-            </a:r>
-          </a:p>
-          <a:p>
-            <a:r>
-              <a:rPr lang="en-US" sz="1800"/>
-              <a:t>        least two possible types.</a:t>
-            </a:r>
-          </a:p>
-        </p:txBody>
-      </p:sp>
-      <p:sp>
-        <p:nvSpPr>
-          <p:cNvPr id="37893" name="Text Box 5"/>
-          <p:cNvSpPr txBox="1">
-            <a:spLocks noChangeArrowheads="1"/>
+              <a:rPr lang="en-US" sz="1200"/>
+              <a:t>Think of this as:</a:t>
+            </a:r>
+          </a:p>
+          <a:p>
+            <a:endParaRPr lang="en-US" sz="1200"/>
+          </a:p>
+          <a:p>
+            <a:r>
+              <a:rPr lang="en-US" sz="1200"/>
+              <a:t>class Person {</a:t>
+            </a:r>
+          </a:p>
+          <a:p>
+            <a:r>
+              <a:rPr lang="en-US" sz="1200"/>
+              <a:t>  int age;</a:t>
+            </a:r>
+          </a:p>
+          <a:p>
+            <a:r>
+              <a:rPr lang="en-US" sz="1200"/>
+              <a:t>  int weight;</a:t>
+            </a:r>
+          </a:p>
+          <a:p>
+            <a:r>
+              <a:rPr lang="en-US" sz="1200"/>
+              <a:t>  String mstatus;</a:t>
+            </a:r>
+          </a:p>
+          <a:p>
+            <a:r>
+              <a:rPr lang="en-US" sz="1200"/>
+              <a:t>  String profession;</a:t>
+            </a:r>
+          </a:p>
+          <a:p>
+            <a:r>
+              <a:rPr lang="en-US" sz="1200"/>
+              <a:t>}</a:t>
+            </a:r>
+          </a:p>
+        </p:txBody>
+      </p:sp>
+      <p:sp>
+        <p:nvSpPr>
+          <p:cNvPr id="29705" name="Line 9"/>
+          <p:cNvSpPr>
+            <a:spLocks noChangeShapeType="1"/>
           </p:cNvSpPr>
           <p:nvPr/>
         </p:nvSpPr>
         <p:spPr bwMode="auto">
-          <a:xfrm>
-            <a:off x="2079625" y="5988050"/>
-            <a:ext cx="5387975" cy="336550"/>
+          <a:xfrm flipH="1">
+            <a:off x="4495800" y="2819400"/>
+            <a:ext cx="2514600" cy="685800"/>
           </a:xfrm>
-          <a:prstGeom prst="rect">
+          <a:prstGeom prst="line">
             <a:avLst/>
           </a:prstGeom>
           <a:noFill/>
-          <a:ln>
-            <a:noFill/>
+          <a:ln w="9525">
+            <a:solidFill>
+              <a:schemeClr val="tx1"/>
+            </a:solidFill>
+            <a:round/>
+            <a:headEnd/>
+            <a:tailEnd type="triangle" w="med" len="med"/>
           </a:ln>
-          <a:effectLst/>
           <a:extLst>
             <a:ext uri="{909E8E84-426E-40dd-AFC4-6F175D3DCCD1}">
-              <a14:hiddenFill xmlns:a14="http://schemas.microsoft.com/office/drawing/2010/main" xmlns="">
-                <a:solidFill>
-                  <a:schemeClr val="accent1"/>
-                </a:solidFill>
+              <a14:hiddenFill xmlns="" xmlns:a14="http://schemas.microsoft.com/office/drawing/2010/main">
+                <a:noFill/>
               </a14:hiddenFill>
-            </a:ext>
-            <a:ext uri="{91240B29-F687-4f45-9708-019B960494DF}">
-              <a14:hiddenLine xmlns:a14="http://schemas.microsoft.com/office/drawing/2010/main" xmlns="" w="9525">
-                <a:solidFill>
-                  <a:schemeClr val="tx1"/>
-                </a:solidFill>
-                <a:miter lim="800000"/>
-                <a:headEnd/>
-                <a:tailEnd/>
-              </a14:hiddenLine>
-            </a:ext>
-            <a:ext uri="{AF507438-7753-43e0-B8FC-AC1667EBCBE1}">
-              <a14:hiddenEffects xmlns:a14="http://schemas.microsoft.com/office/drawing/2010/main" xmlns="">
-                <a:effectLst>
-                  <a:outerShdw blurRad="63500" dist="38099" dir="2700000" algn="ctr" rotWithShape="0">
-                    <a:schemeClr val="bg2">
-                      <a:alpha val="74998"/>
-                    </a:schemeClr>
-                  </a:outerShdw>
-                </a:effectLst>
-              </a14:hiddenEffects>
             </a:ext>
           </a:extLst>
         </p:spPr>
         <p:txBody>
-          <a:bodyPr wrap="none">
-            <a:spAutoFit/>
-          </a:bodyPr>
+          <a:bodyPr wrap="none" anchor="ctr"/>
           <a:lstStyle/>
           <a:p>
-            <a:r>
-              <a:rPr lang="en-US" sz="1600"/>
-              <a:t>polymorphism </a:t>
-            </a:r>
-            <a:r>
-              <a:rPr lang="en-US" sz="1600">
-                <a:sym typeface="Symbol" charset="0"/>
-              </a:rPr>
-              <a:t> comes from Greek meaning </a:t>
-            </a:r>
-            <a:r>
-              <a:rPr lang="ja-JP" altLang="en-US" sz="1600">
-                <a:latin typeface="Arial"/>
-                <a:sym typeface="Symbol" charset="0"/>
-              </a:rPr>
-              <a:t>‘</a:t>
-            </a:r>
-            <a:r>
-              <a:rPr lang="en-US" sz="1600">
-                <a:sym typeface="Symbol" charset="0"/>
-              </a:rPr>
-              <a:t>many forms</a:t>
-            </a:r>
-            <a:r>
-              <a:rPr lang="ja-JP" altLang="en-US" sz="1600">
-                <a:latin typeface="Arial"/>
-                <a:sym typeface="Symbol" charset="0"/>
-              </a:rPr>
-              <a:t>’</a:t>
-            </a:r>
-            <a:endParaRPr lang="en-US" sz="1600">
-              <a:sym typeface="Symbol" charset="0"/>
-            </a:endParaRPr>
+            <a:endParaRPr lang="en-US"/>
           </a:p>
         </p:txBody>
       </p:sp>
@@ -11633,7 +11492,7 @@
       </p:grpSpPr>
       <p:sp>
         <p:nvSpPr>
-          <p:cNvPr id="35842" name="Rectangle 2"/>
+          <p:cNvPr id="37890" name="Rectangle 2"/>
           <p:cNvSpPr>
             <a:spLocks noGrp="1" noChangeArrowheads="1"/>
           </p:cNvSpPr>
@@ -11655,7 +11514,56 @@
       </p:sp>
       <p:sp>
         <p:nvSpPr>
-          <p:cNvPr id="35843" name="Text Box 3"/>
+          <p:cNvPr id="37891" name="Rectangle 3"/>
+          <p:cNvSpPr>
+            <a:spLocks noGrp="1" noChangeArrowheads="1"/>
+          </p:cNvSpPr>
+          <p:nvPr>
+            <p:ph type="body" idx="1"/>
+          </p:nvPr>
+        </p:nvSpPr>
+        <p:spPr>
+          <a:xfrm>
+            <a:off x="457200" y="1719263"/>
+            <a:ext cx="8229600" cy="2166937"/>
+          </a:xfrm>
+        </p:spPr>
+        <p:txBody>
+          <a:bodyPr/>
+          <a:lstStyle/>
+          <a:p>
+            <a:r>
+              <a:rPr lang="en-US"/>
+              <a:t>An interesting implication of type systems is </a:t>
+            </a:r>
+            <a:r>
+              <a:rPr lang="en-US" i="1"/>
+              <a:t>polymorphism</a:t>
+            </a:r>
+            <a:r>
+              <a:rPr lang="en-US"/>
+              <a:t>:</a:t>
+            </a:r>
+          </a:p>
+          <a:p>
+            <a:pPr lvl="1"/>
+            <a:r>
+              <a:rPr lang="en-US"/>
+              <a:t>Function overloading</a:t>
+            </a:r>
+          </a:p>
+          <a:p>
+            <a:pPr lvl="1"/>
+            <a:r>
+              <a:rPr lang="en-US"/>
+              <a:t>Subtype polymorphism</a:t>
+            </a:r>
+          </a:p>
+        </p:txBody>
+      </p:sp>
+      <p:sp>
+        <p:nvSpPr>
+          <p:cNvPr id="37892" name="Text Box 4"/>
           <p:cNvSpPr txBox="1">
             <a:spLocks noChangeArrowheads="1"/>
           </p:cNvSpPr>
@@ -11663,74 +11571,8 @@
         </p:nvSpPr>
         <p:spPr bwMode="auto">
           <a:xfrm>
-            <a:off x="517525" y="1560513"/>
-            <a:ext cx="2357438" cy="366712"/>
-          </a:xfrm>
-          <a:prstGeom prst="rect">
-            <a:avLst/>
-          </a:prstGeom>
-          <a:noFill/>
-          <a:ln>
-            <a:noFill/>
-          </a:ln>
-          <a:effectLst/>
-          <a:extLst>
-            <a:ext uri="{909E8E84-426E-40dd-AFC4-6F175D3DCCD1}">
-              <a14:hiddenFill xmlns:a14="http://schemas.microsoft.com/office/drawing/2010/main" xmlns="">
-                <a:solidFill>
-                  <a:schemeClr val="accent1"/>
-                </a:solidFill>
-              </a14:hiddenFill>
-            </a:ext>
-            <a:ext uri="{91240B29-F687-4f45-9708-019B960494DF}">
-              <a14:hiddenLine xmlns:a14="http://schemas.microsoft.com/office/drawing/2010/main" xmlns="" w="9525">
-                <a:solidFill>
-                  <a:schemeClr val="tx1"/>
-                </a:solidFill>
-                <a:miter lim="800000"/>
-                <a:headEnd/>
-                <a:tailEnd/>
-              </a14:hiddenLine>
-            </a:ext>
-            <a:ext uri="{AF507438-7753-43e0-B8FC-AC1667EBCBE1}">
-              <a14:hiddenEffects xmlns:a14="http://schemas.microsoft.com/office/drawing/2010/main" xmlns="">
-                <a:effectLst>
-                  <a:outerShdw blurRad="63500" dist="38099" dir="2700000" algn="ctr" rotWithShape="0">
-                    <a:schemeClr val="bg2">
-                      <a:alpha val="74998"/>
-                    </a:schemeClr>
-                  </a:outerShdw>
-                </a:effectLst>
-              </a14:hiddenEffects>
-            </a:ext>
-          </a:extLst>
-        </p:spPr>
-        <p:txBody>
-          <a:bodyPr wrap="none">
-            <a:spAutoFit/>
-          </a:bodyPr>
-          <a:lstStyle/>
-          <a:p>
-            <a:r>
-              <a:rPr lang="en-US" sz="1800" u="sng"/>
-              <a:t>Function Overloading</a:t>
-            </a:r>
-            <a:endParaRPr lang="en-US" sz="1800"/>
-          </a:p>
-        </p:txBody>
-      </p:sp>
-      <p:sp>
-        <p:nvSpPr>
-          <p:cNvPr id="35844" name="Text Box 4"/>
-          <p:cNvSpPr txBox="1">
-            <a:spLocks noChangeArrowheads="1"/>
-          </p:cNvSpPr>
-          <p:nvPr/>
-        </p:nvSpPr>
-        <p:spPr bwMode="auto">
-          <a:xfrm>
-            <a:off x="517525" y="2322513"/>
-            <a:ext cx="6035675" cy="650875"/>
+            <a:off x="2514600" y="4302125"/>
+            <a:ext cx="4322763" cy="650875"/>
           </a:xfrm>
           <a:prstGeom prst="rect">
             <a:avLst/>
@@ -11747,14 +11589,14 @@
           <a:effectLst/>
           <a:extLst>
             <a:ext uri="{909E8E84-426E-40dd-AFC4-6F175D3DCCD1}">
-              <a14:hiddenFill xmlns:a14="http://schemas.microsoft.com/office/drawing/2010/main" xmlns="">
+              <a14:hiddenFill xmlns="" xmlns:a14="http://schemas.microsoft.com/office/drawing/2010/main">
                 <a:solidFill>
                   <a:schemeClr val="accent1"/>
                 </a:solidFill>
               </a14:hiddenFill>
             </a:ext>
             <a:ext uri="{AF507438-7753-43e0-B8FC-AC1667EBCBE1}">
-              <a14:hiddenEffects xmlns:a14="http://schemas.microsoft.com/office/drawing/2010/main" xmlns="">
+              <a14:hiddenEffects xmlns="" xmlns:a14="http://schemas.microsoft.com/office/drawing/2010/main">
                 <a:effectLst>
                   <a:outerShdw blurRad="63500" dist="38099" dir="2700000" algn="ctr" rotWithShape="0">
                     <a:schemeClr val="bg2">
@@ -11767,41 +11609,39 @@
           </a:extLst>
         </p:spPr>
         <p:txBody>
-          <a:bodyPr>
+          <a:bodyPr wrap="none">
             <a:spAutoFit/>
           </a:bodyPr>
           <a:lstStyle/>
           <a:p>
             <a:r>
               <a:rPr lang="en-US" sz="1800" u="sng"/>
-              <a:t>Def:</a:t>
+              <a:t>Def</a:t>
             </a:r>
             <a:r>
               <a:rPr lang="en-US" sz="1800"/>
-              <a:t> An </a:t>
+              <a:t>: A function is </a:t>
             </a:r>
             <a:r>
               <a:rPr lang="en-US" sz="1800" i="1"/>
-              <a:t>overloaded function</a:t>
+              <a:t>polymorphic</a:t>
             </a:r>
             <a:r>
               <a:rPr lang="en-US" sz="1800"/>
-              <a:t> is one that has at least two</a:t>
-            </a:r>
-            <a:br>
+              <a:t> if it has at </a:t>
+            </a:r>
+          </a:p>
+          <a:p>
+            <a:r>
               <a:rPr lang="en-US" sz="1800"/>
-            </a:br>
-            <a:r>
-              <a:rPr lang="en-US" sz="1800"/>
-              <a:t>        definitions, all of different types.</a:t>
-            </a:r>
-            <a:endParaRPr lang="en-US" sz="1800" u="sng"/>
-          </a:p>
-        </p:txBody>
-      </p:sp>
-      <p:sp>
-        <p:nvSpPr>
-          <p:cNvPr id="35845" name="Text Box 5"/>
+              <a:t>        least two possible types.</a:t>
+            </a:r>
+          </a:p>
+        </p:txBody>
+      </p:sp>
+      <p:sp>
+        <p:nvSpPr>
+          <p:cNvPr id="37893" name="Text Box 5"/>
           <p:cNvSpPr txBox="1">
             <a:spLocks noChangeArrowheads="1"/>
           </p:cNvSpPr>
@@ -11809,8 +11649,8 @@
         </p:nvSpPr>
         <p:spPr bwMode="auto">
           <a:xfrm>
-            <a:off x="517525" y="3313113"/>
-            <a:ext cx="5019675" cy="1465262"/>
+            <a:off x="2079625" y="5988050"/>
+            <a:ext cx="5387975" cy="336550"/>
           </a:xfrm>
           <a:prstGeom prst="rect">
             <a:avLst/>
@@ -11822,14 +11662,14 @@
           <a:effectLst/>
           <a:extLst>
             <a:ext uri="{909E8E84-426E-40dd-AFC4-6F175D3DCCD1}">
-              <a14:hiddenFill xmlns:a14="http://schemas.microsoft.com/office/drawing/2010/main" xmlns="">
+              <a14:hiddenFill xmlns="" xmlns:a14="http://schemas.microsoft.com/office/drawing/2010/main">
                 <a:solidFill>
                   <a:schemeClr val="accent1"/>
                 </a:solidFill>
               </a14:hiddenFill>
             </a:ext>
             <a:ext uri="{91240B29-F687-4f45-9708-019B960494DF}">
-              <a14:hiddenLine xmlns:a14="http://schemas.microsoft.com/office/drawing/2010/main" xmlns="" w="9525">
+              <a14:hiddenLine xmlns="" xmlns:a14="http://schemas.microsoft.com/office/drawing/2010/main" w="9525">
                 <a:solidFill>
                   <a:schemeClr val="tx1"/>
                 </a:solidFill>
@@ -11839,7 +11679,7 @@
               </a14:hiddenLine>
             </a:ext>
             <a:ext uri="{AF507438-7753-43e0-B8FC-AC1667EBCBE1}">
-              <a14:hiddenEffects xmlns:a14="http://schemas.microsoft.com/office/drawing/2010/main" xmlns="">
+              <a14:hiddenEffects xmlns="" xmlns:a14="http://schemas.microsoft.com/office/drawing/2010/main">
                 <a:effectLst>
                   <a:outerShdw blurRad="63500" dist="38099" dir="2700000" algn="ctr" rotWithShape="0">
                     <a:schemeClr val="bg2">
@@ -11858,112 +11698,38 @@
           <a:lstStyle/>
           <a:p>
             <a:r>
-              <a:rPr lang="en-US" sz="1800"/>
-              <a:t>Example: In Java the </a:t>
-            </a:r>
-            <a:r>
-              <a:rPr lang="ja-JP" altLang="en-US" sz="1800">
+              <a:rPr lang="en-US" sz="1600"/>
+              <a:t>polymorphism </a:t>
+            </a:r>
+            <a:r>
+              <a:rPr lang="en-US" sz="1600">
+                <a:sym typeface="Symbol" charset="0"/>
+              </a:rPr>
+              <a:t> comes from Greek meaning </a:t>
+            </a:r>
+            <a:r>
+              <a:rPr lang="ja-JP" altLang="en-US" sz="1600">
                 <a:latin typeface="Arial"/>
+                <a:sym typeface="Symbol" charset="0"/>
               </a:rPr>
               <a:t>‘</a:t>
             </a:r>
             <a:r>
-              <a:rPr lang="en-US" sz="1800"/>
-              <a:t>+</a:t>
-            </a:r>
-            <a:r>
-              <a:rPr lang="ja-JP" altLang="en-US" sz="1800">
+              <a:rPr lang="en-US" sz="1600">
+                <a:sym typeface="Symbol" charset="0"/>
+              </a:rPr>
+              <a:t>many forms</a:t>
+            </a:r>
+            <a:r>
+              <a:rPr lang="ja-JP" altLang="en-US" sz="1600">
                 <a:latin typeface="Arial"/>
+                <a:sym typeface="Symbol" charset="0"/>
               </a:rPr>
               <a:t>’</a:t>
             </a:r>
-            <a:r>
-              <a:rPr lang="en-US" sz="1800"/>
-              <a:t> operator is overloaded.</a:t>
-            </a:r>
-          </a:p>
-          <a:p>
-            <a:endParaRPr lang="en-US" sz="1800"/>
-          </a:p>
-          <a:p>
-            <a:r>
-              <a:rPr lang="en-US" sz="1800"/>
-              <a:t>String s = </a:t>
-            </a:r>
-            <a:r>
-              <a:rPr lang="ja-JP" altLang="en-US" sz="1800">
-                <a:latin typeface="Arial"/>
-              </a:rPr>
-              <a:t>“</a:t>
-            </a:r>
-            <a:r>
-              <a:rPr lang="en-US" sz="1800"/>
-              <a:t>abc</a:t>
-            </a:r>
-            <a:r>
-              <a:rPr lang="ja-JP" altLang="en-US" sz="1800">
-                <a:latin typeface="Arial"/>
-              </a:rPr>
-              <a:t>”</a:t>
-            </a:r>
-            <a:r>
-              <a:rPr lang="en-US" sz="1800"/>
-              <a:t>.{String} </a:t>
-            </a:r>
-            <a:r>
-              <a:rPr lang="en-US" sz="1800">
-                <a:solidFill>
-                  <a:srgbClr val="FF3300"/>
-                </a:solidFill>
-              </a:rPr>
-              <a:t>+</a:t>
-            </a:r>
-            <a:r>
-              <a:rPr lang="en-US" sz="1800"/>
-              <a:t> </a:t>
-            </a:r>
-            <a:r>
-              <a:rPr lang="ja-JP" altLang="en-US" sz="1800">
-                <a:latin typeface="Arial"/>
-              </a:rPr>
-              <a:t>“</a:t>
-            </a:r>
-            <a:r>
-              <a:rPr lang="en-US" sz="1800"/>
-              <a:t>def</a:t>
-            </a:r>
-            <a:r>
-              <a:rPr lang="ja-JP" altLang="en-US" sz="1800">
-                <a:latin typeface="Arial"/>
-              </a:rPr>
-              <a:t>”</a:t>
-            </a:r>
-            <a:r>
-              <a:rPr lang="en-US" sz="1800"/>
-              <a:t>.{String} ;</a:t>
-            </a:r>
-          </a:p>
-          <a:p>
-            <a:endParaRPr lang="en-US" sz="1800"/>
-          </a:p>
-          <a:p>
-            <a:r>
-              <a:rPr lang="en-US" sz="1800"/>
-              <a:t>int i = 3.{int} </a:t>
-            </a:r>
-            <a:r>
-              <a:rPr lang="en-US" sz="1800">
-                <a:solidFill>
-                  <a:srgbClr val="FF3300"/>
-                </a:solidFill>
-              </a:rPr>
-              <a:t>+</a:t>
-            </a:r>
-            <a:r>
-              <a:rPr lang="en-US" sz="1800"/>
-              <a:t> 5.{int} ;</a:t>
-            </a:r>
-            <a:endParaRPr lang="en-US" sz="1800" u="sng"/>
+            <a:endParaRPr lang="en-US" sz="1600">
+              <a:sym typeface="Symbol" charset="0"/>
+            </a:endParaRPr>
           </a:p>
         </p:txBody>
       </p:sp>
@@ -12001,7 +11767,7 @@
       </p:grpSpPr>
       <p:sp>
         <p:nvSpPr>
-          <p:cNvPr id="36866" name="Rectangle 2"/>
+          <p:cNvPr id="35842" name="Rectangle 2"/>
           <p:cNvSpPr>
             <a:spLocks noGrp="1" noChangeArrowheads="1"/>
           </p:cNvSpPr>
@@ -12023,7 +11789,7 @@
       </p:sp>
       <p:sp>
         <p:nvSpPr>
-          <p:cNvPr id="36867" name="Text Box 3"/>
+          <p:cNvPr id="35843" name="Text Box 3"/>
           <p:cNvSpPr txBox="1">
             <a:spLocks noChangeArrowheads="1"/>
           </p:cNvSpPr>
@@ -12031,8 +11797,8 @@
         </p:nvSpPr>
         <p:spPr bwMode="auto">
           <a:xfrm>
-            <a:off x="746125" y="1560513"/>
-            <a:ext cx="7350125" cy="2838450"/>
+            <a:off x="517525" y="1560513"/>
+            <a:ext cx="2357438" cy="366712"/>
           </a:xfrm>
           <a:prstGeom prst="rect">
             <a:avLst/>
@@ -12044,14 +11810,14 @@
           <a:effectLst/>
           <a:extLst>
             <a:ext uri="{909E8E84-426E-40dd-AFC4-6F175D3DCCD1}">
-              <a14:hiddenFill xmlns:a14="http://schemas.microsoft.com/office/drawing/2010/main" xmlns="">
+              <a14:hiddenFill xmlns="" xmlns:a14="http://schemas.microsoft.com/office/drawing/2010/main">
                 <a:solidFill>
                   <a:schemeClr val="accent1"/>
                 </a:solidFill>
               </a14:hiddenFill>
             </a:ext>
             <a:ext uri="{91240B29-F687-4f45-9708-019B960494DF}">
-              <a14:hiddenLine xmlns:a14="http://schemas.microsoft.com/office/drawing/2010/main" xmlns="" w="9525">
+              <a14:hiddenLine xmlns="" xmlns:a14="http://schemas.microsoft.com/office/drawing/2010/main" w="9525">
                 <a:solidFill>
                   <a:schemeClr val="tx1"/>
                 </a:solidFill>
@@ -12061,7 +11827,7 @@
               </a14:hiddenLine>
             </a:ext>
             <a:ext uri="{AF507438-7753-43e0-B8FC-AC1667EBCBE1}">
-              <a14:hiddenEffects xmlns:a14="http://schemas.microsoft.com/office/drawing/2010/main" xmlns="">
+              <a14:hiddenEffects xmlns="" xmlns:a14="http://schemas.microsoft.com/office/drawing/2010/main">
                 <a:effectLst>
                   <a:outerShdw blurRad="63500" dist="38099" dir="2700000" algn="ctr" rotWithShape="0">
                     <a:schemeClr val="bg2">
@@ -12080,14 +11846,154 @@
           <a:lstStyle/>
           <a:p>
             <a:r>
+              <a:rPr lang="en-US" sz="1800" u="sng"/>
+              <a:t>Function Overloading</a:t>
+            </a:r>
+            <a:endParaRPr lang="en-US" sz="1800"/>
+          </a:p>
+        </p:txBody>
+      </p:sp>
+      <p:sp>
+        <p:nvSpPr>
+          <p:cNvPr id="35844" name="Text Box 4"/>
+          <p:cNvSpPr txBox="1">
+            <a:spLocks noChangeArrowheads="1"/>
+          </p:cNvSpPr>
+          <p:nvPr/>
+        </p:nvSpPr>
+        <p:spPr bwMode="auto">
+          <a:xfrm>
+            <a:off x="517525" y="2322513"/>
+            <a:ext cx="6035675" cy="650875"/>
+          </a:xfrm>
+          <a:prstGeom prst="rect">
+            <a:avLst/>
+          </a:prstGeom>
+          <a:noFill/>
+          <a:ln w="9525">
+            <a:solidFill>
+              <a:schemeClr val="tx1"/>
+            </a:solidFill>
+            <a:miter lim="800000"/>
+            <a:headEnd/>
+            <a:tailEnd/>
+          </a:ln>
+          <a:effectLst/>
+          <a:extLst>
+            <a:ext uri="{909E8E84-426E-40dd-AFC4-6F175D3DCCD1}">
+              <a14:hiddenFill xmlns="" xmlns:a14="http://schemas.microsoft.com/office/drawing/2010/main">
+                <a:solidFill>
+                  <a:schemeClr val="accent1"/>
+                </a:solidFill>
+              </a14:hiddenFill>
+            </a:ext>
+            <a:ext uri="{AF507438-7753-43e0-B8FC-AC1667EBCBE1}">
+              <a14:hiddenEffects xmlns="" xmlns:a14="http://schemas.microsoft.com/office/drawing/2010/main">
+                <a:effectLst>
+                  <a:outerShdw blurRad="63500" dist="38099" dir="2700000" algn="ctr" rotWithShape="0">
+                    <a:schemeClr val="bg2">
+                      <a:alpha val="74998"/>
+                    </a:schemeClr>
+                  </a:outerShdw>
+                </a:effectLst>
+              </a14:hiddenEffects>
+            </a:ext>
+          </a:extLst>
+        </p:spPr>
+        <p:txBody>
+          <a:bodyPr>
+            <a:spAutoFit/>
+          </a:bodyPr>
+          <a:lstStyle/>
+          <a:p>
+            <a:r>
+              <a:rPr lang="en-US" sz="1800" u="sng"/>
+              <a:t>Def:</a:t>
+            </a:r>
+            <a:r>
               <a:rPr lang="en-US" sz="1800"/>
-              <a:t>Example: Java also allows user-defined polymorphism with overloaded</a:t>
-            </a:r>
-          </a:p>
-          <a:p>
+              <a:t> An </a:t>
+            </a:r>
+            <a:r>
+              <a:rPr lang="en-US" sz="1800" i="1"/>
+              <a:t>overloaded function</a:t>
+            </a:r>
             <a:r>
               <a:rPr lang="en-US" sz="1800"/>
-              <a:t>                 functions. Consider the function </a:t>
+              <a:t> is one that has at least two</a:t>
+            </a:r>
+            <a:br>
+              <a:rPr lang="en-US" sz="1800"/>
+            </a:br>
+            <a:r>
+              <a:rPr lang="en-US" sz="1800"/>
+              <a:t>        definitions, all of different types.</a:t>
+            </a:r>
+            <a:endParaRPr lang="en-US" sz="1800" u="sng"/>
+          </a:p>
+        </p:txBody>
+      </p:sp>
+      <p:sp>
+        <p:nvSpPr>
+          <p:cNvPr id="35845" name="Text Box 5"/>
+          <p:cNvSpPr txBox="1">
+            <a:spLocks noChangeArrowheads="1"/>
+          </p:cNvSpPr>
+          <p:nvPr/>
+        </p:nvSpPr>
+        <p:spPr bwMode="auto">
+          <a:xfrm>
+            <a:off x="517525" y="3313113"/>
+            <a:ext cx="5019675" cy="1465262"/>
+          </a:xfrm>
+          <a:prstGeom prst="rect">
+            <a:avLst/>
+          </a:prstGeom>
+          <a:noFill/>
+          <a:ln>
+            <a:noFill/>
+          </a:ln>
+          <a:effectLst/>
+          <a:extLst>
+            <a:ext uri="{909E8E84-426E-40dd-AFC4-6F175D3DCCD1}">
+              <a14:hiddenFill xmlns="" xmlns:a14="http://schemas.microsoft.com/office/drawing/2010/main">
+                <a:solidFill>
+                  <a:schemeClr val="accent1"/>
+                </a:solidFill>
+              </a14:hiddenFill>
+            </a:ext>
+            <a:ext uri="{91240B29-F687-4f45-9708-019B960494DF}">
+              <a14:hiddenLine xmlns="" xmlns:a14="http://schemas.microsoft.com/office/drawing/2010/main" w="9525">
+                <a:solidFill>
+                  <a:schemeClr val="tx1"/>
+                </a:solidFill>
+                <a:miter lim="800000"/>
+                <a:headEnd/>
+                <a:tailEnd/>
+              </a14:hiddenLine>
+            </a:ext>
+            <a:ext uri="{AF507438-7753-43e0-B8FC-AC1667EBCBE1}">
+              <a14:hiddenEffects xmlns="" xmlns:a14="http://schemas.microsoft.com/office/drawing/2010/main">
+                <a:effectLst>
+                  <a:outerShdw blurRad="63500" dist="38099" dir="2700000" algn="ctr" rotWithShape="0">
+                    <a:schemeClr val="bg2">
+                      <a:alpha val="74998"/>
+                    </a:schemeClr>
+                  </a:outerShdw>
+                </a:effectLst>
+              </a14:hiddenEffects>
+            </a:ext>
+          </a:extLst>
+        </p:spPr>
+        <p:txBody>
+          <a:bodyPr wrap="none">
+            <a:spAutoFit/>
+          </a:bodyPr>
+          <a:lstStyle/>
+          <a:p>
+            <a:r>
+              <a:rPr lang="en-US" sz="1800"/>
+              <a:t>Example: In Java the </a:t>
             </a:r>
             <a:r>
               <a:rPr lang="ja-JP" altLang="en-US" sz="1800">
@@ -12097,7 +12003,7 @@
             </a:r>
             <a:r>
               <a:rPr lang="en-US" sz="1800"/>
-              <a:t>f</a:t>
+              <a:t>+</a:t>
             </a:r>
             <a:r>
               <a:rPr lang="ja-JP" altLang="en-US" sz="1800">
@@ -12107,7 +12013,7 @@
             </a:r>
             <a:r>
               <a:rPr lang="en-US" sz="1800"/>
-              <a:t>:</a:t>
+              <a:t> operator is overloaded.</a:t>
             </a:r>
           </a:p>
           <a:p>
@@ -12116,88 +12022,80 @@
           <a:p>
             <a:r>
               <a:rPr lang="en-US" sz="1800"/>
-              <a:t>bool f (</a:t>
+              <a:t>String s = </a:t>
+            </a:r>
+            <a:r>
+              <a:rPr lang="ja-JP" altLang="en-US" sz="1800">
+                <a:latin typeface="Arial"/>
+              </a:rPr>
+              <a:t>“</a:t>
+            </a:r>
+            <a:r>
+              <a:rPr lang="en-US" sz="1800"/>
+              <a:t>abc</a:t>
+            </a:r>
+            <a:r>
+              <a:rPr lang="ja-JP" altLang="en-US" sz="1800">
+                <a:latin typeface="Arial"/>
+              </a:rPr>
+              <a:t>”</a:t>
+            </a:r>
+            <a:r>
+              <a:rPr lang="en-US" sz="1800"/>
+              <a:t>.{String} </a:t>
             </a:r>
             <a:r>
               <a:rPr lang="en-US" sz="1800">
                 <a:solidFill>
-                  <a:srgbClr val="FF0000"/>
+                  <a:srgbClr val="FF3300"/>
                 </a:solidFill>
               </a:rPr>
-              <a:t>char</a:t>
+              <a:t>+</a:t>
             </a:r>
             <a:r>
               <a:rPr lang="en-US" sz="1800"/>
-              <a:t> a, </a:t>
+              <a:t> </a:t>
+            </a:r>
+            <a:r>
+              <a:rPr lang="ja-JP" altLang="en-US" sz="1800">
+                <a:latin typeface="Arial"/>
+              </a:rPr>
+              <a:t>“</a:t>
+            </a:r>
+            <a:r>
+              <a:rPr lang="en-US" sz="1800"/>
+              <a:t>def</a:t>
+            </a:r>
+            <a:r>
+              <a:rPr lang="ja-JP" altLang="en-US" sz="1800">
+                <a:latin typeface="Arial"/>
+              </a:rPr>
+              <a:t>”</a:t>
+            </a:r>
+            <a:r>
+              <a:rPr lang="en-US" sz="1800"/>
+              <a:t>.{String} ;</a:t>
+            </a:r>
+          </a:p>
+          <a:p>
+            <a:endParaRPr lang="en-US" sz="1800"/>
+          </a:p>
+          <a:p>
+            <a:r>
+              <a:rPr lang="en-US" sz="1800"/>
+              <a:t>int i = 3.{int} </a:t>
             </a:r>
             <a:r>
               <a:rPr lang="en-US" sz="1800">
                 <a:solidFill>
-                  <a:srgbClr val="FF0000"/>
+                  <a:srgbClr val="FF3300"/>
                 </a:solidFill>
               </a:rPr>
-              <a:t>char</a:t>
+              <a:t>+</a:t>
             </a:r>
             <a:r>
               <a:rPr lang="en-US" sz="1800"/>
-              <a:t> b) {</a:t>
-            </a:r>
-          </a:p>
-          <a:p>
-            <a:r>
-              <a:rPr lang="en-US" sz="1800"/>
-              <a:t>	return a == b;</a:t>
-            </a:r>
-          </a:p>
-          <a:p>
-            <a:r>
-              <a:rPr lang="en-US" sz="1800"/>
-              <a:t>}</a:t>
-            </a:r>
-          </a:p>
-          <a:p>
-            <a:endParaRPr lang="en-US" sz="1800"/>
-          </a:p>
-          <a:p>
-            <a:r>
-              <a:rPr lang="en-US" sz="1800"/>
-              <a:t>bool f (</a:t>
-            </a:r>
-            <a:r>
-              <a:rPr lang="en-US" sz="1800">
-                <a:solidFill>
-                  <a:srgbClr val="FF0000"/>
-                </a:solidFill>
-              </a:rPr>
-              <a:t>int</a:t>
-            </a:r>
-            <a:r>
-              <a:rPr lang="en-US" sz="1800"/>
-              <a:t> a, </a:t>
-            </a:r>
-            <a:r>
-              <a:rPr lang="en-US" sz="1800">
-                <a:solidFill>
-                  <a:srgbClr val="FF0000"/>
-                </a:solidFill>
-              </a:rPr>
-              <a:t>int</a:t>
-            </a:r>
-            <a:r>
-              <a:rPr lang="en-US" sz="1800"/>
-              <a:t> b) {</a:t>
-            </a:r>
-          </a:p>
-          <a:p>
-            <a:r>
-              <a:rPr lang="en-US" sz="1800"/>
-              <a:t>	return a == b;</a:t>
-            </a:r>
-          </a:p>
-          <a:p>
-            <a:r>
-              <a:rPr lang="en-US" sz="1800"/>
-              <a:t>}</a:t>
+              <a:t> 5.{int} ;</a:t>
             </a:r>
             <a:endParaRPr lang="en-US" sz="1800" u="sng"/>
           </a:p>
@@ -12280,14 +12178,14 @@
           <a:effectLst/>
           <a:extLst>
             <a:ext uri="{909E8E84-426E-40dd-AFC4-6F175D3DCCD1}">
-              <a14:hiddenFill xmlns:a14="http://schemas.microsoft.com/office/drawing/2010/main" xmlns="">
+              <a14:hiddenFill xmlns="" xmlns:a14="http://schemas.microsoft.com/office/drawing/2010/main">
                 <a:solidFill>
                   <a:schemeClr val="accent1"/>
                 </a:solidFill>
               </a14:hiddenFill>
             </a:ext>
             <a:ext uri="{91240B29-F687-4f45-9708-019B960494DF}">
-              <a14:hiddenLine xmlns:a14="http://schemas.microsoft.com/office/drawing/2010/main" xmlns="" w="9525">
+              <a14:hiddenLine xmlns="" xmlns:a14="http://schemas.microsoft.com/office/drawing/2010/main" w="9525">
                 <a:solidFill>
                   <a:schemeClr val="tx1"/>
                 </a:solidFill>
@@ -12297,7 +12195,7 @@
               </a14:hiddenLine>
             </a:ext>
             <a:ext uri="{AF507438-7753-43e0-B8FC-AC1667EBCBE1}">
-              <a14:hiddenEffects xmlns:a14="http://schemas.microsoft.com/office/drawing/2010/main" xmlns="">
+              <a14:hiddenEffects xmlns="" xmlns:a14="http://schemas.microsoft.com/office/drawing/2010/main">
                 <a:effectLst>
                   <a:outerShdw blurRad="63500" dist="38099" dir="2700000" algn="ctr" rotWithShape="0">
                     <a:schemeClr val="bg2">
@@ -12351,14 +12249,14 @@
           <a:effectLst/>
           <a:extLst>
             <a:ext uri="{909E8E84-426E-40dd-AFC4-6F175D3DCCD1}">
-              <a14:hiddenFill xmlns:a14="http://schemas.microsoft.com/office/drawing/2010/main" xmlns="">
+              <a14:hiddenFill xmlns="" xmlns:a14="http://schemas.microsoft.com/office/drawing/2010/main">
                 <a:solidFill>
                   <a:schemeClr val="accent1"/>
                 </a:solidFill>
               </a14:hiddenFill>
             </a:ext>
             <a:ext uri="{AF507438-7753-43e0-B8FC-AC1667EBCBE1}">
-              <a14:hiddenEffects xmlns:a14="http://schemas.microsoft.com/office/drawing/2010/main" xmlns="">
+              <a14:hiddenEffects xmlns="" xmlns:a14="http://schemas.microsoft.com/office/drawing/2010/main">
                 <a:effectLst>
                   <a:outerShdw blurRad="63500" dist="38099" dir="2700000" algn="ctr" rotWithShape="0">
                     <a:schemeClr val="bg2">
@@ -12479,14 +12377,14 @@
           <a:effectLst/>
           <a:extLst>
             <a:ext uri="{909E8E84-426E-40dd-AFC4-6F175D3DCCD1}">
-              <a14:hiddenFill xmlns:a14="http://schemas.microsoft.com/office/drawing/2010/main" xmlns="">
+              <a14:hiddenFill xmlns="" xmlns:a14="http://schemas.microsoft.com/office/drawing/2010/main">
                 <a:solidFill>
                   <a:schemeClr val="accent1"/>
                 </a:solidFill>
               </a14:hiddenFill>
             </a:ext>
             <a:ext uri="{91240B29-F687-4f45-9708-019B960494DF}">
-              <a14:hiddenLine xmlns:a14="http://schemas.microsoft.com/office/drawing/2010/main" xmlns="" w="9525">
+              <a14:hiddenLine xmlns="" xmlns:a14="http://schemas.microsoft.com/office/drawing/2010/main" w="9525">
                 <a:solidFill>
                   <a:schemeClr val="tx1"/>
                 </a:solidFill>
@@ -12496,7 +12394,7 @@
               </a14:hiddenLine>
             </a:ext>
             <a:ext uri="{AF507438-7753-43e0-B8FC-AC1667EBCBE1}">
-              <a14:hiddenEffects xmlns:a14="http://schemas.microsoft.com/office/drawing/2010/main" xmlns="">
+              <a14:hiddenEffects xmlns="" xmlns:a14="http://schemas.microsoft.com/office/drawing/2010/main">
                 <a:effectLst>
                   <a:outerShdw blurRad="63500" dist="38099" dir="2700000" algn="ctr" rotWithShape="0">
                     <a:schemeClr val="bg2">
@@ -12629,14 +12527,14 @@
           <a:effectLst/>
           <a:extLst>
             <a:ext uri="{909E8E84-426E-40dd-AFC4-6F175D3DCCD1}">
-              <a14:hiddenFill xmlns:a14="http://schemas.microsoft.com/office/drawing/2010/main" xmlns="">
+              <a14:hiddenFill xmlns="" xmlns:a14="http://schemas.microsoft.com/office/drawing/2010/main">
                 <a:solidFill>
                   <a:schemeClr val="accent1"/>
                 </a:solidFill>
               </a14:hiddenFill>
             </a:ext>
             <a:ext uri="{AF507438-7753-43e0-B8FC-AC1667EBCBE1}">
-              <a14:hiddenEffects xmlns:a14="http://schemas.microsoft.com/office/drawing/2010/main" xmlns="">
+              <a14:hiddenEffects xmlns="" xmlns:a14="http://schemas.microsoft.com/office/drawing/2010/main">
                 <a:effectLst>
                   <a:outerShdw blurRad="63500" dist="38099" dir="2700000" algn="ctr" rotWithShape="0">
                     <a:schemeClr val="bg2">
@@ -12679,14 +12577,14 @@
           <a:effectLst/>
           <a:extLst>
             <a:ext uri="{909E8E84-426E-40dd-AFC4-6F175D3DCCD1}">
-              <a14:hiddenFill xmlns:a14="http://schemas.microsoft.com/office/drawing/2010/main" xmlns="">
+              <a14:hiddenFill xmlns="" xmlns:a14="http://schemas.microsoft.com/office/drawing/2010/main">
                 <a:solidFill>
                   <a:schemeClr val="accent1"/>
                 </a:solidFill>
               </a14:hiddenFill>
             </a:ext>
             <a:ext uri="{91240B29-F687-4f45-9708-019B960494DF}">
-              <a14:hiddenLine xmlns:a14="http://schemas.microsoft.com/office/drawing/2010/main" xmlns="" w="9525">
+              <a14:hiddenLine xmlns="" xmlns:a14="http://schemas.microsoft.com/office/drawing/2010/main" w="9525">
                 <a:solidFill>
                   <a:schemeClr val="tx1"/>
                 </a:solidFill>
@@ -12696,7 +12594,7 @@
               </a14:hiddenLine>
             </a:ext>
             <a:ext uri="{AF507438-7753-43e0-B8FC-AC1667EBCBE1}">
-              <a14:hiddenEffects xmlns:a14="http://schemas.microsoft.com/office/drawing/2010/main" xmlns="">
+              <a14:hiddenEffects xmlns="" xmlns:a14="http://schemas.microsoft.com/office/drawing/2010/main">
                 <a:effectLst>
                   <a:outerShdw blurRad="63500" dist="38099" dir="2700000" algn="ctr" rotWithShape="0">
                     <a:schemeClr val="bg2">
@@ -12763,14 +12661,14 @@
           </a:ln>
           <a:extLst>
             <a:ext uri="{909E8E84-426E-40dd-AFC4-6F175D3DCCD1}">
-              <a14:hiddenFill xmlns:a14="http://schemas.microsoft.com/office/drawing/2010/main" xmlns="">
+              <a14:hiddenFill xmlns="" xmlns:a14="http://schemas.microsoft.com/office/drawing/2010/main">
                 <a:solidFill>
                   <a:schemeClr val="accent1"/>
                 </a:solidFill>
               </a14:hiddenFill>
             </a:ext>
             <a:ext uri="{91240B29-F687-4f45-9708-019B960494DF}">
-              <a14:hiddenLine xmlns:a14="http://schemas.microsoft.com/office/drawing/2010/main" xmlns="" w="9525">
+              <a14:hiddenLine xmlns="" xmlns:a14="http://schemas.microsoft.com/office/drawing/2010/main" w="9525">
                 <a:solidFill>
                   <a:schemeClr val="tx1"/>
                 </a:solidFill>
@@ -12831,14 +12729,14 @@
           <a:effectLst/>
           <a:extLst>
             <a:ext uri="{909E8E84-426E-40dd-AFC4-6F175D3DCCD1}">
-              <a14:hiddenFill xmlns:a14="http://schemas.microsoft.com/office/drawing/2010/main" xmlns="">
+              <a14:hiddenFill xmlns="" xmlns:a14="http://schemas.microsoft.com/office/drawing/2010/main">
                 <a:solidFill>
                   <a:schemeClr val="accent1"/>
                 </a:solidFill>
               </a14:hiddenFill>
             </a:ext>
             <a:ext uri="{AF507438-7753-43e0-B8FC-AC1667EBCBE1}">
-              <a14:hiddenEffects xmlns:a14="http://schemas.microsoft.com/office/drawing/2010/main" xmlns="">
+              <a14:hiddenEffects xmlns="" xmlns:a14="http://schemas.microsoft.com/office/drawing/2010/main">
                 <a:effectLst>
                   <a:outerShdw blurRad="63500" dist="38099" dir="2700000" algn="ctr" rotWithShape="0">
                     <a:schemeClr val="bg2">
@@ -12880,14 +12778,14 @@
           </a:ln>
           <a:extLst>
             <a:ext uri="{909E8E84-426E-40dd-AFC4-6F175D3DCCD1}">
-              <a14:hiddenFill xmlns:a14="http://schemas.microsoft.com/office/drawing/2010/main" xmlns="">
+              <a14:hiddenFill xmlns="" xmlns:a14="http://schemas.microsoft.com/office/drawing/2010/main">
                 <a:solidFill>
                   <a:schemeClr val="accent1"/>
                 </a:solidFill>
               </a14:hiddenFill>
             </a:ext>
             <a:ext uri="{91240B29-F687-4f45-9708-019B960494DF}">
-              <a14:hiddenLine xmlns:a14="http://schemas.microsoft.com/office/drawing/2010/main" xmlns="" w="9525">
+              <a14:hiddenLine xmlns="" xmlns:a14="http://schemas.microsoft.com/office/drawing/2010/main" w="9525">
                 <a:solidFill>
                   <a:schemeClr val="tx1"/>
                 </a:solidFill>
@@ -12988,14 +12886,14 @@
           <a:effectLst/>
           <a:extLst>
             <a:ext uri="{909E8E84-426E-40dd-AFC4-6F175D3DCCD1}">
-              <a14:hiddenFill xmlns:a14="http://schemas.microsoft.com/office/drawing/2010/main" xmlns="">
+              <a14:hiddenFill xmlns="" xmlns:a14="http://schemas.microsoft.com/office/drawing/2010/main">
                 <a:solidFill>
                   <a:schemeClr val="accent1"/>
                 </a:solidFill>
               </a14:hiddenFill>
             </a:ext>
             <a:ext uri="{91240B29-F687-4f45-9708-019B960494DF}">
-              <a14:hiddenLine xmlns:a14="http://schemas.microsoft.com/office/drawing/2010/main" xmlns="" w="9525">
+              <a14:hiddenLine xmlns="" xmlns:a14="http://schemas.microsoft.com/office/drawing/2010/main" w="9525">
                 <a:solidFill>
                   <a:schemeClr val="tx1"/>
                 </a:solidFill>
@@ -13005,7 +12903,7 @@
               </a14:hiddenLine>
             </a:ext>
             <a:ext uri="{AF507438-7753-43e0-B8FC-AC1667EBCBE1}">
-              <a14:hiddenEffects xmlns:a14="http://schemas.microsoft.com/office/drawing/2010/main" xmlns="">
+              <a14:hiddenEffects xmlns="" xmlns:a14="http://schemas.microsoft.com/office/drawing/2010/main">
                 <a:effectLst>
                   <a:outerShdw blurRad="63500" dist="38099" dir="2700000" algn="ctr" rotWithShape="0">
                     <a:schemeClr val="bg2">
@@ -13054,14 +12952,14 @@
           <a:effectLst/>
           <a:extLst>
             <a:ext uri="{909E8E84-426E-40dd-AFC4-6F175D3DCCD1}">
-              <a14:hiddenFill xmlns:a14="http://schemas.microsoft.com/office/drawing/2010/main" xmlns="">
+              <a14:hiddenFill xmlns="" xmlns:a14="http://schemas.microsoft.com/office/drawing/2010/main">
                 <a:solidFill>
                   <a:schemeClr val="accent1"/>
                 </a:solidFill>
               </a14:hiddenFill>
             </a:ext>
             <a:ext uri="{91240B29-F687-4f45-9708-019B960494DF}">
-              <a14:hiddenLine xmlns:a14="http://schemas.microsoft.com/office/drawing/2010/main" xmlns="" w="9525">
+              <a14:hiddenLine xmlns="" xmlns:a14="http://schemas.microsoft.com/office/drawing/2010/main" w="9525">
                 <a:solidFill>
                   <a:schemeClr val="tx1"/>
                 </a:solidFill>
@@ -13071,7 +12969,7 @@
               </a14:hiddenLine>
             </a:ext>
             <a:ext uri="{AF507438-7753-43e0-B8FC-AC1667EBCBE1}">
-              <a14:hiddenEffects xmlns:a14="http://schemas.microsoft.com/office/drawing/2010/main" xmlns="">
+              <a14:hiddenEffects xmlns="" xmlns:a14="http://schemas.microsoft.com/office/drawing/2010/main">
                 <a:effectLst>
                   <a:outerShdw blurRad="63500" dist="38099" dir="2700000" algn="ctr" rotWithShape="0">
                     <a:schemeClr val="bg2">
@@ -13136,14 +13034,14 @@
           <a:effectLst/>
           <a:extLst>
             <a:ext uri="{909E8E84-426E-40dd-AFC4-6F175D3DCCD1}">
-              <a14:hiddenFill xmlns:a14="http://schemas.microsoft.com/office/drawing/2010/main" xmlns="">
+              <a14:hiddenFill xmlns="" xmlns:a14="http://schemas.microsoft.com/office/drawing/2010/main">
                 <a:solidFill>
                   <a:schemeClr val="accent1"/>
                 </a:solidFill>
               </a14:hiddenFill>
             </a:ext>
             <a:ext uri="{AF507438-7753-43e0-B8FC-AC1667EBCBE1}">
-              <a14:hiddenEffects xmlns:a14="http://schemas.microsoft.com/office/drawing/2010/main" xmlns="">
+              <a14:hiddenEffects xmlns="" xmlns:a14="http://schemas.microsoft.com/office/drawing/2010/main">
                 <a:effectLst>
                   <a:outerShdw blurRad="63500" dist="38099" dir="2700000" algn="ctr" rotWithShape="0">
                     <a:schemeClr val="bg2">
@@ -13191,14 +13089,14 @@
           <a:effectLst/>
           <a:extLst>
             <a:ext uri="{909E8E84-426E-40dd-AFC4-6F175D3DCCD1}">
-              <a14:hiddenFill xmlns:a14="http://schemas.microsoft.com/office/drawing/2010/main" xmlns="">
+              <a14:hiddenFill xmlns="" xmlns:a14="http://schemas.microsoft.com/office/drawing/2010/main">
                 <a:solidFill>
                   <a:schemeClr val="accent1"/>
                 </a:solidFill>
               </a14:hiddenFill>
             </a:ext>
             <a:ext uri="{AF507438-7753-43e0-B8FC-AC1667EBCBE1}">
-              <a14:hiddenEffects xmlns:a14="http://schemas.microsoft.com/office/drawing/2010/main" xmlns="">
+              <a14:hiddenEffects xmlns="" xmlns:a14="http://schemas.microsoft.com/office/drawing/2010/main">
                 <a:effectLst>
                   <a:outerShdw blurRad="63500" dist="38099" dir="2700000" algn="ctr" rotWithShape="0">
                     <a:schemeClr val="bg2">
@@ -13246,14 +13144,14 @@
           <a:effectLst/>
           <a:extLst>
             <a:ext uri="{909E8E84-426E-40dd-AFC4-6F175D3DCCD1}">
-              <a14:hiddenFill xmlns:a14="http://schemas.microsoft.com/office/drawing/2010/main" xmlns="">
+              <a14:hiddenFill xmlns="" xmlns:a14="http://schemas.microsoft.com/office/drawing/2010/main">
                 <a:solidFill>
                   <a:schemeClr val="accent1"/>
                 </a:solidFill>
               </a14:hiddenFill>
             </a:ext>
             <a:ext uri="{AF507438-7753-43e0-B8FC-AC1667EBCBE1}">
-              <a14:hiddenEffects xmlns:a14="http://schemas.microsoft.com/office/drawing/2010/main" xmlns="">
+              <a14:hiddenEffects xmlns="" xmlns:a14="http://schemas.microsoft.com/office/drawing/2010/main">
                 <a:effectLst>
                   <a:outerShdw blurRad="63500" dist="38099" dir="2700000" algn="ctr" rotWithShape="0">
                     <a:schemeClr val="bg2">
@@ -13296,14 +13194,14 @@
           <a:effectLst/>
           <a:extLst>
             <a:ext uri="{909E8E84-426E-40dd-AFC4-6F175D3DCCD1}">
-              <a14:hiddenFill xmlns:a14="http://schemas.microsoft.com/office/drawing/2010/main" xmlns="">
+              <a14:hiddenFill xmlns="" xmlns:a14="http://schemas.microsoft.com/office/drawing/2010/main">
                 <a:solidFill>
                   <a:schemeClr val="accent1"/>
                 </a:solidFill>
               </a14:hiddenFill>
             </a:ext>
             <a:ext uri="{91240B29-F687-4f45-9708-019B960494DF}">
-              <a14:hiddenLine xmlns:a14="http://schemas.microsoft.com/office/drawing/2010/main" xmlns="" w="9525">
+              <a14:hiddenLine xmlns="" xmlns:a14="http://schemas.microsoft.com/office/drawing/2010/main" w="9525">
                 <a:solidFill>
                   <a:schemeClr val="tx1"/>
                 </a:solidFill>
@@ -13313,7 +13211,7 @@
               </a14:hiddenLine>
             </a:ext>
             <a:ext uri="{AF507438-7753-43e0-B8FC-AC1667EBCBE1}">
-              <a14:hiddenEffects xmlns:a14="http://schemas.microsoft.com/office/drawing/2010/main" xmlns="">
+              <a14:hiddenEffects xmlns="" xmlns:a14="http://schemas.microsoft.com/office/drawing/2010/main">
                 <a:effectLst>
                   <a:outerShdw blurRad="63500" dist="38099" dir="2700000" algn="ctr" rotWithShape="0">
                     <a:schemeClr val="bg2">
@@ -13361,14 +13259,14 @@
           <a:effectLst/>
           <a:extLst>
             <a:ext uri="{909E8E84-426E-40dd-AFC4-6F175D3DCCD1}">
-              <a14:hiddenFill xmlns:a14="http://schemas.microsoft.com/office/drawing/2010/main" xmlns="">
+              <a14:hiddenFill xmlns="" xmlns:a14="http://schemas.microsoft.com/office/drawing/2010/main">
                 <a:solidFill>
                   <a:schemeClr val="accent1"/>
                 </a:solidFill>
               </a14:hiddenFill>
             </a:ext>
             <a:ext uri="{91240B29-F687-4f45-9708-019B960494DF}">
-              <a14:hiddenLine xmlns:a14="http://schemas.microsoft.com/office/drawing/2010/main" xmlns="" w="9525">
+              <a14:hiddenLine xmlns="" xmlns:a14="http://schemas.microsoft.com/office/drawing/2010/main" w="9525">
                 <a:solidFill>
                   <a:schemeClr val="tx1"/>
                 </a:solidFill>
@@ -13378,7 +13276,7 @@
               </a14:hiddenLine>
             </a:ext>
             <a:ext uri="{AF507438-7753-43e0-B8FC-AC1667EBCBE1}">
-              <a14:hiddenEffects xmlns:a14="http://schemas.microsoft.com/office/drawing/2010/main" xmlns="">
+              <a14:hiddenEffects xmlns="" xmlns:a14="http://schemas.microsoft.com/office/drawing/2010/main">
                 <a:effectLst>
                   <a:outerShdw blurRad="63500" dist="38099" dir="2700000" algn="ctr" rotWithShape="0">
                     <a:schemeClr val="bg2">
@@ -13426,14 +13324,14 @@
           <a:effectLst/>
           <a:extLst>
             <a:ext uri="{909E8E84-426E-40dd-AFC4-6F175D3DCCD1}">
-              <a14:hiddenFill xmlns:a14="http://schemas.microsoft.com/office/drawing/2010/main" xmlns="">
+              <a14:hiddenFill xmlns="" xmlns:a14="http://schemas.microsoft.com/office/drawing/2010/main">
                 <a:solidFill>
                   <a:schemeClr val="accent1"/>
                 </a:solidFill>
               </a14:hiddenFill>
             </a:ext>
             <a:ext uri="{91240B29-F687-4f45-9708-019B960494DF}">
-              <a14:hiddenLine xmlns:a14="http://schemas.microsoft.com/office/drawing/2010/main" xmlns="" w="9525">
+              <a14:hiddenLine xmlns="" xmlns:a14="http://schemas.microsoft.com/office/drawing/2010/main" w="9525">
                 <a:solidFill>
                   <a:schemeClr val="tx1"/>
                 </a:solidFill>
@@ -13443,7 +13341,7 @@
               </a14:hiddenLine>
             </a:ext>
             <a:ext uri="{AF507438-7753-43e0-B8FC-AC1667EBCBE1}">
-              <a14:hiddenEffects xmlns:a14="http://schemas.microsoft.com/office/drawing/2010/main" xmlns="">
+              <a14:hiddenEffects xmlns="" xmlns:a14="http://schemas.microsoft.com/office/drawing/2010/main">
                 <a:effectLst>
                   <a:outerShdw blurRad="63500" dist="38099" dir="2700000" algn="ctr" rotWithShape="0">
                     <a:schemeClr val="bg2">
@@ -13491,14 +13389,14 @@
           <a:effectLst/>
           <a:extLst>
             <a:ext uri="{909E8E84-426E-40dd-AFC4-6F175D3DCCD1}">
-              <a14:hiddenFill xmlns:a14="http://schemas.microsoft.com/office/drawing/2010/main" xmlns="">
+              <a14:hiddenFill xmlns="" xmlns:a14="http://schemas.microsoft.com/office/drawing/2010/main">
                 <a:solidFill>
                   <a:schemeClr val="accent1"/>
                 </a:solidFill>
               </a14:hiddenFill>
             </a:ext>
             <a:ext uri="{91240B29-F687-4f45-9708-019B960494DF}">
-              <a14:hiddenLine xmlns:a14="http://schemas.microsoft.com/office/drawing/2010/main" xmlns="" w="9525">
+              <a14:hiddenLine xmlns="" xmlns:a14="http://schemas.microsoft.com/office/drawing/2010/main" w="9525">
                 <a:solidFill>
                   <a:schemeClr val="tx1"/>
                 </a:solidFill>
@@ -13508,7 +13406,7 @@
               </a14:hiddenLine>
             </a:ext>
             <a:ext uri="{AF507438-7753-43e0-B8FC-AC1667EBCBE1}">
-              <a14:hiddenEffects xmlns:a14="http://schemas.microsoft.com/office/drawing/2010/main" xmlns="">
+              <a14:hiddenEffects xmlns="" xmlns:a14="http://schemas.microsoft.com/office/drawing/2010/main">
                 <a:effectLst>
                   <a:outerShdw blurRad="63500" dist="38099" dir="2700000" algn="ctr" rotWithShape="0">
                     <a:schemeClr val="bg2">
@@ -13556,14 +13454,14 @@
           <a:effectLst/>
           <a:extLst>
             <a:ext uri="{909E8E84-426E-40dd-AFC4-6F175D3DCCD1}">
-              <a14:hiddenFill xmlns:a14="http://schemas.microsoft.com/office/drawing/2010/main" xmlns="">
+              <a14:hiddenFill xmlns="" xmlns:a14="http://schemas.microsoft.com/office/drawing/2010/main">
                 <a:solidFill>
                   <a:schemeClr val="accent1"/>
                 </a:solidFill>
               </a14:hiddenFill>
             </a:ext>
             <a:ext uri="{91240B29-F687-4f45-9708-019B960494DF}">
-              <a14:hiddenLine xmlns:a14="http://schemas.microsoft.com/office/drawing/2010/main" xmlns="" w="9525">
+              <a14:hiddenLine xmlns="" xmlns:a14="http://schemas.microsoft.com/office/drawing/2010/main" w="9525">
                 <a:solidFill>
                   <a:schemeClr val="tx1"/>
                 </a:solidFill>
@@ -13573,7 +13471,7 @@
               </a14:hiddenLine>
             </a:ext>
             <a:ext uri="{AF507438-7753-43e0-B8FC-AC1667EBCBE1}">
-              <a14:hiddenEffects xmlns:a14="http://schemas.microsoft.com/office/drawing/2010/main" xmlns="">
+              <a14:hiddenEffects xmlns="" xmlns:a14="http://schemas.microsoft.com/office/drawing/2010/main">
                 <a:effectLst>
                   <a:outerShdw blurRad="63500" dist="38099" dir="2700000" algn="ctr" rotWithShape="0">
                     <a:schemeClr val="bg2">
@@ -13626,12 +13524,12 @@
           <a:effectLst/>
           <a:extLst>
             <a:ext uri="{909E8E84-426E-40dd-AFC4-6F175D3DCCD1}">
-              <a14:hiddenFill xmlns:a14="http://schemas.microsoft.com/office/drawing/2010/main" xmlns="">
+              <a14:hiddenFill xmlns="" xmlns:a14="http://schemas.microsoft.com/office/drawing/2010/main">
                 <a:noFill/>
               </a14:hiddenFill>
             </a:ext>
             <a:ext uri="{AF507438-7753-43e0-B8FC-AC1667EBCBE1}">
-              <a14:hiddenEffects xmlns:a14="http://schemas.microsoft.com/office/drawing/2010/main" xmlns="">
+              <a14:hiddenEffects xmlns="" xmlns:a14="http://schemas.microsoft.com/office/drawing/2010/main">
                 <a:effectLst>
                   <a:outerShdw blurRad="63500" dist="38099" dir="2700000" algn="ctr" rotWithShape="0">
                     <a:schemeClr val="bg2">
@@ -13679,12 +13577,12 @@
           <a:effectLst/>
           <a:extLst>
             <a:ext uri="{909E8E84-426E-40dd-AFC4-6F175D3DCCD1}">
-              <a14:hiddenFill xmlns:a14="http://schemas.microsoft.com/office/drawing/2010/main" xmlns="">
+              <a14:hiddenFill xmlns="" xmlns:a14="http://schemas.microsoft.com/office/drawing/2010/main">
                 <a:noFill/>
               </a14:hiddenFill>
             </a:ext>
             <a:ext uri="{AF507438-7753-43e0-B8FC-AC1667EBCBE1}">
-              <a14:hiddenEffects xmlns:a14="http://schemas.microsoft.com/office/drawing/2010/main" xmlns="">
+              <a14:hiddenEffects xmlns="" xmlns:a14="http://schemas.microsoft.com/office/drawing/2010/main">
                 <a:effectLst>
                   <a:outerShdw blurRad="63500" dist="38099" dir="2700000" algn="ctr" rotWithShape="0">
                     <a:schemeClr val="bg2">
@@ -13732,12 +13630,12 @@
           <a:effectLst/>
           <a:extLst>
             <a:ext uri="{909E8E84-426E-40dd-AFC4-6F175D3DCCD1}">
-              <a14:hiddenFill xmlns:a14="http://schemas.microsoft.com/office/drawing/2010/main" xmlns="">
+              <a14:hiddenFill xmlns="" xmlns:a14="http://schemas.microsoft.com/office/drawing/2010/main">
                 <a:noFill/>
               </a14:hiddenFill>
             </a:ext>
             <a:ext uri="{AF507438-7753-43e0-B8FC-AC1667EBCBE1}">
-              <a14:hiddenEffects xmlns:a14="http://schemas.microsoft.com/office/drawing/2010/main" xmlns="">
+              <a14:hiddenEffects xmlns="" xmlns:a14="http://schemas.microsoft.com/office/drawing/2010/main">
                 <a:effectLst>
                   <a:outerShdw blurRad="63500" dist="38099" dir="2700000" algn="ctr" rotWithShape="0">
                     <a:schemeClr val="bg2">
@@ -13785,14 +13683,14 @@
           <a:effectLst/>
           <a:extLst>
             <a:ext uri="{909E8E84-426E-40dd-AFC4-6F175D3DCCD1}">
-              <a14:hiddenFill xmlns:a14="http://schemas.microsoft.com/office/drawing/2010/main" xmlns="">
+              <a14:hiddenFill xmlns="" xmlns:a14="http://schemas.microsoft.com/office/drawing/2010/main">
                 <a:solidFill>
                   <a:schemeClr val="accent1"/>
                 </a:solidFill>
               </a14:hiddenFill>
             </a:ext>
             <a:ext uri="{AF507438-7753-43e0-B8FC-AC1667EBCBE1}">
-              <a14:hiddenEffects xmlns:a14="http://schemas.microsoft.com/office/drawing/2010/main" xmlns="">
+              <a14:hiddenEffects xmlns="" xmlns:a14="http://schemas.microsoft.com/office/drawing/2010/main">
                 <a:effectLst>
                   <a:outerShdw blurRad="63500" dist="38099" dir="2700000" algn="ctr" rotWithShape="0">
                     <a:schemeClr val="bg2">
@@ -13914,14 +13812,14 @@
           <a:effectLst/>
           <a:extLst>
             <a:ext uri="{909E8E84-426E-40dd-AFC4-6F175D3DCCD1}">
-              <a14:hiddenFill xmlns:a14="http://schemas.microsoft.com/office/drawing/2010/main" xmlns="">
+              <a14:hiddenFill xmlns="" xmlns:a14="http://schemas.microsoft.com/office/drawing/2010/main">
                 <a:solidFill>
                   <a:schemeClr val="accent1"/>
                 </a:solidFill>
               </a14:hiddenFill>
             </a:ext>
             <a:ext uri="{AF507438-7753-43e0-B8FC-AC1667EBCBE1}">
-              <a14:hiddenEffects xmlns:a14="http://schemas.microsoft.com/office/drawing/2010/main" xmlns="">
+              <a14:hiddenEffects xmlns="" xmlns:a14="http://schemas.microsoft.com/office/drawing/2010/main">
                 <a:effectLst>
                   <a:outerShdw blurRad="63500" dist="38099" dir="2700000" algn="ctr" rotWithShape="0">
                     <a:schemeClr val="bg2">
@@ -13964,14 +13862,14 @@
           <a:effectLst/>
           <a:extLst>
             <a:ext uri="{909E8E84-426E-40dd-AFC4-6F175D3DCCD1}">
-              <a14:hiddenFill xmlns:a14="http://schemas.microsoft.com/office/drawing/2010/main" xmlns="">
+              <a14:hiddenFill xmlns="" xmlns:a14="http://schemas.microsoft.com/office/drawing/2010/main">
                 <a:solidFill>
                   <a:schemeClr val="accent1"/>
                 </a:solidFill>
               </a14:hiddenFill>
             </a:ext>
             <a:ext uri="{91240B29-F687-4f45-9708-019B960494DF}">
-              <a14:hiddenLine xmlns:a14="http://schemas.microsoft.com/office/drawing/2010/main" xmlns="" w="9525">
+              <a14:hiddenLine xmlns="" xmlns:a14="http://schemas.microsoft.com/office/drawing/2010/main" w="9525">
                 <a:solidFill>
                   <a:schemeClr val="tx1"/>
                 </a:solidFill>
@@ -13981,7 +13879,7 @@
               </a14:hiddenLine>
             </a:ext>
             <a:ext uri="{AF507438-7753-43e0-B8FC-AC1667EBCBE1}">
-              <a14:hiddenEffects xmlns:a14="http://schemas.microsoft.com/office/drawing/2010/main" xmlns="">
+              <a14:hiddenEffects xmlns="" xmlns:a14="http://schemas.microsoft.com/office/drawing/2010/main">
                 <a:effectLst>
                   <a:outerShdw blurRad="63500" dist="38099" dir="2700000" algn="ctr" rotWithShape="0">
                     <a:schemeClr val="bg2">
@@ -14029,14 +13927,14 @@
           <a:effectLst/>
           <a:extLst>
             <a:ext uri="{909E8E84-426E-40dd-AFC4-6F175D3DCCD1}">
-              <a14:hiddenFill xmlns:a14="http://schemas.microsoft.com/office/drawing/2010/main" xmlns="">
+              <a14:hiddenFill xmlns="" xmlns:a14="http://schemas.microsoft.com/office/drawing/2010/main">
                 <a:solidFill>
                   <a:schemeClr val="accent1"/>
                 </a:solidFill>
               </a14:hiddenFill>
             </a:ext>
             <a:ext uri="{91240B29-F687-4f45-9708-019B960494DF}">
-              <a14:hiddenLine xmlns:a14="http://schemas.microsoft.com/office/drawing/2010/main" xmlns="" w="9525">
+              <a14:hiddenLine xmlns="" xmlns:a14="http://schemas.microsoft.com/office/drawing/2010/main" w="9525">
                 <a:solidFill>
                   <a:schemeClr val="tx1"/>
                 </a:solidFill>
@@ -14046,7 +13944,7 @@
               </a14:hiddenLine>
             </a:ext>
             <a:ext uri="{AF507438-7753-43e0-B8FC-AC1667EBCBE1}">
-              <a14:hiddenEffects xmlns:a14="http://schemas.microsoft.com/office/drawing/2010/main" xmlns="">
+              <a14:hiddenEffects xmlns="" xmlns:a14="http://schemas.microsoft.com/office/drawing/2010/main">
                 <a:effectLst>
                   <a:outerShdw blurRad="63500" dist="38099" dir="2700000" algn="ctr" rotWithShape="0">
                     <a:schemeClr val="bg2">
@@ -14105,12 +14003,12 @@
           <a:effectLst/>
           <a:extLst>
             <a:ext uri="{909E8E84-426E-40dd-AFC4-6F175D3DCCD1}">
-              <a14:hiddenFill xmlns:a14="http://schemas.microsoft.com/office/drawing/2010/main" xmlns="">
+              <a14:hiddenFill xmlns="" xmlns:a14="http://schemas.microsoft.com/office/drawing/2010/main">
                 <a:noFill/>
               </a14:hiddenFill>
             </a:ext>
             <a:ext uri="{AF507438-7753-43e0-B8FC-AC1667EBCBE1}">
-              <a14:hiddenEffects xmlns:a14="http://schemas.microsoft.com/office/drawing/2010/main" xmlns="">
+              <a14:hiddenEffects xmlns="" xmlns:a14="http://schemas.microsoft.com/office/drawing/2010/main">
                 <a:effectLst>
                   <a:outerShdw blurRad="63500" dist="38099" dir="2700000" algn="ctr" rotWithShape="0">
                     <a:schemeClr val="bg2">
@@ -14161,14 +14059,14 @@
           <a:effectLst/>
           <a:extLst>
             <a:ext uri="{909E8E84-426E-40dd-AFC4-6F175D3DCCD1}">
-              <a14:hiddenFill xmlns:a14="http://schemas.microsoft.com/office/drawing/2010/main" xmlns="">
+              <a14:hiddenFill xmlns="" xmlns:a14="http://schemas.microsoft.com/office/drawing/2010/main">
                 <a:solidFill>
                   <a:schemeClr val="accent1"/>
                 </a:solidFill>
               </a14:hiddenFill>
             </a:ext>
             <a:ext uri="{AF507438-7753-43e0-B8FC-AC1667EBCBE1}">
-              <a14:hiddenEffects xmlns:a14="http://schemas.microsoft.com/office/drawing/2010/main" xmlns="">
+              <a14:hiddenEffects xmlns="" xmlns:a14="http://schemas.microsoft.com/office/drawing/2010/main">
                 <a:effectLst>
                   <a:outerShdw blurRad="63500" dist="38099" dir="2700000" algn="ctr" rotWithShape="0">
                     <a:schemeClr val="bg2">
@@ -14211,14 +14109,14 @@
           <a:effectLst/>
           <a:extLst>
             <a:ext uri="{909E8E84-426E-40dd-AFC4-6F175D3DCCD1}">
-              <a14:hiddenFill xmlns:a14="http://schemas.microsoft.com/office/drawing/2010/main" xmlns="">
+              <a14:hiddenFill xmlns="" xmlns:a14="http://schemas.microsoft.com/office/drawing/2010/main">
                 <a:solidFill>
                   <a:schemeClr val="accent1"/>
                 </a:solidFill>
               </a14:hiddenFill>
             </a:ext>
             <a:ext uri="{91240B29-F687-4f45-9708-019B960494DF}">
-              <a14:hiddenLine xmlns:a14="http://schemas.microsoft.com/office/drawing/2010/main" xmlns="" w="9525">
+              <a14:hiddenLine xmlns="" xmlns:a14="http://schemas.microsoft.com/office/drawing/2010/main" w="9525">
                 <a:solidFill>
                   <a:schemeClr val="tx1"/>
                 </a:solidFill>
@@ -14228,7 +14126,7 @@
               </a14:hiddenLine>
             </a:ext>
             <a:ext uri="{AF507438-7753-43e0-B8FC-AC1667EBCBE1}">
-              <a14:hiddenEffects xmlns:a14="http://schemas.microsoft.com/office/drawing/2010/main" xmlns="">
+              <a14:hiddenEffects xmlns="" xmlns:a14="http://schemas.microsoft.com/office/drawing/2010/main">
                 <a:effectLst>
                   <a:outerShdw blurRad="63500" dist="38099" dir="2700000" algn="ctr" rotWithShape="0">
                     <a:schemeClr val="bg2">
@@ -14276,14 +14174,14 @@
           <a:effectLst/>
           <a:extLst>
             <a:ext uri="{909E8E84-426E-40dd-AFC4-6F175D3DCCD1}">
-              <a14:hiddenFill xmlns:a14="http://schemas.microsoft.com/office/drawing/2010/main" xmlns="">
+              <a14:hiddenFill xmlns="" xmlns:a14="http://schemas.microsoft.com/office/drawing/2010/main">
                 <a:solidFill>
                   <a:schemeClr val="accent1"/>
                 </a:solidFill>
               </a14:hiddenFill>
             </a:ext>
             <a:ext uri="{91240B29-F687-4f45-9708-019B960494DF}">
-              <a14:hiddenLine xmlns:a14="http://schemas.microsoft.com/office/drawing/2010/main" xmlns="" w="9525">
+              <a14:hiddenLine xmlns="" xmlns:a14="http://schemas.microsoft.com/office/drawing/2010/main" w="9525">
                 <a:solidFill>
                   <a:schemeClr val="tx1"/>
                 </a:solidFill>
@@ -14293,7 +14191,7 @@
               </a14:hiddenLine>
             </a:ext>
             <a:ext uri="{AF507438-7753-43e0-B8FC-AC1667EBCBE1}">
-              <a14:hiddenEffects xmlns:a14="http://schemas.microsoft.com/office/drawing/2010/main" xmlns="">
+              <a14:hiddenEffects xmlns="" xmlns:a14="http://schemas.microsoft.com/office/drawing/2010/main">
                 <a:effectLst>
                   <a:outerShdw blurRad="63500" dist="38099" dir="2700000" algn="ctr" rotWithShape="0">
                     <a:schemeClr val="bg2">
@@ -14357,7 +14255,7 @@
           </a:ln>
           <a:extLst>
             <a:ext uri="{909E8E84-426E-40dd-AFC4-6F175D3DCCD1}">
-              <a14:hiddenFill xmlns:a14="http://schemas.microsoft.com/office/drawing/2010/main" xmlns="">
+              <a14:hiddenFill xmlns="" xmlns:a14="http://schemas.microsoft.com/office/drawing/2010/main">
                 <a:solidFill>
                   <a:schemeClr val="accent1"/>
                 </a:solidFill>
@@ -14718,14 +14616,14 @@
           <a:effectLst/>
           <a:extLst>
             <a:ext uri="{909E8E84-426E-40dd-AFC4-6F175D3DCCD1}">
-              <a14:hiddenFill xmlns:a14="http://schemas.microsoft.com/office/drawing/2010/main" xmlns="">
+              <a14:hiddenFill xmlns="" xmlns:a14="http://schemas.microsoft.com/office/drawing/2010/main">
                 <a:solidFill>
                   <a:schemeClr val="accent1"/>
                 </a:solidFill>
               </a14:hiddenFill>
             </a:ext>
             <a:ext uri="{AF507438-7753-43e0-B8FC-AC1667EBCBE1}">
-              <a14:hiddenEffects xmlns:a14="http://schemas.microsoft.com/office/drawing/2010/main" xmlns="">
+              <a14:hiddenEffects xmlns="" xmlns:a14="http://schemas.microsoft.com/office/drawing/2010/main">
                 <a:effectLst>
                   <a:outerShdw blurRad="63500" dist="38099" dir="2700000" algn="ctr" rotWithShape="0">
                     <a:schemeClr val="bg2">
@@ -14773,14 +14671,14 @@
           <a:effectLst/>
           <a:extLst>
             <a:ext uri="{909E8E84-426E-40dd-AFC4-6F175D3DCCD1}">
-              <a14:hiddenFill xmlns:a14="http://schemas.microsoft.com/office/drawing/2010/main" xmlns="">
+              <a14:hiddenFill xmlns="" xmlns:a14="http://schemas.microsoft.com/office/drawing/2010/main">
                 <a:solidFill>
                   <a:schemeClr val="accent1"/>
                 </a:solidFill>
               </a14:hiddenFill>
             </a:ext>
             <a:ext uri="{91240B29-F687-4f45-9708-019B960494DF}">
-              <a14:hiddenLine xmlns:a14="http://schemas.microsoft.com/office/drawing/2010/main" xmlns="" w="9525">
+              <a14:hiddenLine xmlns="" xmlns:a14="http://schemas.microsoft.com/office/drawing/2010/main" w="9525">
                 <a:solidFill>
                   <a:schemeClr val="tx1"/>
                 </a:solidFill>
@@ -14790,7 +14688,7 @@
               </a14:hiddenLine>
             </a:ext>
             <a:ext uri="{AF507438-7753-43e0-B8FC-AC1667EBCBE1}">
-              <a14:hiddenEffects xmlns:a14="http://schemas.microsoft.com/office/drawing/2010/main" xmlns="">
+              <a14:hiddenEffects xmlns="" xmlns:a14="http://schemas.microsoft.com/office/drawing/2010/main">
                 <a:effectLst>
                   <a:outerShdw blurRad="63500" dist="38099" dir="2700000" algn="ctr" rotWithShape="0">
                     <a:schemeClr val="bg2">
@@ -14967,14 +14865,14 @@
           <a:effectLst/>
           <a:extLst>
             <a:ext uri="{909E8E84-426E-40dd-AFC4-6F175D3DCCD1}">
-              <a14:hiddenFill xmlns:a14="http://schemas.microsoft.com/office/drawing/2010/main" xmlns="">
+              <a14:hiddenFill xmlns="" xmlns:a14="http://schemas.microsoft.com/office/drawing/2010/main">
                 <a:solidFill>
                   <a:schemeClr val="accent1"/>
                 </a:solidFill>
               </a14:hiddenFill>
             </a:ext>
             <a:ext uri="{AF507438-7753-43e0-B8FC-AC1667EBCBE1}">
-              <a14:hiddenEffects xmlns:a14="http://schemas.microsoft.com/office/drawing/2010/main" xmlns="">
+              <a14:hiddenEffects xmlns="" xmlns:a14="http://schemas.microsoft.com/office/drawing/2010/main">
                 <a:effectLst>
                   <a:outerShdw blurRad="63500" dist="38099" dir="2700000" algn="ctr" rotWithShape="0">
                     <a:schemeClr val="bg2">
@@ -15093,14 +14991,14 @@
             <a:effectLst/>
             <a:extLst>
               <a:ext uri="{909E8E84-426E-40dd-AFC4-6F175D3DCCD1}">
-                <a14:hiddenFill xmlns:a14="http://schemas.microsoft.com/office/drawing/2010/main" xmlns="">
+                <a14:hiddenFill xmlns="" xmlns:a14="http://schemas.microsoft.com/office/drawing/2010/main">
                   <a:solidFill>
                     <a:schemeClr val="accent1"/>
                   </a:solidFill>
                 </a14:hiddenFill>
               </a:ext>
               <a:ext uri="{91240B29-F687-4f45-9708-019B960494DF}">
-                <a14:hiddenLine xmlns:a14="http://schemas.microsoft.com/office/drawing/2010/main" xmlns="" w="9525">
+                <a14:hiddenLine xmlns="" xmlns:a14="http://schemas.microsoft.com/office/drawing/2010/main" w="9525">
                   <a:solidFill>
                     <a:schemeClr val="tx1"/>
                   </a:solidFill>
@@ -15110,7 +15008,7 @@
                 </a14:hiddenLine>
               </a:ext>
               <a:ext uri="{AF507438-7753-43e0-B8FC-AC1667EBCBE1}">
-                <a14:hiddenEffects xmlns:a14="http://schemas.microsoft.com/office/drawing/2010/main" xmlns="">
+                <a14:hiddenEffects xmlns="" xmlns:a14="http://schemas.microsoft.com/office/drawing/2010/main">
                   <a:effectLst>
                     <a:outerShdw blurRad="63500" dist="38099" dir="2700000" algn="ctr" rotWithShape="0">
                       <a:schemeClr val="bg2">
@@ -15176,14 +15074,14 @@
             <a:effectLst/>
             <a:extLst>
               <a:ext uri="{909E8E84-426E-40dd-AFC4-6F175D3DCCD1}">
-                <a14:hiddenFill xmlns:a14="http://schemas.microsoft.com/office/drawing/2010/main" xmlns="">
+                <a14:hiddenFill xmlns="" xmlns:a14="http://schemas.microsoft.com/office/drawing/2010/main">
                   <a:solidFill>
                     <a:schemeClr val="accent1"/>
                   </a:solidFill>
                 </a14:hiddenFill>
               </a:ext>
               <a:ext uri="{AF507438-7753-43e0-B8FC-AC1667EBCBE1}">
-                <a14:hiddenEffects xmlns:a14="http://schemas.microsoft.com/office/drawing/2010/main" xmlns="">
+                <a14:hiddenEffects xmlns="" xmlns:a14="http://schemas.microsoft.com/office/drawing/2010/main">
                   <a:effectLst>
                     <a:outerShdw blurRad="63500" dist="38099" dir="2700000" algn="ctr" rotWithShape="0">
                       <a:schemeClr val="bg2">
@@ -15226,14 +15124,14 @@
             <a:effectLst/>
             <a:extLst>
               <a:ext uri="{909E8E84-426E-40dd-AFC4-6F175D3DCCD1}">
-                <a14:hiddenFill xmlns:a14="http://schemas.microsoft.com/office/drawing/2010/main" xmlns="">
+                <a14:hiddenFill xmlns="" xmlns:a14="http://schemas.microsoft.com/office/drawing/2010/main">
                   <a:solidFill>
                     <a:schemeClr val="accent1"/>
                   </a:solidFill>
                 </a14:hiddenFill>
               </a:ext>
               <a:ext uri="{91240B29-F687-4f45-9708-019B960494DF}">
-                <a14:hiddenLine xmlns:a14="http://schemas.microsoft.com/office/drawing/2010/main" xmlns="" w="9525">
+                <a14:hiddenLine xmlns="" xmlns:a14="http://schemas.microsoft.com/office/drawing/2010/main" w="9525">
                   <a:solidFill>
                     <a:schemeClr val="tx1"/>
                   </a:solidFill>
@@ -15243,7 +15141,7 @@
                 </a14:hiddenLine>
               </a:ext>
               <a:ext uri="{AF507438-7753-43e0-B8FC-AC1667EBCBE1}">
-                <a14:hiddenEffects xmlns:a14="http://schemas.microsoft.com/office/drawing/2010/main" xmlns="">
+                <a14:hiddenEffects xmlns="" xmlns:a14="http://schemas.microsoft.com/office/drawing/2010/main">
                   <a:effectLst>
                     <a:outerShdw blurRad="63500" dist="38099" dir="2700000" algn="ctr" rotWithShape="0">
                       <a:schemeClr val="bg2">
@@ -15313,14 +15211,14 @@
             <a:effectLst/>
             <a:extLst>
               <a:ext uri="{909E8E84-426E-40dd-AFC4-6F175D3DCCD1}">
-                <a14:hiddenFill xmlns:a14="http://schemas.microsoft.com/office/drawing/2010/main" xmlns="">
+                <a14:hiddenFill xmlns="" xmlns:a14="http://schemas.microsoft.com/office/drawing/2010/main">
                   <a:solidFill>
                     <a:schemeClr val="accent1"/>
                   </a:solidFill>
                 </a14:hiddenFill>
               </a:ext>
               <a:ext uri="{AF507438-7753-43e0-B8FC-AC1667EBCBE1}">
-                <a14:hiddenEffects xmlns:a14="http://schemas.microsoft.com/office/drawing/2010/main" xmlns="">
+                <a14:hiddenEffects xmlns="" xmlns:a14="http://schemas.microsoft.com/office/drawing/2010/main">
                   <a:effectLst>
                     <a:outerShdw blurRad="63500" dist="38099" dir="2700000" algn="ctr" rotWithShape="0">
                       <a:schemeClr val="bg2">
@@ -15363,14 +15261,14 @@
             <a:effectLst/>
             <a:extLst>
               <a:ext uri="{909E8E84-426E-40dd-AFC4-6F175D3DCCD1}">
-                <a14:hiddenFill xmlns:a14="http://schemas.microsoft.com/office/drawing/2010/main" xmlns="">
+                <a14:hiddenFill xmlns="" xmlns:a14="http://schemas.microsoft.com/office/drawing/2010/main">
                   <a:solidFill>
                     <a:schemeClr val="accent1"/>
                   </a:solidFill>
                 </a14:hiddenFill>
               </a:ext>
               <a:ext uri="{91240B29-F687-4f45-9708-019B960494DF}">
-                <a14:hiddenLine xmlns:a14="http://schemas.microsoft.com/office/drawing/2010/main" xmlns="" w="9525">
+                <a14:hiddenLine xmlns="" xmlns:a14="http://schemas.microsoft.com/office/drawing/2010/main" w="9525">
                   <a:solidFill>
                     <a:schemeClr val="tx1"/>
                   </a:solidFill>
@@ -15380,7 +15278,7 @@
                 </a14:hiddenLine>
               </a:ext>
               <a:ext uri="{AF507438-7753-43e0-B8FC-AC1667EBCBE1}">
-                <a14:hiddenEffects xmlns:a14="http://schemas.microsoft.com/office/drawing/2010/main" xmlns="">
+                <a14:hiddenEffects xmlns="" xmlns:a14="http://schemas.microsoft.com/office/drawing/2010/main">
                   <a:effectLst>
                     <a:outerShdw blurRad="63500" dist="38099" dir="2700000" algn="ctr" rotWithShape="0">
                       <a:schemeClr val="bg2">
@@ -15615,14 +15513,14 @@
           <a:effectLst/>
           <a:extLst>
             <a:ext uri="{909E8E84-426E-40dd-AFC4-6F175D3DCCD1}">
-              <a14:hiddenFill xmlns:a14="http://schemas.microsoft.com/office/drawing/2010/main" xmlns="">
+              <a14:hiddenFill xmlns="" xmlns:a14="http://schemas.microsoft.com/office/drawing/2010/main">
                 <a:solidFill>
                   <a:schemeClr val="accent1"/>
                 </a:solidFill>
               </a14:hiddenFill>
             </a:ext>
             <a:ext uri="{91240B29-F687-4f45-9708-019B960494DF}">
-              <a14:hiddenLine xmlns:a14="http://schemas.microsoft.com/office/drawing/2010/main" xmlns="" w="9525">
+              <a14:hiddenLine xmlns="" xmlns:a14="http://schemas.microsoft.com/office/drawing/2010/main" w="9525">
                 <a:solidFill>
                   <a:schemeClr val="tx1"/>
                 </a:solidFill>
@@ -15632,7 +15530,7 @@
               </a14:hiddenLine>
             </a:ext>
             <a:ext uri="{AF507438-7753-43e0-B8FC-AC1667EBCBE1}">
-              <a14:hiddenEffects xmlns:a14="http://schemas.microsoft.com/office/drawing/2010/main" xmlns="">
+              <a14:hiddenEffects xmlns="" xmlns:a14="http://schemas.microsoft.com/office/drawing/2010/main">
                 <a:effectLst>
                   <a:outerShdw blurRad="63500" dist="38099" dir="2700000" algn="ctr" rotWithShape="0">
                     <a:schemeClr val="bg2">
@@ -15681,14 +15579,14 @@
           <a:effectLst/>
           <a:extLst>
             <a:ext uri="{909E8E84-426E-40dd-AFC4-6F175D3DCCD1}">
-              <a14:hiddenFill xmlns:a14="http://schemas.microsoft.com/office/drawing/2010/main" xmlns="">
+              <a14:hiddenFill xmlns="" xmlns:a14="http://schemas.microsoft.com/office/drawing/2010/main">
                 <a:solidFill>
                   <a:schemeClr val="accent1"/>
                 </a:solidFill>
               </a14:hiddenFill>
             </a:ext>
             <a:ext uri="{91240B29-F687-4f45-9708-019B960494DF}">
-              <a14:hiddenLine xmlns:a14="http://schemas.microsoft.com/office/drawing/2010/main" xmlns="" w="9525">
+              <a14:hiddenLine xmlns="" xmlns:a14="http://schemas.microsoft.com/office/drawing/2010/main" w="9525">
                 <a:solidFill>
                   <a:schemeClr val="tx1"/>
                 </a:solidFill>
@@ -15698,7 +15596,7 @@
               </a14:hiddenLine>
             </a:ext>
             <a:ext uri="{AF507438-7753-43e0-B8FC-AC1667EBCBE1}">
-              <a14:hiddenEffects xmlns:a14="http://schemas.microsoft.com/office/drawing/2010/main" xmlns="">
+              <a14:hiddenEffects xmlns="" xmlns:a14="http://schemas.microsoft.com/office/drawing/2010/main">
                 <a:effectLst>
                   <a:outerShdw blurRad="63500" dist="38099" dir="2700000" algn="ctr" rotWithShape="0">
                     <a:schemeClr val="bg2">
@@ -15763,14 +15661,14 @@
           <a:effectLst/>
           <a:extLst>
             <a:ext uri="{909E8E84-426E-40dd-AFC4-6F175D3DCCD1}">
-              <a14:hiddenFill xmlns:a14="http://schemas.microsoft.com/office/drawing/2010/main" xmlns="">
+              <a14:hiddenFill xmlns="" xmlns:a14="http://schemas.microsoft.com/office/drawing/2010/main">
                 <a:solidFill>
                   <a:schemeClr val="accent1"/>
                 </a:solidFill>
               </a14:hiddenFill>
             </a:ext>
             <a:ext uri="{AF507438-7753-43e0-B8FC-AC1667EBCBE1}">
-              <a14:hiddenEffects xmlns:a14="http://schemas.microsoft.com/office/drawing/2010/main" xmlns="">
+              <a14:hiddenEffects xmlns="" xmlns:a14="http://schemas.microsoft.com/office/drawing/2010/main">
                 <a:effectLst>
                   <a:outerShdw blurRad="63500" dist="38099" dir="2700000" algn="ctr" rotWithShape="0">
                     <a:schemeClr val="bg2">
@@ -15813,14 +15711,14 @@
           <a:effectLst/>
           <a:extLst>
             <a:ext uri="{909E8E84-426E-40dd-AFC4-6F175D3DCCD1}">
-              <a14:hiddenFill xmlns:a14="http://schemas.microsoft.com/office/drawing/2010/main" xmlns="">
+              <a14:hiddenFill xmlns="" xmlns:a14="http://schemas.microsoft.com/office/drawing/2010/main">
                 <a:solidFill>
                   <a:schemeClr val="accent1"/>
                 </a:solidFill>
               </a14:hiddenFill>
             </a:ext>
             <a:ext uri="{91240B29-F687-4f45-9708-019B960494DF}">
-              <a14:hiddenLine xmlns:a14="http://schemas.microsoft.com/office/drawing/2010/main" xmlns="" w="9525">
+              <a14:hiddenLine xmlns="" xmlns:a14="http://schemas.microsoft.com/office/drawing/2010/main" w="9525">
                 <a:solidFill>
                   <a:schemeClr val="tx1"/>
                 </a:solidFill>
@@ -15830,7 +15728,7 @@
               </a14:hiddenLine>
             </a:ext>
             <a:ext uri="{AF507438-7753-43e0-B8FC-AC1667EBCBE1}">
-              <a14:hiddenEffects xmlns:a14="http://schemas.microsoft.com/office/drawing/2010/main" xmlns="">
+              <a14:hiddenEffects xmlns="" xmlns:a14="http://schemas.microsoft.com/office/drawing/2010/main">
                 <a:effectLst>
                   <a:outerShdw blurRad="63500" dist="38099" dir="2700000" algn="ctr" rotWithShape="0">
                     <a:schemeClr val="bg2">
@@ -15952,14 +15850,14 @@
           <a:effectLst/>
           <a:extLst>
             <a:ext uri="{909E8E84-426E-40dd-AFC4-6F175D3DCCD1}">
-              <a14:hiddenFill xmlns:a14="http://schemas.microsoft.com/office/drawing/2010/main" xmlns="">
+              <a14:hiddenFill xmlns="" xmlns:a14="http://schemas.microsoft.com/office/drawing/2010/main">
                 <a:solidFill>
                   <a:schemeClr val="accent1"/>
                 </a:solidFill>
               </a14:hiddenFill>
             </a:ext>
             <a:ext uri="{91240B29-F687-4f45-9708-019B960494DF}">
-              <a14:hiddenLine xmlns:a14="http://schemas.microsoft.com/office/drawing/2010/main" xmlns="" w="9525">
+              <a14:hiddenLine xmlns="" xmlns:a14="http://schemas.microsoft.com/office/drawing/2010/main" w="9525">
                 <a:solidFill>
                   <a:schemeClr val="tx1"/>
                 </a:solidFill>
@@ -15969,7 +15867,7 @@
               </a14:hiddenLine>
             </a:ext>
             <a:ext uri="{AF507438-7753-43e0-B8FC-AC1667EBCBE1}">
-              <a14:hiddenEffects xmlns:a14="http://schemas.microsoft.com/office/drawing/2010/main" xmlns="">
+              <a14:hiddenEffects xmlns="" xmlns:a14="http://schemas.microsoft.com/office/drawing/2010/main">
                 <a:effectLst>
                   <a:outerShdw blurRad="63500" dist="38099" dir="2700000" algn="ctr" rotWithShape="0">
                     <a:schemeClr val="bg2">
@@ -16018,14 +15916,14 @@
           <a:effectLst/>
           <a:extLst>
             <a:ext uri="{909E8E84-426E-40dd-AFC4-6F175D3DCCD1}">
-              <a14:hiddenFill xmlns:a14="http://schemas.microsoft.com/office/drawing/2010/main" xmlns="">
+              <a14:hiddenFill xmlns="" xmlns:a14="http://schemas.microsoft.com/office/drawing/2010/main">
                 <a:solidFill>
                   <a:schemeClr val="accent1"/>
                 </a:solidFill>
               </a14:hiddenFill>
             </a:ext>
             <a:ext uri="{91240B29-F687-4f45-9708-019B960494DF}">
-              <a14:hiddenLine xmlns:a14="http://schemas.microsoft.com/office/drawing/2010/main" xmlns="" w="9525">
+              <a14:hiddenLine xmlns="" xmlns:a14="http://schemas.microsoft.com/office/drawing/2010/main" w="9525">
                 <a:solidFill>
                   <a:schemeClr val="tx1"/>
                 </a:solidFill>
@@ -16035,7 +15933,7 @@
               </a14:hiddenLine>
             </a:ext>
             <a:ext uri="{AF507438-7753-43e0-B8FC-AC1667EBCBE1}">
-              <a14:hiddenEffects xmlns:a14="http://schemas.microsoft.com/office/drawing/2010/main" xmlns="">
+              <a14:hiddenEffects xmlns="" xmlns:a14="http://schemas.microsoft.com/office/drawing/2010/main">
                 <a:effectLst>
                   <a:outerShdw blurRad="63500" dist="38099" dir="2700000" algn="ctr" rotWithShape="0">
                     <a:schemeClr val="bg2">
@@ -16091,14 +15989,14 @@
           <a:effectLst/>
           <a:extLst>
             <a:ext uri="{909E8E84-426E-40dd-AFC4-6F175D3DCCD1}">
-              <a14:hiddenFill xmlns:a14="http://schemas.microsoft.com/office/drawing/2010/main" xmlns="">
+              <a14:hiddenFill xmlns="" xmlns:a14="http://schemas.microsoft.com/office/drawing/2010/main">
                 <a:solidFill>
                   <a:schemeClr val="accent1"/>
                 </a:solidFill>
               </a14:hiddenFill>
             </a:ext>
             <a:ext uri="{AF507438-7753-43e0-B8FC-AC1667EBCBE1}">
-              <a14:hiddenEffects xmlns:a14="http://schemas.microsoft.com/office/drawing/2010/main" xmlns="">
+              <a14:hiddenEffects xmlns="" xmlns:a14="http://schemas.microsoft.com/office/drawing/2010/main">
                 <a:effectLst>
                   <a:outerShdw blurRad="63500" dist="38099" dir="2700000" algn="ctr" rotWithShape="0">
                     <a:schemeClr val="bg2">
@@ -16141,14 +16039,14 @@
           <a:effectLst/>
           <a:extLst>
             <a:ext uri="{909E8E84-426E-40dd-AFC4-6F175D3DCCD1}">
-              <a14:hiddenFill xmlns:a14="http://schemas.microsoft.com/office/drawing/2010/main" xmlns="">
+              <a14:hiddenFill xmlns="" xmlns:a14="http://schemas.microsoft.com/office/drawing/2010/main">
                 <a:solidFill>
                   <a:schemeClr val="accent1"/>
                 </a:solidFill>
               </a14:hiddenFill>
             </a:ext>
             <a:ext uri="{91240B29-F687-4f45-9708-019B960494DF}">
-              <a14:hiddenLine xmlns:a14="http://schemas.microsoft.com/office/drawing/2010/main" xmlns="" w="9525">
+              <a14:hiddenLine xmlns="" xmlns:a14="http://schemas.microsoft.com/office/drawing/2010/main" w="9525">
                 <a:solidFill>
                   <a:schemeClr val="tx1"/>
                 </a:solidFill>
@@ -16158,7 +16056,7 @@
               </a14:hiddenLine>
             </a:ext>
             <a:ext uri="{AF507438-7753-43e0-B8FC-AC1667EBCBE1}">
-              <a14:hiddenEffects xmlns:a14="http://schemas.microsoft.com/office/drawing/2010/main" xmlns="">
+              <a14:hiddenEffects xmlns="" xmlns:a14="http://schemas.microsoft.com/office/drawing/2010/main">
                 <a:effectLst>
                   <a:outerShdw blurRad="63500" dist="38099" dir="2700000" algn="ctr" rotWithShape="0">
                     <a:schemeClr val="bg2">
@@ -16213,14 +16111,14 @@
           <a:effectLst/>
           <a:extLst>
             <a:ext uri="{909E8E84-426E-40dd-AFC4-6F175D3DCCD1}">
-              <a14:hiddenFill xmlns:a14="http://schemas.microsoft.com/office/drawing/2010/main" xmlns="">
+              <a14:hiddenFill xmlns="" xmlns:a14="http://schemas.microsoft.com/office/drawing/2010/main">
                 <a:solidFill>
                   <a:schemeClr val="accent1"/>
                 </a:solidFill>
               </a14:hiddenFill>
             </a:ext>
             <a:ext uri="{91240B29-F687-4f45-9708-019B960494DF}">
-              <a14:hiddenLine xmlns:a14="http://schemas.microsoft.com/office/drawing/2010/main" xmlns="" w="9525">
+              <a14:hiddenLine xmlns="" xmlns:a14="http://schemas.microsoft.com/office/drawing/2010/main" w="9525">
                 <a:solidFill>
                   <a:schemeClr val="tx1"/>
                 </a:solidFill>
@@ -16230,7 +16128,7 @@
               </a14:hiddenLine>
             </a:ext>
             <a:ext uri="{AF507438-7753-43e0-B8FC-AC1667EBCBE1}">
-              <a14:hiddenEffects xmlns:a14="http://schemas.microsoft.com/office/drawing/2010/main" xmlns="">
+              <a14:hiddenEffects xmlns="" xmlns:a14="http://schemas.microsoft.com/office/drawing/2010/main">
                 <a:effectLst>
                   <a:outerShdw blurRad="63500" dist="38099" dir="2700000" algn="ctr" rotWithShape="0">
                     <a:schemeClr val="bg2">
@@ -16283,14 +16181,14 @@
           </a:ln>
           <a:extLst>
             <a:ext uri="{909E8E84-426E-40dd-AFC4-6F175D3DCCD1}">
-              <a14:hiddenFill xmlns:a14="http://schemas.microsoft.com/office/drawing/2010/main" xmlns="">
+              <a14:hiddenFill xmlns="" xmlns:a14="http://schemas.microsoft.com/office/drawing/2010/main">
                 <a:solidFill>
                   <a:schemeClr val="accent1"/>
                 </a:solidFill>
               </a14:hiddenFill>
             </a:ext>
             <a:ext uri="{91240B29-F687-4f45-9708-019B960494DF}">
-              <a14:hiddenLine xmlns:a14="http://schemas.microsoft.com/office/drawing/2010/main" xmlns="" w="9525">
+              <a14:hiddenLine xmlns="" xmlns:a14="http://schemas.microsoft.com/office/drawing/2010/main" w="9525">
                 <a:solidFill>
                   <a:schemeClr val="tx1"/>
                 </a:solidFill>
@@ -16483,14 +16381,14 @@
           <a:effectLst/>
           <a:extLst>
             <a:ext uri="{909E8E84-426E-40dd-AFC4-6F175D3DCCD1}">
-              <a14:hiddenFill xmlns:a14="http://schemas.microsoft.com/office/drawing/2010/main" xmlns="">
+              <a14:hiddenFill xmlns="" xmlns:a14="http://schemas.microsoft.com/office/drawing/2010/main">
                 <a:solidFill>
                   <a:schemeClr val="accent1"/>
                 </a:solidFill>
               </a14:hiddenFill>
             </a:ext>
             <a:ext uri="{AF507438-7753-43e0-B8FC-AC1667EBCBE1}">
-              <a14:hiddenEffects xmlns:a14="http://schemas.microsoft.com/office/drawing/2010/main" xmlns="">
+              <a14:hiddenEffects xmlns="" xmlns:a14="http://schemas.microsoft.com/office/drawing/2010/main">
                 <a:effectLst>
                   <a:outerShdw blurRad="63500" dist="38099" dir="2700000" algn="ctr" rotWithShape="0">
                     <a:schemeClr val="bg2">
@@ -16559,14 +16457,14 @@
           <a:effectLst/>
           <a:extLst>
             <a:ext uri="{909E8E84-426E-40dd-AFC4-6F175D3DCCD1}">
-              <a14:hiddenFill xmlns:a14="http://schemas.microsoft.com/office/drawing/2010/main" xmlns="">
+              <a14:hiddenFill xmlns="" xmlns:a14="http://schemas.microsoft.com/office/drawing/2010/main">
                 <a:solidFill>
                   <a:schemeClr val="accent1"/>
                 </a:solidFill>
               </a14:hiddenFill>
             </a:ext>
             <a:ext uri="{91240B29-F687-4f45-9708-019B960494DF}">
-              <a14:hiddenLine xmlns:a14="http://schemas.microsoft.com/office/drawing/2010/main" xmlns="" w="9525">
+              <a14:hiddenLine xmlns="" xmlns:a14="http://schemas.microsoft.com/office/drawing/2010/main" w="9525">
                 <a:solidFill>
                   <a:schemeClr val="tx1"/>
                 </a:solidFill>
@@ -16576,7 +16474,7 @@
               </a14:hiddenLine>
             </a:ext>
             <a:ext uri="{AF507438-7753-43e0-B8FC-AC1667EBCBE1}">
-              <a14:hiddenEffects xmlns:a14="http://schemas.microsoft.com/office/drawing/2010/main" xmlns="">
+              <a14:hiddenEffects xmlns="" xmlns:a14="http://schemas.microsoft.com/office/drawing/2010/main">
                 <a:effectLst>
                   <a:outerShdw blurRad="63500" dist="38099" dir="2700000" algn="ctr" rotWithShape="0">
                     <a:schemeClr val="bg2">
@@ -16738,14 +16636,14 @@
           <a:effectLst/>
           <a:extLst>
             <a:ext uri="{909E8E84-426E-40dd-AFC4-6F175D3DCCD1}">
-              <a14:hiddenFill xmlns:a14="http://schemas.microsoft.com/office/drawing/2010/main" xmlns="">
+              <a14:hiddenFill xmlns="" xmlns:a14="http://schemas.microsoft.com/office/drawing/2010/main">
                 <a:solidFill>
                   <a:schemeClr val="accent1"/>
                 </a:solidFill>
               </a14:hiddenFill>
             </a:ext>
             <a:ext uri="{91240B29-F687-4f45-9708-019B960494DF}">
-              <a14:hiddenLine xmlns:a14="http://schemas.microsoft.com/office/drawing/2010/main" xmlns="" w="9525">
+              <a14:hiddenLine xmlns="" xmlns:a14="http://schemas.microsoft.com/office/drawing/2010/main" w="9525">
                 <a:solidFill>
                   <a:schemeClr val="tx1"/>
                 </a:solidFill>
@@ -16755,7 +16653,7 @@
               </a14:hiddenLine>
             </a:ext>
             <a:ext uri="{AF507438-7753-43e0-B8FC-AC1667EBCBE1}">
-              <a14:hiddenEffects xmlns:a14="http://schemas.microsoft.com/office/drawing/2010/main" xmlns="">
+              <a14:hiddenEffects xmlns="" xmlns:a14="http://schemas.microsoft.com/office/drawing/2010/main">
                 <a:effectLst>
                   <a:outerShdw blurRad="63500" dist="38099" dir="2700000" algn="ctr" rotWithShape="0">
                     <a:schemeClr val="bg2">
@@ -16989,14 +16887,14 @@
           <a:effectLst/>
           <a:extLst>
             <a:ext uri="{909E8E84-426E-40dd-AFC4-6F175D3DCCD1}">
-              <a14:hiddenFill xmlns:a14="http://schemas.microsoft.com/office/drawing/2010/main" xmlns="">
+              <a14:hiddenFill xmlns="" xmlns:a14="http://schemas.microsoft.com/office/drawing/2010/main">
                 <a:solidFill>
                   <a:schemeClr val="accent1"/>
                 </a:solidFill>
               </a14:hiddenFill>
             </a:ext>
             <a:ext uri="{91240B29-F687-4f45-9708-019B960494DF}">
-              <a14:hiddenLine xmlns:a14="http://schemas.microsoft.com/office/drawing/2010/main" xmlns="" w="9525">
+              <a14:hiddenLine xmlns="" xmlns:a14="http://schemas.microsoft.com/office/drawing/2010/main" w="9525">
                 <a:solidFill>
                   <a:schemeClr val="tx1"/>
                 </a:solidFill>
@@ -17006,7 +16904,7 @@
               </a14:hiddenLine>
             </a:ext>
             <a:ext uri="{AF507438-7753-43e0-B8FC-AC1667EBCBE1}">
-              <a14:hiddenEffects xmlns:a14="http://schemas.microsoft.com/office/drawing/2010/main" xmlns="">
+              <a14:hiddenEffects xmlns="" xmlns:a14="http://schemas.microsoft.com/office/drawing/2010/main">
                 <a:effectLst>
                   <a:outerShdw blurRad="63500" dist="38099" dir="2700000" algn="ctr" rotWithShape="0">
                     <a:schemeClr val="bg2">
@@ -17025,16 +16923,16 @@
           <a:lstStyle/>
           <a:p>
             <a:r>
-              <a:rPr lang="en-US" sz="1600"/>
+              <a:rPr lang="en-US" sz="1600" dirty="0"/>
               <a:t>Example: Java</a:t>
             </a:r>
           </a:p>
           <a:p>
-            <a:endParaRPr lang="en-US" sz="1600"/>
-          </a:p>
-          <a:p>
-            <a:r>
-              <a:rPr lang="en-US" sz="1600">
+            <a:endParaRPr lang="en-US" sz="1600" dirty="0"/>
+          </a:p>
+          <a:p>
+            <a:r>
+              <a:rPr lang="en-US" sz="1600" dirty="0">
                 <a:solidFill>
                   <a:srgbClr val="FF3300"/>
                 </a:solidFill>
@@ -17042,7 +16940,7 @@
               <a:t> </a:t>
             </a:r>
             <a:r>
-              <a:rPr lang="ja-JP" altLang="en-US" sz="1600">
+              <a:rPr lang="ja-JP" altLang="en-US" sz="1600" dirty="0">
                 <a:solidFill>
                   <a:srgbClr val="FF3300"/>
                 </a:solidFill>
@@ -17051,87 +16949,87 @@
               <a:t>‘</a:t>
             </a:r>
             <a:r>
-              <a:rPr lang="en-US" sz="1600"/>
+              <a:rPr lang="en-US" sz="1600" dirty="0"/>
               <a:t>Float</a:t>
             </a:r>
             <a:r>
-              <a:rPr lang="ja-JP" altLang="en-US" sz="1600">
+              <a:rPr lang="ja-JP" altLang="en-US" sz="1600" dirty="0">
                 <a:latin typeface="Arial"/>
               </a:rPr>
               <a:t>’</a:t>
             </a:r>
             <a:r>
-              <a:rPr lang="en-US" sz="1600"/>
+              <a:rPr lang="en-US" sz="1600" dirty="0"/>
               <a:t> is a subtype of </a:t>
             </a:r>
             <a:r>
-              <a:rPr lang="ja-JP" altLang="en-US" sz="1600">
+              <a:rPr lang="ja-JP" altLang="en-US" sz="1600" dirty="0">
                 <a:latin typeface="Arial"/>
               </a:rPr>
               <a:t>‘</a:t>
             </a:r>
             <a:r>
-              <a:rPr lang="en-US" sz="1600"/>
+              <a:rPr lang="en-US" sz="1600" dirty="0"/>
               <a:t>double</a:t>
             </a:r>
             <a:r>
-              <a:rPr lang="ja-JP" altLang="en-US" sz="1600">
+              <a:rPr lang="ja-JP" altLang="en-US" sz="1600" dirty="0">
                 <a:latin typeface="Arial"/>
               </a:rPr>
               <a:t>’</a:t>
             </a:r>
             <a:r>
-              <a:rPr lang="en-US" sz="1600"/>
+              <a:rPr lang="en-US" sz="1600" dirty="0"/>
               <a:t> (all the values in set </a:t>
             </a:r>
             <a:r>
-              <a:rPr lang="ja-JP" altLang="en-US" sz="1600">
+              <a:rPr lang="ja-JP" altLang="en-US" sz="1600" dirty="0">
                 <a:latin typeface="Arial"/>
               </a:rPr>
               <a:t>‘</a:t>
             </a:r>
             <a:r>
-              <a:rPr lang="en-US" sz="1600"/>
+              <a:rPr lang="en-US" sz="1600" dirty="0"/>
               <a:t>float</a:t>
             </a:r>
             <a:r>
-              <a:rPr lang="ja-JP" altLang="en-US" sz="1600">
+              <a:rPr lang="ja-JP" altLang="en-US" sz="1600" dirty="0">
                 <a:latin typeface="Arial"/>
               </a:rPr>
               <a:t>’</a:t>
             </a:r>
             <a:r>
-              <a:rPr lang="en-US" sz="1600"/>
+              <a:rPr lang="en-US" sz="1600" dirty="0"/>
               <a:t> are also</a:t>
             </a:r>
           </a:p>
           <a:p>
             <a:r>
-              <a:rPr lang="en-US" sz="1600"/>
+              <a:rPr lang="en-US" sz="1600" dirty="0"/>
               <a:t> in set </a:t>
             </a:r>
             <a:r>
-              <a:rPr lang="ja-JP" altLang="en-US" sz="1600">
+              <a:rPr lang="ja-JP" altLang="en-US" sz="1600" dirty="0">
                 <a:latin typeface="Arial"/>
               </a:rPr>
               <a:t>‘</a:t>
             </a:r>
             <a:r>
-              <a:rPr lang="en-US" sz="1600"/>
+              <a:rPr lang="en-US" sz="1600" dirty="0"/>
               <a:t>double)</a:t>
             </a:r>
             <a:r>
-              <a:rPr lang="ja-JP" altLang="en-US" sz="1600">
+              <a:rPr lang="ja-JP" altLang="en-US" sz="1600" dirty="0">
                 <a:latin typeface="Arial"/>
               </a:rPr>
               <a:t>’</a:t>
             </a:r>
             <a:r>
-              <a:rPr lang="en-US" sz="1600"/>
+              <a:rPr lang="en-US" sz="1600" dirty="0"/>
               <a:t>:  </a:t>
             </a:r>
             <a:r>
-              <a:rPr lang="en-US" sz="1600">
+              <a:rPr lang="en-US" sz="1600" dirty="0">
                 <a:solidFill>
                   <a:srgbClr val="FF3300"/>
                 </a:solidFill>
@@ -17139,7 +17037,7 @@
               <a:t> float </a:t>
             </a:r>
             <a:r>
-              <a:rPr lang="en-US" sz="1600">
+              <a:rPr lang="en-US" sz="1600" dirty="0">
                 <a:solidFill>
                   <a:srgbClr val="FF3300"/>
                 </a:solidFill>
@@ -17147,7 +17045,7 @@
               </a:rPr>
               <a:t> double</a:t>
             </a:r>
-            <a:endParaRPr lang="en-US" sz="1600" u="sng">
+            <a:endParaRPr lang="en-US" sz="1600" u="sng" dirty="0">
               <a:solidFill>
                 <a:srgbClr val="FF3300"/>
               </a:solidFill>
@@ -17417,7 +17315,7 @@
         <a:effectLst/>
         <a:extLst>
           <a:ext uri="{AF507438-7753-43e0-B8FC-AC1667EBCBE1}">
-            <a14:hiddenEffects xmlns:a14="http://schemas.microsoft.com/office/drawing/2010/main" xmlns="">
+            <a14:hiddenEffects xmlns="" xmlns:a14="http://schemas.microsoft.com/office/drawing/2010/main">
               <a:effectLst>
                 <a:outerShdw blurRad="63500" dist="38099" dir="2700000" algn="ctr" rotWithShape="0">
                   <a:schemeClr val="bg2">
@@ -17494,7 +17392,7 @@
         <a:effectLst/>
         <a:extLst>
           <a:ext uri="{AF507438-7753-43e0-B8FC-AC1667EBCBE1}">
-            <a14:hiddenEffects xmlns:a14="http://schemas.microsoft.com/office/drawing/2010/main" xmlns="">
+            <a14:hiddenEffects xmlns="" xmlns:a14="http://schemas.microsoft.com/office/drawing/2010/main">
               <a:effectLst>
                 <a:outerShdw blurRad="63500" dist="38099" dir="2700000" algn="ctr" rotWithShape="0">
                   <a:schemeClr val="bg2">

--- a/csc402-ln017.pptx
+++ b/csc402-ln017.pptx
@@ -12166,7 +12166,7 @@
         <p:spPr bwMode="auto">
           <a:xfrm>
             <a:off x="593725" y="2605088"/>
-            <a:ext cx="2535238" cy="366712"/>
+            <a:ext cx="5968301" cy="369332"/>
           </a:xfrm>
           <a:prstGeom prst="rect">
             <a:avLst/>
@@ -12214,10 +12214,26 @@
           <a:lstStyle/>
           <a:p>
             <a:r>
-              <a:rPr lang="en-US" sz="1800" u="sng"/>
-              <a:t>Subtype Polymorphism</a:t>
-            </a:r>
-            <a:endParaRPr lang="en-US" sz="1800"/>
+              <a:rPr lang="en-US" sz="1800" u="sng" dirty="0"/>
+              <a:t>Subtype </a:t>
+            </a:r>
+            <a:r>
+              <a:rPr lang="en-US" sz="1800" u="sng" dirty="0" smtClean="0"/>
+              <a:t>Polymorphism</a:t>
+            </a:r>
+            <a:r>
+              <a:rPr lang="en-US" sz="1800" dirty="0" smtClean="0"/>
+              <a:t> </a:t>
+            </a:r>
+            <a:r>
+              <a:rPr lang="mr-IN" sz="1800" dirty="0" smtClean="0"/>
+              <a:t>–</a:t>
+            </a:r>
+            <a:r>
+              <a:rPr lang="en-US" sz="1800" dirty="0" smtClean="0"/>
+              <a:t> essential for OO programming!</a:t>
+            </a:r>
+            <a:endParaRPr lang="en-US" sz="1800" dirty="0"/>
           </a:p>
         </p:txBody>
       </p:sp>
@@ -14341,39 +14357,83 @@
           <a:lstStyle/>
           <a:p>
             <a:r>
-              <a:rPr lang="en-US" sz="2600"/>
+              <a:rPr lang="en-US" sz="2600" dirty="0"/>
               <a:t>A principled approach to tagging terms and expressions with type names is called a </a:t>
             </a:r>
             <a:r>
-              <a:rPr lang="en-US" sz="2600" i="1"/>
+              <a:rPr lang="en-US" sz="2600" i="1" dirty="0"/>
               <a:t>type system</a:t>
             </a:r>
           </a:p>
           <a:p>
             <a:r>
-              <a:rPr lang="en-US" sz="2600"/>
+              <a:rPr lang="en-US" sz="2600" dirty="0"/>
               <a:t>Every modern programming language has one</a:t>
             </a:r>
           </a:p>
           <a:p>
             <a:r>
-              <a:rPr lang="en-US" sz="2600"/>
+              <a:rPr lang="en-US" sz="2600" dirty="0"/>
               <a:t>We have</a:t>
             </a:r>
           </a:p>
           <a:p>
             <a:pPr lvl="1"/>
             <a:r>
-              <a:rPr lang="en-US" sz="2200"/>
-              <a:t>Implicit type systems - type systems where the system automatically recognizes the type of a variable or constant</a:t>
-            </a:r>
+              <a:rPr lang="en-US" sz="2200" dirty="0"/>
+              <a:t>d</a:t>
+            </a:r>
+            <a:r>
+              <a:rPr lang="en-US" sz="2200" dirty="0" smtClean="0"/>
+              <a:t>ynamic type </a:t>
+            </a:r>
+            <a:r>
+              <a:rPr lang="en-US" sz="2200" dirty="0"/>
+              <a:t>systems - type systems where the system automatically recognizes the type of a variable or </a:t>
+            </a:r>
+            <a:r>
+              <a:rPr lang="en-US" sz="2200" dirty="0" smtClean="0"/>
+              <a:t>constant</a:t>
+            </a:r>
+          </a:p>
+          <a:p>
+            <a:pPr lvl="2"/>
+            <a:r>
+              <a:rPr lang="en-US" sz="1900" dirty="0" smtClean="0"/>
+              <a:t>e.g. Python, Haskell, JavaScript</a:t>
+            </a:r>
+            <a:endParaRPr lang="en-US" sz="1900" dirty="0"/>
           </a:p>
           <a:p>
             <a:pPr lvl="1"/>
             <a:r>
-              <a:rPr lang="en-US" sz="2200"/>
-              <a:t>Explicit type systems - type systems where the user has to explicitly declare the type of variables (and sometimes constants).</a:t>
-            </a:r>
+              <a:rPr lang="en-US" sz="2200" dirty="0" smtClean="0"/>
+              <a:t>static type </a:t>
+            </a:r>
+            <a:r>
+              <a:rPr lang="en-US" sz="2200" dirty="0"/>
+              <a:t>systems - type systems where the user has to explicitly declare the type of variables </a:t>
+            </a:r>
+            <a:r>
+              <a:rPr lang="en-US" sz="2200" dirty="0" smtClean="0"/>
+              <a:t>and </a:t>
+            </a:r>
+            <a:r>
+              <a:rPr lang="en-US" sz="2200" dirty="0"/>
+              <a:t>sometimes </a:t>
+            </a:r>
+            <a:r>
+              <a:rPr lang="en-US" sz="2200" dirty="0" smtClean="0"/>
+              <a:t>constants </a:t>
+            </a:r>
+          </a:p>
+          <a:p>
+            <a:pPr lvl="2"/>
+            <a:r>
+              <a:rPr lang="en-US" sz="1900" dirty="0" smtClean="0"/>
+              <a:t>e.g. Java, C, C++</a:t>
+            </a:r>
+            <a:endParaRPr lang="en-US" sz="1900" dirty="0"/>
           </a:p>
         </p:txBody>
       </p:sp>
@@ -14444,11 +14504,13 @@
         <p:spPr>
           <a:xfrm>
             <a:off x="457200" y="2063750"/>
-            <a:ext cx="8229600" cy="3270250"/>
+            <a:ext cx="8229600" cy="4413250"/>
           </a:xfrm>
         </p:spPr>
         <p:txBody>
-          <a:bodyPr/>
+          <a:bodyPr>
+            <a:normAutofit fontScale="92500" lnSpcReduction="10000"/>
+          </a:bodyPr>
           <a:lstStyle/>
           <a:p>
             <a:pPr>
@@ -14457,31 +14519,31 @@
               </a:lnSpc>
             </a:pPr>
             <a:r>
-              <a:rPr lang="en-US" sz="2600"/>
+              <a:rPr lang="en-US" sz="2600" dirty="0"/>
               <a:t>Types allow the language system to assist the developer in writing </a:t>
             </a:r>
             <a:r>
-              <a:rPr lang="en-US" sz="2600" i="1"/>
+              <a:rPr lang="en-US" sz="2600" i="1" dirty="0"/>
               <a:t>better programs</a:t>
             </a:r>
             <a:r>
-              <a:rPr lang="en-US" sz="2600"/>
+              <a:rPr lang="en-US" sz="2600" dirty="0"/>
               <a:t>. </a:t>
             </a:r>
             <a:r>
-              <a:rPr lang="en-US" sz="2600" i="1"/>
+              <a:rPr lang="en-US" sz="2600" i="1" dirty="0"/>
               <a:t>Type mismatches</a:t>
             </a:r>
             <a:r>
-              <a:rPr lang="en-US" sz="2600"/>
+              <a:rPr lang="en-US" sz="2600" dirty="0"/>
               <a:t> in a program usually indicate some sort of </a:t>
             </a:r>
             <a:r>
-              <a:rPr lang="en-US" sz="2600" i="1"/>
+              <a:rPr lang="en-US" sz="2600" i="1" dirty="0"/>
               <a:t>programming error</a:t>
             </a:r>
             <a:r>
-              <a:rPr lang="en-US" sz="2600"/>
+              <a:rPr lang="en-US" sz="2600" dirty="0"/>
               <a:t>.</a:t>
             </a:r>
           </a:p>
@@ -14492,19 +14554,19 @@
               </a:lnSpc>
             </a:pPr>
             <a:r>
-              <a:rPr lang="en-US" sz="2200" u="sng"/>
+              <a:rPr lang="en-US" sz="2200" u="sng" dirty="0"/>
               <a:t>Static type checking</a:t>
             </a:r>
             <a:r>
-              <a:rPr lang="en-US" sz="2200"/>
+              <a:rPr lang="en-US" sz="2200" dirty="0"/>
               <a:t> – check the types of all statements and expressions at </a:t>
             </a:r>
             <a:r>
-              <a:rPr lang="en-US" sz="2200" u="sng"/>
+              <a:rPr lang="en-US" sz="2200" u="sng" dirty="0"/>
               <a:t>compile time</a:t>
             </a:r>
             <a:r>
-              <a:rPr lang="en-US" sz="2200"/>
+              <a:rPr lang="en-US" sz="2200" dirty="0"/>
               <a:t>.</a:t>
             </a:r>
           </a:p>
@@ -14515,22 +14577,67 @@
               </a:lnSpc>
             </a:pPr>
             <a:r>
-              <a:rPr lang="en-US" sz="2200" u="sng"/>
+              <a:rPr lang="en-US" sz="2200" u="sng" dirty="0"/>
               <a:t>Dynamic type checking</a:t>
             </a:r>
             <a:r>
-              <a:rPr lang="en-US" sz="2200"/>
+              <a:rPr lang="en-US" sz="2200" dirty="0"/>
               <a:t> – check the types at </a:t>
             </a:r>
             <a:r>
-              <a:rPr lang="en-US" sz="2200" u="sng"/>
+              <a:rPr lang="en-US" sz="2200" u="sng" dirty="0"/>
               <a:t>runtime</a:t>
             </a:r>
             <a:r>
-              <a:rPr lang="en-US" sz="2200"/>
+              <a:rPr lang="en-US" sz="2200" dirty="0" smtClean="0"/>
               <a:t>.</a:t>
             </a:r>
-            <a:endParaRPr lang="en-US" sz="2200" u="sng"/>
+          </a:p>
+          <a:p>
+            <a:pPr marL="393700" indent="-285750">
+              <a:lnSpc>
+                <a:spcPct val="90000"/>
+              </a:lnSpc>
+            </a:pPr>
+            <a:r>
+              <a:rPr lang="en-US" sz="2600" dirty="0" smtClean="0"/>
+              <a:t>Languages with a static type system can be type checked dynamically and statically</a:t>
+            </a:r>
+          </a:p>
+          <a:p>
+            <a:pPr marL="393700" indent="-285750">
+              <a:lnSpc>
+                <a:spcPct val="90000"/>
+              </a:lnSpc>
+            </a:pPr>
+            <a:r>
+              <a:rPr lang="en-US" sz="2600" dirty="0" smtClean="0"/>
+              <a:t>Languages with a dynamic type system can only be type checked dynamically</a:t>
+            </a:r>
+          </a:p>
+          <a:p>
+            <a:pPr marL="393700" indent="-285750">
+              <a:lnSpc>
+                <a:spcPct val="90000"/>
+              </a:lnSpc>
+            </a:pPr>
+            <a:r>
+              <a:rPr lang="en-US" sz="2600" dirty="0" smtClean="0"/>
+              <a:t>New research: </a:t>
+            </a:r>
+            <a:r>
+              <a:rPr lang="en-US" sz="2600" u="sng" dirty="0" smtClean="0"/>
+              <a:t>gradual typing </a:t>
+            </a:r>
+            <a:r>
+              <a:rPr lang="mr-IN" sz="2600" dirty="0" smtClean="0"/>
+              <a:t>–</a:t>
+            </a:r>
+            <a:r>
+              <a:rPr lang="en-US" sz="2600" dirty="0" smtClean="0"/>
+              <a:t> type check as much as possible statically and then do the rest dynamical.</a:t>
+            </a:r>
+            <a:endParaRPr lang="en-US" sz="2600" dirty="0"/>
           </a:p>
         </p:txBody>
       </p:sp>
@@ -14642,7 +14749,7 @@
           <a:lstStyle/>
           <a:p>
             <a:r>
-              <a:rPr lang="en-US" sz="2400" b="1"/>
+              <a:rPr lang="en-US" sz="2400" b="1" dirty="0"/>
               <a:t>A Type is a Set of Values</a:t>
             </a:r>
           </a:p>
@@ -14707,77 +14814,93 @@
           <a:lstStyle/>
           <a:p>
             <a:r>
-              <a:rPr lang="en-US" sz="1600"/>
+              <a:rPr lang="en-US" sz="1600" dirty="0"/>
               <a:t>Consider the statement:</a:t>
             </a:r>
           </a:p>
           <a:p>
-            <a:endParaRPr lang="en-US" sz="1600"/>
-          </a:p>
-          <a:p>
-            <a:r>
-              <a:rPr lang="en-US" sz="1600"/>
-              <a:t>	int n;</a:t>
-            </a:r>
-          </a:p>
-          <a:p>
-            <a:endParaRPr lang="en-US" sz="1600"/>
-          </a:p>
-          <a:p>
-            <a:r>
-              <a:rPr lang="en-US" sz="1600"/>
+            <a:endParaRPr lang="en-US" sz="1600" dirty="0"/>
+          </a:p>
+          <a:p>
+            <a:r>
+              <a:rPr lang="en-US" sz="1600" dirty="0"/>
+              <a:t>	</a:t>
+            </a:r>
+            <a:r>
+              <a:rPr lang="en-US" sz="1600" dirty="0" err="1"/>
+              <a:t>int</a:t>
+            </a:r>
+            <a:r>
+              <a:rPr lang="en-US" sz="1600" dirty="0"/>
+              <a:t> n;</a:t>
+            </a:r>
+          </a:p>
+          <a:p>
+            <a:endParaRPr lang="en-US" sz="1600" dirty="0"/>
+          </a:p>
+          <a:p>
+            <a:r>
+              <a:rPr lang="en-US" sz="1600" dirty="0"/>
               <a:t>Here we declare n to be a variable of </a:t>
             </a:r>
             <a:r>
-              <a:rPr lang="en-US" sz="1600" i="1"/>
+              <a:rPr lang="en-US" sz="1600" i="1" dirty="0"/>
               <a:t>type</a:t>
             </a:r>
             <a:r>
-              <a:rPr lang="en-US" sz="1600"/>
-              <a:t> int; what we mean, n can take on any </a:t>
-            </a:r>
-          </a:p>
-          <a:p>
-            <a:r>
-              <a:rPr lang="en-US" sz="1600"/>
+              <a:rPr lang="en-US" sz="1600" dirty="0"/>
+              <a:t> </a:t>
+            </a:r>
+            <a:r>
+              <a:rPr lang="en-US" sz="1600" dirty="0" err="1"/>
+              <a:t>int</a:t>
+            </a:r>
+            <a:r>
+              <a:rPr lang="en-US" sz="1600" dirty="0"/>
+              <a:t>; what we mean, n can take on any </a:t>
+            </a:r>
+          </a:p>
+          <a:p>
+            <a:r>
+              <a:rPr lang="en-US" sz="1600" dirty="0"/>
               <a:t>value from the </a:t>
             </a:r>
             <a:r>
-              <a:rPr lang="en-US" sz="1600" i="1"/>
+              <a:rPr lang="en-US" sz="1600" i="1" dirty="0"/>
               <a:t>set of all integer values</a:t>
             </a:r>
             <a:r>
-              <a:rPr lang="en-US" sz="1600"/>
+              <a:rPr lang="en-US" sz="1600" dirty="0"/>
               <a:t>.</a:t>
             </a:r>
           </a:p>
           <a:p>
-            <a:endParaRPr lang="en-US" sz="1600"/>
-          </a:p>
-          <a:p>
-            <a:r>
-              <a:rPr lang="en-US" sz="1600"/>
+            <a:endParaRPr lang="en-US" sz="1600" dirty="0"/>
+          </a:p>
+          <a:p>
+            <a:r>
+              <a:rPr lang="en-US" sz="1600" dirty="0"/>
               <a:t>Also observe that the elements in a type share a common representation: each</a:t>
             </a:r>
           </a:p>
           <a:p>
             <a:r>
-              <a:rPr lang="en-US" sz="1600"/>
+              <a:rPr lang="en-US" sz="1600" dirty="0"/>
               <a:t>element is encoded in the same way (float, double, char, etc.)</a:t>
             </a:r>
           </a:p>
           <a:p>
-            <a:endParaRPr lang="en-US" sz="1600"/>
-          </a:p>
-          <a:p>
-            <a:r>
-              <a:rPr lang="en-US" sz="1600"/>
+            <a:endParaRPr lang="en-US" sz="1600" dirty="0"/>
+          </a:p>
+          <a:p>
+            <a:r>
+              <a:rPr lang="en-US" sz="1600" dirty="0"/>
               <a:t>Also, all elements of a type share the same operations the language supports </a:t>
             </a:r>
           </a:p>
           <a:p>
             <a:r>
-              <a:rPr lang="en-US" sz="1600"/>
+              <a:rPr lang="en-US" sz="1600" dirty="0"/>
               <a:t>for them.</a:t>
             </a:r>
           </a:p>
